--- a/project_management/projectManegment.pptx
+++ b/project_management/projectManegment.pptx
@@ -6,11 +6,11 @@
   </p:sldMasterIdLst>
   <p:sldIdLst>
     <p:sldId id="256" r:id="rId2"/>
-    <p:sldId id="257" r:id="rId3"/>
-    <p:sldId id="258" r:id="rId4"/>
-    <p:sldId id="259" r:id="rId5"/>
-    <p:sldId id="260" r:id="rId6"/>
-    <p:sldId id="261" r:id="rId7"/>
+    <p:sldId id="262" r:id="rId3"/>
+    <p:sldId id="257" r:id="rId4"/>
+    <p:sldId id="258" r:id="rId5"/>
+    <p:sldId id="259" r:id="rId6"/>
+    <p:sldId id="260" r:id="rId7"/>
   </p:sldIdLst>
   <p:sldSz cx="12192000" cy="6858000"/>
   <p:notesSz cx="6858000" cy="9144000"/>
@@ -120,6 +120,7 @@
 <file path=ppt/revisionInfo.xml><?xml version="1.0" encoding="utf-8"?>
 <p1510:revInfo xmlns:a="http://schemas.openxmlformats.org/drawingml/2006/main" xmlns:r="http://schemas.openxmlformats.org/officeDocument/2006/relationships" xmlns:p1510="http://schemas.microsoft.com/office/powerpoint/2015/10/main">
   <p1510:revLst>
+    <p1510:client id="{202571C5-7BCA-492B-87C8-0917E2063791}" v="45" dt="2023-12-05T08:35:45.735"/>
     <p1510:client id="{6360B937-1E6C-498F-81CC-C454BA63D340}" v="14" dt="2023-12-04T02:20:12.381"/>
     <p1510:client id="{BDC59550-286D-4109-AE85-108A942A3B99}" v="7" dt="2023-12-04T01:53:33.310"/>
     <p1510:client id="{C46261EC-028D-4E63-8FE6-BBBEFD114F06}" v="114" dt="2023-12-04T04:22:52.470"/>
@@ -3967,7 +3968,7 @@
           <a:p>
             <a:fld id="{72345051-2045-45DA-935E-2E3CA1A69ADC}" type="datetimeFigureOut">
               <a:rPr lang="en-US" smtClean="0"/>
-              <a:t>12/3/2023</a:t>
+              <a:t>12/5/2023</a:t>
             </a:fld>
             <a:endParaRPr lang="en-US" dirty="0"/>
           </a:p>
@@ -4165,7 +4166,7 @@
           <a:p>
             <a:fld id="{72345051-2045-45DA-935E-2E3CA1A69ADC}" type="datetimeFigureOut">
               <a:rPr lang="en-US" smtClean="0"/>
-              <a:t>12/3/2023</a:t>
+              <a:t>12/5/2023</a:t>
             </a:fld>
             <a:endParaRPr lang="en-US"/>
           </a:p>
@@ -4373,7 +4374,7 @@
           <a:p>
             <a:fld id="{72345051-2045-45DA-935E-2E3CA1A69ADC}" type="datetimeFigureOut">
               <a:rPr lang="en-US" smtClean="0"/>
-              <a:t>12/3/2023</a:t>
+              <a:t>12/5/2023</a:t>
             </a:fld>
             <a:endParaRPr lang="en-US"/>
           </a:p>
@@ -4595,7 +4596,7 @@
           <a:p>
             <a:fld id="{72345051-2045-45DA-935E-2E3CA1A69ADC}" type="datetimeFigureOut">
               <a:rPr lang="en-US" smtClean="0"/>
-              <a:t>12/3/2023</a:t>
+              <a:t>12/5/2023</a:t>
             </a:fld>
             <a:endParaRPr lang="en-US"/>
           </a:p>
@@ -5506,7 +5507,7 @@
           <a:p>
             <a:fld id="{72345051-2045-45DA-935E-2E3CA1A69ADC}" type="datetimeFigureOut">
               <a:rPr lang="en-US" smtClean="0"/>
-              <a:t>12/3/2023</a:t>
+              <a:t>12/5/2023</a:t>
             </a:fld>
             <a:endParaRPr lang="en-US"/>
           </a:p>
@@ -6109,7 +6110,7 @@
           <a:p>
             <a:fld id="{72345051-2045-45DA-935E-2E3CA1A69ADC}" type="datetimeFigureOut">
               <a:rPr lang="en-US" smtClean="0"/>
-              <a:t>12/3/2023</a:t>
+              <a:t>12/5/2023</a:t>
             </a:fld>
             <a:endParaRPr lang="en-US"/>
           </a:p>
@@ -7157,7 +7158,7 @@
           <a:p>
             <a:fld id="{72345051-2045-45DA-935E-2E3CA1A69ADC}" type="datetimeFigureOut">
               <a:rPr lang="en-US" smtClean="0"/>
-              <a:t>12/3/2023</a:t>
+              <a:t>12/5/2023</a:t>
             </a:fld>
             <a:endParaRPr lang="en-US"/>
           </a:p>
@@ -7941,7 +7942,7 @@
           <a:p>
             <a:fld id="{72345051-2045-45DA-935E-2E3CA1A69ADC}" type="datetimeFigureOut">
               <a:rPr lang="en-US" smtClean="0"/>
-              <a:t>12/3/2023</a:t>
+              <a:t>12/5/2023</a:t>
             </a:fld>
             <a:endParaRPr lang="en-US"/>
           </a:p>
@@ -8390,7 +8391,7 @@
           <a:p>
             <a:fld id="{72345051-2045-45DA-935E-2E3CA1A69ADC}" type="datetimeFigureOut">
               <a:rPr lang="en-US" smtClean="0"/>
-              <a:t>12/3/2023</a:t>
+              <a:t>12/5/2023</a:t>
             </a:fld>
             <a:endParaRPr lang="en-US"/>
           </a:p>
@@ -8707,7 +8708,7 @@
           <a:p>
             <a:fld id="{72345051-2045-45DA-935E-2E3CA1A69ADC}" type="datetimeFigureOut">
               <a:rPr lang="en-US" smtClean="0"/>
-              <a:t>12/3/2023</a:t>
+              <a:t>12/5/2023</a:t>
             </a:fld>
             <a:endParaRPr lang="en-US"/>
           </a:p>
@@ -9335,7 +9336,7 @@
           <a:p>
             <a:fld id="{72345051-2045-45DA-935E-2E3CA1A69ADC}" type="datetimeFigureOut">
               <a:rPr lang="en-US" smtClean="0"/>
-              <a:t>12/3/2023</a:t>
+              <a:t>12/5/2023</a:t>
             </a:fld>
             <a:endParaRPr lang="en-US"/>
           </a:p>
@@ -9908,7 +9909,7 @@
           <a:p>
             <a:fld id="{72345051-2045-45DA-935E-2E3CA1A69ADC}" type="datetimeFigureOut">
               <a:rPr lang="en-US" smtClean="0"/>
-              <a:t>12/3/2023</a:t>
+              <a:t>12/5/2023</a:t>
             </a:fld>
             <a:endParaRPr lang="en-US" dirty="0"/>
           </a:p>
@@ -11471,6 +11472,700 @@
       </p:grpSpPr>
       <p:sp useBgFill="1">
         <p:nvSpPr>
+          <p:cNvPr id="23" name="Rectangle 22">
+            <a:extLst>
+              <a:ext uri="{FF2B5EF4-FFF2-40B4-BE49-F238E27FC236}">
+                <a16:creationId xmlns:a16="http://schemas.microsoft.com/office/drawing/2014/main" id="{A9D2268A-D939-4E78-91B6-6C7E46406788}"/>
+              </a:ext>
+              <a:ext uri="{C183D7F6-B498-43B3-948B-1728B52AA6E4}">
+                <adec:decorative xmlns:adec="http://schemas.microsoft.com/office/drawing/2017/decorative" val="1"/>
+              </a:ext>
+            </a:extLst>
+          </p:cNvPr>
+          <p:cNvSpPr>
+            <a:spLocks noGrp="1" noRot="1" noChangeAspect="1" noMove="1" noResize="1" noEditPoints="1" noAdjustHandles="1" noChangeArrowheads="1" noChangeShapeType="1" noTextEdit="1"/>
+          </p:cNvSpPr>
+          <p:nvPr>
+            <p:extLst>
+              <p:ext uri="{386F3935-93C4-4BCD-93E2-E3B085C9AB24}">
+                <p16:designElem xmlns:p16="http://schemas.microsoft.com/office/powerpoint/2015/main" val="1"/>
+              </p:ext>
+            </p:extLst>
+          </p:nvPr>
+        </p:nvSpPr>
+        <p:spPr>
+          <a:xfrm>
+            <a:off x="0" y="0"/>
+            <a:ext cx="12188952" cy="6858000"/>
+          </a:xfrm>
+          <a:prstGeom prst="rect">
+            <a:avLst/>
+          </a:prstGeom>
+          <a:ln>
+            <a:noFill/>
+          </a:ln>
+        </p:spPr>
+        <p:style>
+          <a:lnRef idx="2">
+            <a:schemeClr val="accent1">
+              <a:shade val="50000"/>
+            </a:schemeClr>
+          </a:lnRef>
+          <a:fillRef idx="1">
+            <a:schemeClr val="accent1"/>
+          </a:fillRef>
+          <a:effectRef idx="0">
+            <a:schemeClr val="accent1"/>
+          </a:effectRef>
+          <a:fontRef idx="minor">
+            <a:schemeClr val="lt1"/>
+          </a:fontRef>
+        </p:style>
+        <p:txBody>
+          <a:bodyPr rtlCol="0" anchor="ctr"/>
+          <a:lstStyle/>
+          <a:p>
+            <a:pPr algn="ctr"/>
+            <a:endParaRPr lang="en-US"/>
+          </a:p>
+        </p:txBody>
+      </p:sp>
+      <p:pic>
+        <p:nvPicPr>
+          <p:cNvPr id="6" name="Picture 5" descr="Long exposure of lights">
+            <a:extLst>
+              <a:ext uri="{FF2B5EF4-FFF2-40B4-BE49-F238E27FC236}">
+                <a16:creationId xmlns:a16="http://schemas.microsoft.com/office/drawing/2014/main" id="{9D1F6223-73AF-969C-DC19-DAEC9E8B56EE}"/>
+              </a:ext>
+            </a:extLst>
+          </p:cNvPr>
+          <p:cNvPicPr>
+            <a:picLocks noChangeAspect="1"/>
+          </p:cNvPicPr>
+          <p:nvPr/>
+        </p:nvPicPr>
+        <p:blipFill rotWithShape="1">
+          <a:blip r:embed="rId2">
+            <a:alphaModFix amt="40000"/>
+          </a:blip>
+          <a:srcRect t="15730"/>
+          <a:stretch/>
+        </p:blipFill>
+        <p:spPr>
+          <a:xfrm>
+            <a:off x="20" y="10"/>
+            <a:ext cx="12191979" cy="6857990"/>
+          </a:xfrm>
+          <a:prstGeom prst="rect">
+            <a:avLst/>
+          </a:prstGeom>
+        </p:spPr>
+      </p:pic>
+      <p:sp>
+        <p:nvSpPr>
+          <p:cNvPr id="2" name="Title 1">
+            <a:extLst>
+              <a:ext uri="{FF2B5EF4-FFF2-40B4-BE49-F238E27FC236}">
+                <a16:creationId xmlns:a16="http://schemas.microsoft.com/office/drawing/2014/main" id="{36CF9491-CAC0-7943-FF11-847F0A8D06AD}"/>
+              </a:ext>
+            </a:extLst>
+          </p:cNvPr>
+          <p:cNvSpPr>
+            <a:spLocks noGrp="1"/>
+          </p:cNvSpPr>
+          <p:nvPr>
+            <p:ph type="title"/>
+          </p:nvPr>
+        </p:nvSpPr>
+        <p:spPr>
+          <a:xfrm>
+            <a:off x="640080" y="853673"/>
+            <a:ext cx="4023360" cy="5004794"/>
+          </a:xfrm>
+        </p:spPr>
+        <p:txBody>
+          <a:bodyPr>
+            <a:normAutofit/>
+          </a:bodyPr>
+          <a:lstStyle/>
+          <a:p>
+            <a:r>
+              <a:rPr lang="en-US" sz="7200" b="1">
+                <a:ea typeface="+mj-lt"/>
+                <a:cs typeface="+mj-lt"/>
+              </a:rPr>
+              <a:t>Executive Summary</a:t>
+            </a:r>
+            <a:endParaRPr lang="en-US" sz="7200">
+              <a:ea typeface="+mj-lt"/>
+              <a:cs typeface="+mj-lt"/>
+            </a:endParaRPr>
+          </a:p>
+          <a:p>
+            <a:endParaRPr lang="en-US" sz="7200"/>
+          </a:p>
+        </p:txBody>
+      </p:sp>
+      <p:sp>
+        <p:nvSpPr>
+          <p:cNvPr id="3" name="Content Placeholder 2">
+            <a:extLst>
+              <a:ext uri="{FF2B5EF4-FFF2-40B4-BE49-F238E27FC236}">
+                <a16:creationId xmlns:a16="http://schemas.microsoft.com/office/drawing/2014/main" id="{C75F43B0-804B-B27D-F761-2A359B0D4A4F}"/>
+              </a:ext>
+            </a:extLst>
+          </p:cNvPr>
+          <p:cNvSpPr>
+            <a:spLocks noGrp="1"/>
+          </p:cNvSpPr>
+          <p:nvPr>
+            <p:ph idx="1"/>
+          </p:nvPr>
+        </p:nvSpPr>
+        <p:spPr>
+          <a:xfrm>
+            <a:off x="5515576" y="770166"/>
+            <a:ext cx="5892452" cy="5004794"/>
+          </a:xfrm>
+        </p:spPr>
+        <p:txBody>
+          <a:bodyPr vert="horz" lIns="91440" tIns="45720" rIns="91440" bIns="45720" rtlCol="0" anchor="ctr">
+            <a:normAutofit/>
+          </a:bodyPr>
+          <a:lstStyle/>
+          <a:p>
+            <a:pPr marL="0" indent="0">
+              <a:lnSpc>
+                <a:spcPct val="100000"/>
+              </a:lnSpc>
+              <a:buNone/>
+            </a:pPr>
+            <a:r>
+              <a:rPr lang="en-US" sz="2600">
+                <a:ea typeface="+mn-lt"/>
+                <a:cs typeface="+mn-lt"/>
+              </a:rPr>
+              <a:t>The Smart Bump Alert System aims to enhance road safety through a compact device in cars. It includes a tiny computer, GPS, SIM card, and a user-friendly screen, alerting drivers about upcoming speed bumps. Our project focuses on careful research and harnessing public support for data collection. In the future, we envision collaborating with the government to enhance road safety using our collected data. Additionally, potential partnerships with map companies could involve sharing our data to improve their maps. Our ultimate objective is to contribute to safer roads for everyone.</a:t>
+            </a:r>
+            <a:endParaRPr lang="en-US" sz="2600"/>
+          </a:p>
+          <a:p>
+            <a:pPr marL="0" indent="0">
+              <a:lnSpc>
+                <a:spcPct val="100000"/>
+              </a:lnSpc>
+              <a:buNone/>
+            </a:pPr>
+            <a:br>
+              <a:rPr lang="en-US" sz="2600"/>
+            </a:br>
+            <a:endParaRPr lang="en-US" sz="2600"/>
+          </a:p>
+          <a:p>
+            <a:pPr>
+              <a:lnSpc>
+                <a:spcPct val="100000"/>
+              </a:lnSpc>
+            </a:pPr>
+            <a:endParaRPr lang="en-US" sz="2600"/>
+          </a:p>
+        </p:txBody>
+      </p:sp>
+      <p:sp>
+        <p:nvSpPr>
+          <p:cNvPr id="25" name="sketchy content container">
+            <a:extLst>
+              <a:ext uri="{FF2B5EF4-FFF2-40B4-BE49-F238E27FC236}">
+                <a16:creationId xmlns:a16="http://schemas.microsoft.com/office/drawing/2014/main" id="{E0C43A58-225D-452D-8185-0D89D1EED861}"/>
+              </a:ext>
+              <a:ext uri="{C183D7F6-B498-43B3-948B-1728B52AA6E4}">
+                <adec:decorative xmlns:adec="http://schemas.microsoft.com/office/drawing/2017/decorative" val="1"/>
+              </a:ext>
+            </a:extLst>
+          </p:cNvPr>
+          <p:cNvSpPr>
+            <a:spLocks noGrp="1" noRot="1" noChangeAspect="1" noMove="1" noResize="1" noEditPoints="1" noAdjustHandles="1" noChangeArrowheads="1" noChangeShapeType="1" noTextEdit="1"/>
+          </p:cNvSpPr>
+          <p:nvPr>
+            <p:extLst>
+              <p:ext uri="{386F3935-93C4-4BCD-93E2-E3B085C9AB24}">
+                <p16:designElem xmlns:p16="http://schemas.microsoft.com/office/powerpoint/2015/main" val="1"/>
+              </p:ext>
+            </p:extLst>
+          </p:nvPr>
+        </p:nvSpPr>
+        <p:spPr>
+          <a:xfrm>
+            <a:off x="5318921" y="493776"/>
+            <a:ext cx="6229604" cy="5722227"/>
+          </a:xfrm>
+          <a:custGeom>
+            <a:avLst/>
+            <a:gdLst>
+              <a:gd name="connsiteX0" fmla="*/ 0 w 6229604"/>
+              <a:gd name="connsiteY0" fmla="*/ 0 h 5722227"/>
+              <a:gd name="connsiteX1" fmla="*/ 629882 w 6229604"/>
+              <a:gd name="connsiteY1" fmla="*/ 0 h 5722227"/>
+              <a:gd name="connsiteX2" fmla="*/ 1135172 w 6229604"/>
+              <a:gd name="connsiteY2" fmla="*/ 0 h 5722227"/>
+              <a:gd name="connsiteX3" fmla="*/ 1951943 w 6229604"/>
+              <a:gd name="connsiteY3" fmla="*/ 0 h 5722227"/>
+              <a:gd name="connsiteX4" fmla="*/ 2581825 w 6229604"/>
+              <a:gd name="connsiteY4" fmla="*/ 0 h 5722227"/>
+              <a:gd name="connsiteX5" fmla="*/ 3211707 w 6229604"/>
+              <a:gd name="connsiteY5" fmla="*/ 0 h 5722227"/>
+              <a:gd name="connsiteX6" fmla="*/ 4028477 w 6229604"/>
+              <a:gd name="connsiteY6" fmla="*/ 0 h 5722227"/>
+              <a:gd name="connsiteX7" fmla="*/ 4596063 w 6229604"/>
+              <a:gd name="connsiteY7" fmla="*/ 0 h 5722227"/>
+              <a:gd name="connsiteX8" fmla="*/ 5412834 w 6229604"/>
+              <a:gd name="connsiteY8" fmla="*/ 0 h 5722227"/>
+              <a:gd name="connsiteX9" fmla="*/ 6229604 w 6229604"/>
+              <a:gd name="connsiteY9" fmla="*/ 0 h 5722227"/>
+              <a:gd name="connsiteX10" fmla="*/ 6229604 w 6229604"/>
+              <a:gd name="connsiteY10" fmla="*/ 635803 h 5722227"/>
+              <a:gd name="connsiteX11" fmla="*/ 6229604 w 6229604"/>
+              <a:gd name="connsiteY11" fmla="*/ 1271606 h 5722227"/>
+              <a:gd name="connsiteX12" fmla="*/ 6229604 w 6229604"/>
+              <a:gd name="connsiteY12" fmla="*/ 1964631 h 5722227"/>
+              <a:gd name="connsiteX13" fmla="*/ 6229604 w 6229604"/>
+              <a:gd name="connsiteY13" fmla="*/ 2428767 h 5722227"/>
+              <a:gd name="connsiteX14" fmla="*/ 6229604 w 6229604"/>
+              <a:gd name="connsiteY14" fmla="*/ 3064570 h 5722227"/>
+              <a:gd name="connsiteX15" fmla="*/ 6229604 w 6229604"/>
+              <a:gd name="connsiteY15" fmla="*/ 3700373 h 5722227"/>
+              <a:gd name="connsiteX16" fmla="*/ 6229604 w 6229604"/>
+              <a:gd name="connsiteY16" fmla="*/ 4336176 h 5722227"/>
+              <a:gd name="connsiteX17" fmla="*/ 6229604 w 6229604"/>
+              <a:gd name="connsiteY17" fmla="*/ 5029202 h 5722227"/>
+              <a:gd name="connsiteX18" fmla="*/ 6229604 w 6229604"/>
+              <a:gd name="connsiteY18" fmla="*/ 5722227 h 5722227"/>
+              <a:gd name="connsiteX19" fmla="*/ 5475130 w 6229604"/>
+              <a:gd name="connsiteY19" fmla="*/ 5722227 h 5722227"/>
+              <a:gd name="connsiteX20" fmla="*/ 4907544 w 6229604"/>
+              <a:gd name="connsiteY20" fmla="*/ 5722227 h 5722227"/>
+              <a:gd name="connsiteX21" fmla="*/ 4090773 w 6229604"/>
+              <a:gd name="connsiteY21" fmla="*/ 5722227 h 5722227"/>
+              <a:gd name="connsiteX22" fmla="*/ 3398595 w 6229604"/>
+              <a:gd name="connsiteY22" fmla="*/ 5722227 h 5722227"/>
+              <a:gd name="connsiteX23" fmla="*/ 2831009 w 6229604"/>
+              <a:gd name="connsiteY23" fmla="*/ 5722227 h 5722227"/>
+              <a:gd name="connsiteX24" fmla="*/ 2138831 w 6229604"/>
+              <a:gd name="connsiteY24" fmla="*/ 5722227 h 5722227"/>
+              <a:gd name="connsiteX25" fmla="*/ 1633541 w 6229604"/>
+              <a:gd name="connsiteY25" fmla="*/ 5722227 h 5722227"/>
+              <a:gd name="connsiteX26" fmla="*/ 1128251 w 6229604"/>
+              <a:gd name="connsiteY26" fmla="*/ 5722227 h 5722227"/>
+              <a:gd name="connsiteX27" fmla="*/ 0 w 6229604"/>
+              <a:gd name="connsiteY27" fmla="*/ 5722227 h 5722227"/>
+              <a:gd name="connsiteX28" fmla="*/ 0 w 6229604"/>
+              <a:gd name="connsiteY28" fmla="*/ 5200869 h 5722227"/>
+              <a:gd name="connsiteX29" fmla="*/ 0 w 6229604"/>
+              <a:gd name="connsiteY29" fmla="*/ 4450621 h 5722227"/>
+              <a:gd name="connsiteX30" fmla="*/ 0 w 6229604"/>
+              <a:gd name="connsiteY30" fmla="*/ 3872040 h 5722227"/>
+              <a:gd name="connsiteX31" fmla="*/ 0 w 6229604"/>
+              <a:gd name="connsiteY31" fmla="*/ 3407904 h 5722227"/>
+              <a:gd name="connsiteX32" fmla="*/ 0 w 6229604"/>
+              <a:gd name="connsiteY32" fmla="*/ 2714879 h 5722227"/>
+              <a:gd name="connsiteX33" fmla="*/ 0 w 6229604"/>
+              <a:gd name="connsiteY33" fmla="*/ 2193520 h 5722227"/>
+              <a:gd name="connsiteX34" fmla="*/ 0 w 6229604"/>
+              <a:gd name="connsiteY34" fmla="*/ 1500495 h 5722227"/>
+              <a:gd name="connsiteX35" fmla="*/ 0 w 6229604"/>
+              <a:gd name="connsiteY35" fmla="*/ 750248 h 5722227"/>
+              <a:gd name="connsiteX36" fmla="*/ 0 w 6229604"/>
+              <a:gd name="connsiteY36" fmla="*/ 0 h 5722227"/>
+            </a:gdLst>
+            <a:ahLst/>
+            <a:cxnLst>
+              <a:cxn ang="0">
+                <a:pos x="connsiteX0" y="connsiteY0"/>
+              </a:cxn>
+              <a:cxn ang="0">
+                <a:pos x="connsiteX1" y="connsiteY1"/>
+              </a:cxn>
+              <a:cxn ang="0">
+                <a:pos x="connsiteX2" y="connsiteY2"/>
+              </a:cxn>
+              <a:cxn ang="0">
+                <a:pos x="connsiteX3" y="connsiteY3"/>
+              </a:cxn>
+              <a:cxn ang="0">
+                <a:pos x="connsiteX4" y="connsiteY4"/>
+              </a:cxn>
+              <a:cxn ang="0">
+                <a:pos x="connsiteX5" y="connsiteY5"/>
+              </a:cxn>
+              <a:cxn ang="0">
+                <a:pos x="connsiteX6" y="connsiteY6"/>
+              </a:cxn>
+              <a:cxn ang="0">
+                <a:pos x="connsiteX7" y="connsiteY7"/>
+              </a:cxn>
+              <a:cxn ang="0">
+                <a:pos x="connsiteX8" y="connsiteY8"/>
+              </a:cxn>
+              <a:cxn ang="0">
+                <a:pos x="connsiteX9" y="connsiteY9"/>
+              </a:cxn>
+              <a:cxn ang="0">
+                <a:pos x="connsiteX10" y="connsiteY10"/>
+              </a:cxn>
+              <a:cxn ang="0">
+                <a:pos x="connsiteX11" y="connsiteY11"/>
+              </a:cxn>
+              <a:cxn ang="0">
+                <a:pos x="connsiteX12" y="connsiteY12"/>
+              </a:cxn>
+              <a:cxn ang="0">
+                <a:pos x="connsiteX13" y="connsiteY13"/>
+              </a:cxn>
+              <a:cxn ang="0">
+                <a:pos x="connsiteX14" y="connsiteY14"/>
+              </a:cxn>
+              <a:cxn ang="0">
+                <a:pos x="connsiteX15" y="connsiteY15"/>
+              </a:cxn>
+              <a:cxn ang="0">
+                <a:pos x="connsiteX16" y="connsiteY16"/>
+              </a:cxn>
+              <a:cxn ang="0">
+                <a:pos x="connsiteX17" y="connsiteY17"/>
+              </a:cxn>
+              <a:cxn ang="0">
+                <a:pos x="connsiteX18" y="connsiteY18"/>
+              </a:cxn>
+              <a:cxn ang="0">
+                <a:pos x="connsiteX19" y="connsiteY19"/>
+              </a:cxn>
+              <a:cxn ang="0">
+                <a:pos x="connsiteX20" y="connsiteY20"/>
+              </a:cxn>
+              <a:cxn ang="0">
+                <a:pos x="connsiteX21" y="connsiteY21"/>
+              </a:cxn>
+              <a:cxn ang="0">
+                <a:pos x="connsiteX22" y="connsiteY22"/>
+              </a:cxn>
+              <a:cxn ang="0">
+                <a:pos x="connsiteX23" y="connsiteY23"/>
+              </a:cxn>
+              <a:cxn ang="0">
+                <a:pos x="connsiteX24" y="connsiteY24"/>
+              </a:cxn>
+              <a:cxn ang="0">
+                <a:pos x="connsiteX25" y="connsiteY25"/>
+              </a:cxn>
+              <a:cxn ang="0">
+                <a:pos x="connsiteX26" y="connsiteY26"/>
+              </a:cxn>
+              <a:cxn ang="0">
+                <a:pos x="connsiteX27" y="connsiteY27"/>
+              </a:cxn>
+              <a:cxn ang="0">
+                <a:pos x="connsiteX28" y="connsiteY28"/>
+              </a:cxn>
+              <a:cxn ang="0">
+                <a:pos x="connsiteX29" y="connsiteY29"/>
+              </a:cxn>
+              <a:cxn ang="0">
+                <a:pos x="connsiteX30" y="connsiteY30"/>
+              </a:cxn>
+              <a:cxn ang="0">
+                <a:pos x="connsiteX31" y="connsiteY31"/>
+              </a:cxn>
+              <a:cxn ang="0">
+                <a:pos x="connsiteX32" y="connsiteY32"/>
+              </a:cxn>
+              <a:cxn ang="0">
+                <a:pos x="connsiteX33" y="connsiteY33"/>
+              </a:cxn>
+              <a:cxn ang="0">
+                <a:pos x="connsiteX34" y="connsiteY34"/>
+              </a:cxn>
+              <a:cxn ang="0">
+                <a:pos x="connsiteX35" y="connsiteY35"/>
+              </a:cxn>
+              <a:cxn ang="0">
+                <a:pos x="connsiteX36" y="connsiteY36"/>
+              </a:cxn>
+            </a:cxnLst>
+            <a:rect l="l" t="t" r="r" b="b"/>
+            <a:pathLst>
+              <a:path w="6229604" h="5722227" extrusionOk="0">
+                <a:moveTo>
+                  <a:pt x="0" y="0"/>
+                </a:moveTo>
+                <a:cubicBezTo>
+                  <a:pt x="134765" y="733"/>
+                  <a:pt x="359555" y="-15387"/>
+                  <a:pt x="629882" y="0"/>
+                </a:cubicBezTo>
+                <a:cubicBezTo>
+                  <a:pt x="900209" y="15387"/>
+                  <a:pt x="965450" y="15937"/>
+                  <a:pt x="1135172" y="0"/>
+                </a:cubicBezTo>
+                <a:cubicBezTo>
+                  <a:pt x="1304894" y="-15937"/>
+                  <a:pt x="1787212" y="10921"/>
+                  <a:pt x="1951943" y="0"/>
+                </a:cubicBezTo>
+                <a:cubicBezTo>
+                  <a:pt x="2116674" y="-10921"/>
+                  <a:pt x="2378222" y="13313"/>
+                  <a:pt x="2581825" y="0"/>
+                </a:cubicBezTo>
+                <a:cubicBezTo>
+                  <a:pt x="2785428" y="-13313"/>
+                  <a:pt x="2915218" y="19972"/>
+                  <a:pt x="3211707" y="0"/>
+                </a:cubicBezTo>
+                <a:cubicBezTo>
+                  <a:pt x="3508196" y="-19972"/>
+                  <a:pt x="3832828" y="-34359"/>
+                  <a:pt x="4028477" y="0"/>
+                </a:cubicBezTo>
+                <a:cubicBezTo>
+                  <a:pt x="4224126" y="34359"/>
+                  <a:pt x="4361257" y="4467"/>
+                  <a:pt x="4596063" y="0"/>
+                </a:cubicBezTo>
+                <a:cubicBezTo>
+                  <a:pt x="4830869" y="-4467"/>
+                  <a:pt x="5091403" y="-7365"/>
+                  <a:pt x="5412834" y="0"/>
+                </a:cubicBezTo>
+                <a:cubicBezTo>
+                  <a:pt x="5734265" y="7365"/>
+                  <a:pt x="6034988" y="-26786"/>
+                  <a:pt x="6229604" y="0"/>
+                </a:cubicBezTo>
+                <a:cubicBezTo>
+                  <a:pt x="6208296" y="256153"/>
+                  <a:pt x="6219810" y="335049"/>
+                  <a:pt x="6229604" y="635803"/>
+                </a:cubicBezTo>
+                <a:cubicBezTo>
+                  <a:pt x="6239398" y="936557"/>
+                  <a:pt x="6230184" y="1092448"/>
+                  <a:pt x="6229604" y="1271606"/>
+                </a:cubicBezTo>
+                <a:cubicBezTo>
+                  <a:pt x="6229024" y="1450764"/>
+                  <a:pt x="6217841" y="1797531"/>
+                  <a:pt x="6229604" y="1964631"/>
+                </a:cubicBezTo>
+                <a:cubicBezTo>
+                  <a:pt x="6241367" y="2131731"/>
+                  <a:pt x="6220367" y="2235822"/>
+                  <a:pt x="6229604" y="2428767"/>
+                </a:cubicBezTo>
+                <a:cubicBezTo>
+                  <a:pt x="6238841" y="2621712"/>
+                  <a:pt x="6220929" y="2925917"/>
+                  <a:pt x="6229604" y="3064570"/>
+                </a:cubicBezTo>
+                <a:cubicBezTo>
+                  <a:pt x="6238279" y="3203223"/>
+                  <a:pt x="6256755" y="3501958"/>
+                  <a:pt x="6229604" y="3700373"/>
+                </a:cubicBezTo>
+                <a:cubicBezTo>
+                  <a:pt x="6202453" y="3898788"/>
+                  <a:pt x="6201714" y="4046823"/>
+                  <a:pt x="6229604" y="4336176"/>
+                </a:cubicBezTo>
+                <a:cubicBezTo>
+                  <a:pt x="6257494" y="4625529"/>
+                  <a:pt x="6258821" y="4774033"/>
+                  <a:pt x="6229604" y="5029202"/>
+                </a:cubicBezTo>
+                <a:cubicBezTo>
+                  <a:pt x="6200387" y="5284371"/>
+                  <a:pt x="6233334" y="5383875"/>
+                  <a:pt x="6229604" y="5722227"/>
+                </a:cubicBezTo>
+                <a:cubicBezTo>
+                  <a:pt x="6016393" y="5707881"/>
+                  <a:pt x="5684528" y="5751176"/>
+                  <a:pt x="5475130" y="5722227"/>
+                </a:cubicBezTo>
+                <a:cubicBezTo>
+                  <a:pt x="5265732" y="5693278"/>
+                  <a:pt x="5082862" y="5732690"/>
+                  <a:pt x="4907544" y="5722227"/>
+                </a:cubicBezTo>
+                <a:cubicBezTo>
+                  <a:pt x="4732226" y="5711764"/>
+                  <a:pt x="4474837" y="5716289"/>
+                  <a:pt x="4090773" y="5722227"/>
+                </a:cubicBezTo>
+                <a:cubicBezTo>
+                  <a:pt x="3706709" y="5728165"/>
+                  <a:pt x="3645902" y="5723973"/>
+                  <a:pt x="3398595" y="5722227"/>
+                </a:cubicBezTo>
+                <a:cubicBezTo>
+                  <a:pt x="3151288" y="5720481"/>
+                  <a:pt x="3001606" y="5732695"/>
+                  <a:pt x="2831009" y="5722227"/>
+                </a:cubicBezTo>
+                <a:cubicBezTo>
+                  <a:pt x="2660412" y="5711759"/>
+                  <a:pt x="2424161" y="5689878"/>
+                  <a:pt x="2138831" y="5722227"/>
+                </a:cubicBezTo>
+                <a:cubicBezTo>
+                  <a:pt x="1853501" y="5754576"/>
+                  <a:pt x="1788223" y="5720540"/>
+                  <a:pt x="1633541" y="5722227"/>
+                </a:cubicBezTo>
+                <a:cubicBezTo>
+                  <a:pt x="1478859" y="5723915"/>
+                  <a:pt x="1324151" y="5739059"/>
+                  <a:pt x="1128251" y="5722227"/>
+                </a:cubicBezTo>
+                <a:cubicBezTo>
+                  <a:pt x="932351" y="5705396"/>
+                  <a:pt x="522340" y="5691488"/>
+                  <a:pt x="0" y="5722227"/>
+                </a:cubicBezTo>
+                <a:cubicBezTo>
+                  <a:pt x="-8445" y="5596771"/>
+                  <a:pt x="-11215" y="5344833"/>
+                  <a:pt x="0" y="5200869"/>
+                </a:cubicBezTo>
+                <a:cubicBezTo>
+                  <a:pt x="11215" y="5056905"/>
+                  <a:pt x="20310" y="4693766"/>
+                  <a:pt x="0" y="4450621"/>
+                </a:cubicBezTo>
+                <a:cubicBezTo>
+                  <a:pt x="-20310" y="4207476"/>
+                  <a:pt x="817" y="4075053"/>
+                  <a:pt x="0" y="3872040"/>
+                </a:cubicBezTo>
+                <a:cubicBezTo>
+                  <a:pt x="-817" y="3669027"/>
+                  <a:pt x="-21729" y="3595882"/>
+                  <a:pt x="0" y="3407904"/>
+                </a:cubicBezTo>
+                <a:cubicBezTo>
+                  <a:pt x="21729" y="3219926"/>
+                  <a:pt x="-30605" y="3052469"/>
+                  <a:pt x="0" y="2714879"/>
+                </a:cubicBezTo>
+                <a:cubicBezTo>
+                  <a:pt x="30605" y="2377289"/>
+                  <a:pt x="-16081" y="2430808"/>
+                  <a:pt x="0" y="2193520"/>
+                </a:cubicBezTo>
+                <a:cubicBezTo>
+                  <a:pt x="16081" y="1956232"/>
+                  <a:pt x="18120" y="1817979"/>
+                  <a:pt x="0" y="1500495"/>
+                </a:cubicBezTo>
+                <a:cubicBezTo>
+                  <a:pt x="-18120" y="1183011"/>
+                  <a:pt x="23969" y="972269"/>
+                  <a:pt x="0" y="750248"/>
+                </a:cubicBezTo>
+                <a:cubicBezTo>
+                  <a:pt x="-23969" y="528227"/>
+                  <a:pt x="-3769" y="358360"/>
+                  <a:pt x="0" y="0"/>
+                </a:cubicBezTo>
+                <a:close/>
+              </a:path>
+            </a:pathLst>
+          </a:custGeom>
+          <a:noFill/>
+          <a:ln w="25400">
+            <a:solidFill>
+              <a:schemeClr val="tx1"/>
+            </a:solidFill>
+            <a:round/>
+            <a:extLst>
+              <a:ext uri="{C807C97D-BFC1-408E-A445-0C87EB9F89A2}">
+                <ask:lineSketchStyleProps xmlns:ask="http://schemas.microsoft.com/office/drawing/2018/sketchyshapes" sd="1219033472">
+                  <a:prstGeom prst="rect">
+                    <a:avLst/>
+                  </a:prstGeom>
+                  <ask:type>
+                    <ask:lineSketchFreehand/>
+                  </ask:type>
+                </ask:lineSketchStyleProps>
+              </a:ext>
+            </a:extLst>
+          </a:ln>
+        </p:spPr>
+        <p:style>
+          <a:lnRef idx="2">
+            <a:schemeClr val="accent1">
+              <a:shade val="50000"/>
+            </a:schemeClr>
+          </a:lnRef>
+          <a:fillRef idx="1">
+            <a:schemeClr val="accent1"/>
+          </a:fillRef>
+          <a:effectRef idx="0">
+            <a:schemeClr val="accent1"/>
+          </a:effectRef>
+          <a:fontRef idx="minor">
+            <a:schemeClr val="lt1"/>
+          </a:fontRef>
+        </p:style>
+        <p:txBody>
+          <a:bodyPr rtlCol="0" anchor="ctr"/>
+          <a:lstStyle/>
+          <a:p>
+            <a:pPr algn="ctr"/>
+            <a:endParaRPr lang="en-US"/>
+          </a:p>
+        </p:txBody>
+      </p:sp>
+    </p:spTree>
+    <p:extLst>
+      <p:ext uri="{BB962C8B-B14F-4D97-AF65-F5344CB8AC3E}">
+        <p14:creationId xmlns:p14="http://schemas.microsoft.com/office/powerpoint/2010/main" val="1976299304"/>
+      </p:ext>
+    </p:extLst>
+  </p:cSld>
+  <p:clrMapOvr>
+    <a:overrideClrMapping bg1="dk1" tx1="lt1" bg2="dk2" tx2="lt2" accent1="accent1" accent2="accent2" accent3="accent3" accent4="accent4" accent5="accent5" accent6="accent6" hlink="hlink" folHlink="folHlink"/>
+  </p:clrMapOvr>
+</p:sld>
+</file>
+
+<file path=ppt/slides/slide3.xml><?xml version="1.0" encoding="utf-8"?>
+<p:sld xmlns:a="http://schemas.openxmlformats.org/drawingml/2006/main" xmlns:r="http://schemas.openxmlformats.org/officeDocument/2006/relationships" xmlns:p="http://schemas.openxmlformats.org/presentationml/2006/main">
+  <p:cSld>
+    <p:bg>
+      <p:bgPr>
+        <a:solidFill>
+          <a:schemeClr val="bg1"/>
+        </a:solidFill>
+        <a:effectLst/>
+      </p:bgPr>
+    </p:bg>
+    <p:spTree>
+      <p:nvGrpSpPr>
+        <p:cNvPr id="1" name=""/>
+        <p:cNvGrpSpPr/>
+        <p:nvPr/>
+      </p:nvGrpSpPr>
+      <p:grpSpPr>
+        <a:xfrm>
+          <a:off x="0" y="0"/>
+          <a:ext cx="0" cy="0"/>
+          <a:chOff x="0" y="0"/>
+          <a:chExt cx="0" cy="0"/>
+        </a:xfrm>
+      </p:grpSpPr>
+      <p:sp useBgFill="1">
+        <p:nvSpPr>
           <p:cNvPr id="2626" name="Rectangle 2625">
             <a:extLst>
               <a:ext uri="{FF2B5EF4-FFF2-40B4-BE49-F238E27FC236}">
@@ -11589,13 +12284,13 @@
           <a:lstStyle/>
           <a:p>
             <a:r>
-              <a:rPr lang="en-US" sz="7200" b="1">
+              <a:rPr lang="en-US" sz="7200" b="1" dirty="0">
                 <a:latin typeface="Arial"/>
                 <a:cs typeface="Arial"/>
               </a:rPr>
-              <a:t>Executive Summary</a:t>
+              <a:t>Project scope summary</a:t>
             </a:r>
-            <a:endParaRPr lang="en-US" sz="7200"/>
+            <a:endParaRPr lang="en-US" dirty="0"/>
           </a:p>
         </p:txBody>
       </p:sp>
@@ -12281,7 +12976,7 @@
 </p:sld>
 </file>
 
-<file path=ppt/slides/slide3.xml><?xml version="1.0" encoding="utf-8"?>
+<file path=ppt/slides/slide4.xml><?xml version="1.0" encoding="utf-8"?>
 <p:sld xmlns:a="http://schemas.openxmlformats.org/drawingml/2006/main" xmlns:r="http://schemas.openxmlformats.org/officeDocument/2006/relationships" xmlns:p="http://schemas.openxmlformats.org/presentationml/2006/main">
   <p:cSld>
     <p:bg>
@@ -12470,7 +13165,7 @@
               </a:lnSpc>
             </a:pPr>
             <a:r>
-              <a:rPr lang="en-US" sz="2200" b="1">
+              <a:rPr lang="en-US" sz="2200" b="1" dirty="0">
                 <a:ea typeface="+mn-lt"/>
                 <a:cs typeface="+mn-lt"/>
               </a:rPr>
@@ -12485,7 +13180,7 @@
               <a:buNone/>
             </a:pPr>
             <a:r>
-              <a:rPr lang="en-US" sz="2200">
+              <a:rPr lang="en-US" sz="2200" dirty="0">
                 <a:ea typeface="+mn-lt"/>
                 <a:cs typeface="+mn-lt"/>
               </a:rPr>
@@ -12501,7 +13196,7 @@
               <a:buNone/>
             </a:pPr>
             <a:r>
-              <a:rPr lang="en-US" sz="2200">
+              <a:rPr lang="en-US" sz="2200" dirty="0">
                 <a:ea typeface="+mn-lt"/>
                 <a:cs typeface="+mn-lt"/>
               </a:rPr>
@@ -12516,7 +13211,7 @@
               </a:lnSpc>
             </a:pPr>
             <a:r>
-              <a:rPr lang="en-US" sz="2200" b="1">
+              <a:rPr lang="en-US" sz="2200" b="1" dirty="0">
                 <a:ea typeface="+mn-lt"/>
                 <a:cs typeface="+mn-lt"/>
               </a:rPr>
@@ -12531,7 +13226,7 @@
               <a:buNone/>
             </a:pPr>
             <a:r>
-              <a:rPr lang="en-US" sz="2200">
+              <a:rPr lang="en-US" sz="2200" dirty="0">
                 <a:ea typeface="+mn-lt"/>
                 <a:cs typeface="+mn-lt"/>
               </a:rPr>
@@ -12547,7 +13242,7 @@
               <a:buNone/>
             </a:pPr>
             <a:r>
-              <a:rPr lang="en-US" sz="2200">
+              <a:rPr lang="en-US" sz="2200" dirty="0">
                 <a:ea typeface="+mn-lt"/>
                 <a:cs typeface="+mn-lt"/>
               </a:rPr>
@@ -12562,7 +13257,7 @@
               </a:lnSpc>
             </a:pPr>
             <a:r>
-              <a:rPr lang="en-US" sz="2200" b="1">
+              <a:rPr lang="en-US" sz="2200" b="1" dirty="0">
                 <a:ea typeface="+mn-lt"/>
                 <a:cs typeface="+mn-lt"/>
               </a:rPr>
@@ -12578,7 +13273,7 @@
               <a:buNone/>
             </a:pPr>
             <a:r>
-              <a:rPr lang="en-US" sz="2200">
+              <a:rPr lang="en-US" sz="2200" dirty="0">
                 <a:ea typeface="+mn-lt"/>
                 <a:cs typeface="+mn-lt"/>
               </a:rPr>
@@ -12594,22 +13289,14 @@
               <a:buNone/>
             </a:pPr>
             <a:r>
-              <a:rPr lang="en-US" sz="2200">
+              <a:rPr lang="en-US" sz="2200" dirty="0">
                 <a:ea typeface="+mn-lt"/>
                 <a:cs typeface="+mn-lt"/>
               </a:rPr>
               <a:t>Prototype Development: Building a functional model for testing.</a:t>
             </a:r>
-            <a:endParaRPr lang="en-US" sz="2200"/>
-          </a:p>
-          <a:p>
-            <a:pPr>
-              <a:lnSpc>
-                <a:spcPct val="100000"/>
-              </a:lnSpc>
-            </a:pPr>
             <a:br>
-              <a:rPr lang="en-US" sz="2200"/>
+              <a:rPr lang="en-US" sz="2200" dirty="0"/>
             </a:br>
             <a:endParaRPr lang="en-US" sz="2200"/>
           </a:p>
@@ -13083,7 +13770,7 @@
 </p:sld>
 </file>
 
-<file path=ppt/slides/slide4.xml><?xml version="1.0" encoding="utf-8"?>
+<file path=ppt/slides/slide5.xml><?xml version="1.0" encoding="utf-8"?>
 <p:sld xmlns:a="http://schemas.openxmlformats.org/drawingml/2006/main" xmlns:r="http://schemas.openxmlformats.org/officeDocument/2006/relationships" xmlns:p="http://schemas.openxmlformats.org/presentationml/2006/main">
   <p:cSld>
     <p:bg>
@@ -14017,7 +14704,7 @@
 </p:sld>
 </file>
 
-<file path=ppt/slides/slide5.xml><?xml version="1.0" encoding="utf-8"?>
+<file path=ppt/slides/slide6.xml><?xml version="1.0" encoding="utf-8"?>
 <p:sld xmlns:a="http://schemas.openxmlformats.org/drawingml/2006/main" xmlns:r="http://schemas.openxmlformats.org/officeDocument/2006/relationships" xmlns:p="http://schemas.openxmlformats.org/presentationml/2006/main">
   <p:cSld>
     <p:bg>
@@ -14207,19 +14894,20 @@
               </a:lnSpc>
             </a:pPr>
             <a:r>
-              <a:rPr lang="en-US" sz="1800" b="1">
+              <a:rPr lang="en-US" sz="1800" b="1" dirty="0">
                 <a:ea typeface="+mn-lt"/>
                 <a:cs typeface="+mn-lt"/>
               </a:rPr>
               <a:t>Focus on Driver Safety:</a:t>
             </a:r>
-            <a:endParaRPr lang="en-US" sz="1800"/>
+            <a:endParaRPr lang="en-US" sz="1800" dirty="0"/>
           </a:p>
           <a:p>
-            <a:pPr>
+            <a:pPr marL="0" indent="0">
               <a:lnSpc>
                 <a:spcPct val="100000"/>
               </a:lnSpc>
+              <a:buNone/>
             </a:pPr>
             <a:r>
               <a:rPr lang="en-US" sz="1800" dirty="0">
@@ -14237,13 +14925,29 @@
               </a:lnSpc>
             </a:pPr>
             <a:r>
-              <a:rPr lang="en-US" sz="1800" b="1">
+              <a:rPr lang="en-US" sz="1800" b="1" dirty="0">
                 <a:ea typeface="+mn-lt"/>
                 <a:cs typeface="+mn-lt"/>
               </a:rPr>
               <a:t>User-Friendly Design:</a:t>
             </a:r>
-            <a:endParaRPr lang="en-US" sz="1800"/>
+            <a:endParaRPr lang="en-US" sz="1800" dirty="0"/>
+          </a:p>
+          <a:p>
+            <a:pPr marL="0" indent="0">
+              <a:lnSpc>
+                <a:spcPct val="100000"/>
+              </a:lnSpc>
+              <a:buNone/>
+            </a:pPr>
+            <a:r>
+              <a:rPr lang="en-US" sz="1800" dirty="0">
+                <a:ea typeface="+mn-lt"/>
+                <a:cs typeface="+mn-lt"/>
+              </a:rPr>
+              <a:t>Create an intuitive and user-friendly interaction experience to ensure ease of use, facilitating quick and efficient responses to alerts.</a:t>
+            </a:r>
+            <a:endParaRPr lang="en-US" sz="1800" dirty="0"/>
           </a:p>
           <a:p>
             <a:pPr>
@@ -14252,13 +14956,29 @@
               </a:lnSpc>
             </a:pPr>
             <a:r>
-              <a:rPr lang="en-US" sz="1800">
+              <a:rPr lang="en-US" sz="1800" b="1" dirty="0">
                 <a:ea typeface="+mn-lt"/>
                 <a:cs typeface="+mn-lt"/>
               </a:rPr>
-              <a:t>Create an intuitive and user-friendly interaction experience to ensure ease of use, facilitating quick and efficient responses to alerts.</a:t>
+              <a:t>Real-Time Data Integration:</a:t>
             </a:r>
-            <a:endParaRPr lang="en-US" sz="1800"/>
+            <a:endParaRPr lang="en-US" sz="1800" dirty="0"/>
+          </a:p>
+          <a:p>
+            <a:pPr marL="0" indent="0">
+              <a:lnSpc>
+                <a:spcPct val="100000"/>
+              </a:lnSpc>
+              <a:buNone/>
+            </a:pPr>
+            <a:r>
+              <a:rPr lang="en-US" sz="1800" dirty="0">
+                <a:ea typeface="+mn-lt"/>
+                <a:cs typeface="+mn-lt"/>
+              </a:rPr>
+              <a:t>Prioritize the integration of real-time data for accurate and up-to-the-moment information, enhancing the system's responsiveness.</a:t>
+            </a:r>
+            <a:endParaRPr lang="en-US" sz="1800" dirty="0"/>
           </a:p>
           <a:p>
             <a:pPr>
@@ -14267,67 +14987,30 @@
               </a:lnSpc>
             </a:pPr>
             <a:r>
-              <a:rPr lang="en-US" sz="1800" b="1">
-                <a:ea typeface="+mn-lt"/>
-                <a:cs typeface="+mn-lt"/>
-              </a:rPr>
-              <a:t>Real-Time Data Integration:</a:t>
-            </a:r>
-            <a:endParaRPr lang="en-US" sz="1800"/>
-          </a:p>
-          <a:p>
-            <a:pPr>
-              <a:lnSpc>
-                <a:spcPct val="100000"/>
-              </a:lnSpc>
-            </a:pPr>
-            <a:r>
-              <a:rPr lang="en-US" sz="1800">
-                <a:ea typeface="+mn-lt"/>
-                <a:cs typeface="+mn-lt"/>
-              </a:rPr>
-              <a:t>Prioritize the integration of real-time data for accurate and up-to-the-moment information, enhancing the system's responsiveness.</a:t>
-            </a:r>
-            <a:endParaRPr lang="en-US" sz="1800"/>
-          </a:p>
-          <a:p>
-            <a:pPr>
-              <a:lnSpc>
-                <a:spcPct val="100000"/>
-              </a:lnSpc>
-            </a:pPr>
-            <a:r>
-              <a:rPr lang="en-US" sz="1800" b="1">
+              <a:rPr lang="en-US" sz="1800" b="1" dirty="0">
                 <a:ea typeface="+mn-lt"/>
                 <a:cs typeface="+mn-lt"/>
               </a:rPr>
               <a:t>Adaptability:</a:t>
             </a:r>
-            <a:endParaRPr lang="en-US" sz="1800"/>
+            <a:endParaRPr lang="en-US" sz="1800" dirty="0"/>
           </a:p>
           <a:p>
-            <a:pPr>
+            <a:pPr marL="0" indent="0">
               <a:lnSpc>
                 <a:spcPct val="100000"/>
               </a:lnSpc>
+              <a:buNone/>
             </a:pPr>
             <a:r>
-              <a:rPr lang="en-US" sz="1800">
+              <a:rPr lang="en-US" sz="1800" dirty="0">
                 <a:ea typeface="+mn-lt"/>
                 <a:cs typeface="+mn-lt"/>
               </a:rPr>
               <a:t>Design the system to be adaptable to various car models, promoting widespread usage and accessibility.</a:t>
             </a:r>
-            <a:endParaRPr lang="en-US" sz="1800"/>
-          </a:p>
-          <a:p>
-            <a:pPr>
-              <a:lnSpc>
-                <a:spcPct val="100000"/>
-              </a:lnSpc>
-            </a:pPr>
             <a:br>
-              <a:rPr lang="en-US" sz="1800"/>
+              <a:rPr lang="en-US" sz="1800" dirty="0"/>
             </a:br>
             <a:endParaRPr lang="en-US" sz="1800"/>
           </a:p>
@@ -14797,86 +15480,6 @@
   </p:cSld>
   <p:clrMapOvr>
     <a:overrideClrMapping bg1="dk1" tx1="lt1" bg2="dk2" tx2="lt2" accent1="accent1" accent2="accent2" accent3="accent3" accent4="accent4" accent5="accent5" accent6="accent6" hlink="hlink" folHlink="folHlink"/>
-  </p:clrMapOvr>
-</p:sld>
-</file>
-
-<file path=ppt/slides/slide6.xml><?xml version="1.0" encoding="utf-8"?>
-<p:sld xmlns:a="http://schemas.openxmlformats.org/drawingml/2006/main" xmlns:r="http://schemas.openxmlformats.org/officeDocument/2006/relationships" xmlns:p="http://schemas.openxmlformats.org/presentationml/2006/main">
-  <p:cSld>
-    <p:spTree>
-      <p:nvGrpSpPr>
-        <p:cNvPr id="1" name=""/>
-        <p:cNvGrpSpPr/>
-        <p:nvPr/>
-      </p:nvGrpSpPr>
-      <p:grpSpPr>
-        <a:xfrm>
-          <a:off x="0" y="0"/>
-          <a:ext cx="0" cy="0"/>
-          <a:chOff x="0" y="0"/>
-          <a:chExt cx="0" cy="0"/>
-        </a:xfrm>
-      </p:grpSpPr>
-      <p:sp>
-        <p:nvSpPr>
-          <p:cNvPr id="2" name="Title 1">
-            <a:extLst>
-              <a:ext uri="{FF2B5EF4-FFF2-40B4-BE49-F238E27FC236}">
-                <a16:creationId xmlns:a16="http://schemas.microsoft.com/office/drawing/2014/main" id="{4B4A2A65-B2C3-63BB-77E7-1FA812E5DDAB}"/>
-              </a:ext>
-            </a:extLst>
-          </p:cNvPr>
-          <p:cNvSpPr>
-            <a:spLocks noGrp="1"/>
-          </p:cNvSpPr>
-          <p:nvPr>
-            <p:ph type="title"/>
-          </p:nvPr>
-        </p:nvSpPr>
-        <p:spPr/>
-        <p:txBody>
-          <a:bodyPr/>
-          <a:lstStyle/>
-          <a:p>
-            <a:endParaRPr lang="en-US"/>
-          </a:p>
-        </p:txBody>
-      </p:sp>
-      <p:sp>
-        <p:nvSpPr>
-          <p:cNvPr id="3" name="Content Placeholder 2">
-            <a:extLst>
-              <a:ext uri="{FF2B5EF4-FFF2-40B4-BE49-F238E27FC236}">
-                <a16:creationId xmlns:a16="http://schemas.microsoft.com/office/drawing/2014/main" id="{EAAFDC46-45F3-12C4-777E-44C4B0222549}"/>
-              </a:ext>
-            </a:extLst>
-          </p:cNvPr>
-          <p:cNvSpPr>
-            <a:spLocks noGrp="1"/>
-          </p:cNvSpPr>
-          <p:nvPr>
-            <p:ph idx="1"/>
-          </p:nvPr>
-        </p:nvSpPr>
-        <p:spPr/>
-        <p:txBody>
-          <a:bodyPr/>
-          <a:lstStyle/>
-          <a:p>
-            <a:endParaRPr lang="en-US"/>
-          </a:p>
-        </p:txBody>
-      </p:sp>
-    </p:spTree>
-    <p:extLst>
-      <p:ext uri="{BB962C8B-B14F-4D97-AF65-F5344CB8AC3E}">
-        <p14:creationId xmlns:p14="http://schemas.microsoft.com/office/powerpoint/2010/main" val="4256876406"/>
-      </p:ext>
-    </p:extLst>
-  </p:cSld>
-  <p:clrMapOvr>
-    <a:masterClrMapping/>
   </p:clrMapOvr>
 </p:sld>
 </file>

--- a/project_management/projectManegment.pptx
+++ b/project_management/projectManegment.pptx
@@ -122,12 +122,13 @@
 <file path=ppt/revisionInfo.xml><?xml version="1.0" encoding="utf-8"?>
 <p1510:revInfo xmlns:a="http://schemas.openxmlformats.org/drawingml/2006/main" xmlns:r="http://schemas.openxmlformats.org/officeDocument/2006/relationships" xmlns:p1510="http://schemas.microsoft.com/office/powerpoint/2015/10/main">
   <p1510:revLst>
+    <p1510:client id="{90268728-4785-46B9-96D6-7173A1BBBB18}" v="872" dt="2023-12-09T23:21:23.570"/>
+    <p1510:client id="{69E17A46-D3FF-4FAC-A2A8-20C44E449428}" v="2096" dt="2023-12-10T02:31:36.316"/>
     <p1510:client id="{202571C5-7BCA-492B-87C8-0917E2063791}" v="78" dt="2023-12-05T08:42:12.621"/>
+    <p1510:client id="{C46261EC-028D-4E63-8FE6-BBBEFD114F06}" v="114" dt="2023-12-04T04:22:52.470"/>
     <p1510:client id="{6360B937-1E6C-498F-81CC-C454BA63D340}" v="14" dt="2023-12-04T02:20:12.381"/>
     <p1510:client id="{7940B8EE-897D-4D42-90F1-942214FD02EA}" v="34" dt="2023-12-09T05:06:33.426"/>
-    <p1510:client id="{90268728-4785-46B9-96D6-7173A1BBBB18}" v="861" dt="2023-12-09T20:15:40.748"/>
     <p1510:client id="{BDC59550-286D-4109-AE85-108A942A3B99}" v="7" dt="2023-12-04T01:53:33.310"/>
-    <p1510:client id="{C46261EC-028D-4E63-8FE6-BBBEFD114F06}" v="114" dt="2023-12-04T04:22:52.470"/>
   </p1510:revLst>
 </p1510:revInfo>
 </file>
@@ -8539,7 +8540,7 @@
             <a:round/>
             <a:extLst>
               <a:ext uri="{C807C97D-BFC1-408E-A445-0C87EB9F89A2}">
-                <ask:lineSketchStyleProps xmlns:ask="http://schemas.microsoft.com/office/drawing/2018/sketchyshapes" sd="1219033472">
+                <ask:lineSketchStyleProps xmlns:ask="http://schemas.microsoft.com/office/drawing/2018/sketchyshapes" xmlns="" sd="1219033472">
                   <a:prstGeom prst="rect">
                     <a:avLst/>
                   </a:prstGeom>
@@ -8715,7 +8716,7 @@
           <a:p>
             <a:fld id="{72345051-2045-45DA-935E-2E3CA1A69ADC}" type="datetimeFigureOut">
               <a:rPr lang="en-US" smtClean="0"/>
-              <a:t>12/9/2023</a:t>
+              <a:t>12/10/2023</a:t>
             </a:fld>
             <a:endParaRPr lang="en-US" dirty="0"/>
           </a:p>
@@ -8913,7 +8914,7 @@
           <a:p>
             <a:fld id="{72345051-2045-45DA-935E-2E3CA1A69ADC}" type="datetimeFigureOut">
               <a:rPr lang="en-US" smtClean="0"/>
-              <a:t>12/9/2023</a:t>
+              <a:t>12/10/2023</a:t>
             </a:fld>
             <a:endParaRPr lang="en-US"/>
           </a:p>
@@ -9121,7 +9122,7 @@
           <a:p>
             <a:fld id="{72345051-2045-45DA-935E-2E3CA1A69ADC}" type="datetimeFigureOut">
               <a:rPr lang="en-US" smtClean="0"/>
-              <a:t>12/9/2023</a:t>
+              <a:t>12/10/2023</a:t>
             </a:fld>
             <a:endParaRPr lang="en-US"/>
           </a:p>
@@ -9343,7 +9344,7 @@
           <a:p>
             <a:fld id="{72345051-2045-45DA-935E-2E3CA1A69ADC}" type="datetimeFigureOut">
               <a:rPr lang="en-US" smtClean="0"/>
-              <a:t>12/9/2023</a:t>
+              <a:t>12/10/2023</a:t>
             </a:fld>
             <a:endParaRPr lang="en-US"/>
           </a:p>
@@ -9993,7 +9994,7 @@
             <a:round/>
             <a:extLst>
               <a:ext uri="{C807C97D-BFC1-408E-A445-0C87EB9F89A2}">
-                <ask:lineSketchStyleProps xmlns:ask="http://schemas.microsoft.com/office/drawing/2018/sketchyshapes" sd="1219033472">
+                <ask:lineSketchStyleProps xmlns:ask="http://schemas.microsoft.com/office/drawing/2018/sketchyshapes" xmlns="" sd="1219033472">
                   <a:prstGeom prst="rect">
                     <a:avLst/>
                   </a:prstGeom>
@@ -10254,7 +10255,7 @@
           <a:p>
             <a:fld id="{72345051-2045-45DA-935E-2E3CA1A69ADC}" type="datetimeFigureOut">
               <a:rPr lang="en-US" smtClean="0"/>
-              <a:t>12/9/2023</a:t>
+              <a:t>12/10/2023</a:t>
             </a:fld>
             <a:endParaRPr lang="en-US"/>
           </a:p>
@@ -10609,7 +10610,7 @@
             <a:round/>
             <a:extLst>
               <a:ext uri="{C807C97D-BFC1-408E-A445-0C87EB9F89A2}">
-                <ask:lineSketchStyleProps xmlns:ask="http://schemas.microsoft.com/office/drawing/2018/sketchyshapes" sd="1219033472">
+                <ask:lineSketchStyleProps xmlns:ask="http://schemas.microsoft.com/office/drawing/2018/sketchyshapes" xmlns="" sd="1219033472">
                   <a:prstGeom prst="rect">
                     <a:avLst/>
                   </a:prstGeom>
@@ -10857,7 +10858,7 @@
           <a:p>
             <a:fld id="{72345051-2045-45DA-935E-2E3CA1A69ADC}" type="datetimeFigureOut">
               <a:rPr lang="en-US" smtClean="0"/>
-              <a:t>12/9/2023</a:t>
+              <a:t>12/10/2023</a:t>
             </a:fld>
             <a:endParaRPr lang="en-US"/>
           </a:p>
@@ -11507,7 +11508,7 @@
             <a:round/>
             <a:extLst>
               <a:ext uri="{C807C97D-BFC1-408E-A445-0C87EB9F89A2}">
-                <ask:lineSketchStyleProps xmlns:ask="http://schemas.microsoft.com/office/drawing/2018/sketchyshapes" sd="1219033472">
+                <ask:lineSketchStyleProps xmlns:ask="http://schemas.microsoft.com/office/drawing/2018/sketchyshapes" xmlns="" sd="1219033472">
                   <a:prstGeom prst="rect">
                     <a:avLst/>
                   </a:prstGeom>
@@ -11905,7 +11906,7 @@
           <a:p>
             <a:fld id="{72345051-2045-45DA-935E-2E3CA1A69ADC}" type="datetimeFigureOut">
               <a:rPr lang="en-US" smtClean="0"/>
-              <a:t>12/9/2023</a:t>
+              <a:t>12/10/2023</a:t>
             </a:fld>
             <a:endParaRPr lang="en-US"/>
           </a:p>
@@ -12555,7 +12556,7 @@
             <a:round/>
             <a:extLst>
               <a:ext uri="{C807C97D-BFC1-408E-A445-0C87EB9F89A2}">
-                <ask:lineSketchStyleProps xmlns:ask="http://schemas.microsoft.com/office/drawing/2018/sketchyshapes" sd="1219033472">
+                <ask:lineSketchStyleProps xmlns:ask="http://schemas.microsoft.com/office/drawing/2018/sketchyshapes" xmlns="" sd="1219033472">
                   <a:prstGeom prst="rect">
                     <a:avLst/>
                   </a:prstGeom>
@@ -12689,7 +12690,7 @@
           <a:p>
             <a:fld id="{72345051-2045-45DA-935E-2E3CA1A69ADC}" type="datetimeFigureOut">
               <a:rPr lang="en-US" smtClean="0"/>
-              <a:t>12/9/2023</a:t>
+              <a:t>12/10/2023</a:t>
             </a:fld>
             <a:endParaRPr lang="en-US"/>
           </a:p>
@@ -13044,7 +13045,7 @@
             <a:round/>
             <a:extLst>
               <a:ext uri="{C807C97D-BFC1-408E-A445-0C87EB9F89A2}">
-                <ask:lineSketchStyleProps xmlns:ask="http://schemas.microsoft.com/office/drawing/2018/sketchyshapes" sd="1219033472">
+                <ask:lineSketchStyleProps xmlns:ask="http://schemas.microsoft.com/office/drawing/2018/sketchyshapes" xmlns="" sd="1219033472">
                   <a:prstGeom prst="rect">
                     <a:avLst/>
                   </a:prstGeom>
@@ -13138,7 +13139,7 @@
           <a:p>
             <a:fld id="{72345051-2045-45DA-935E-2E3CA1A69ADC}" type="datetimeFigureOut">
               <a:rPr lang="en-US" smtClean="0"/>
-              <a:t>12/9/2023</a:t>
+              <a:t>12/10/2023</a:t>
             </a:fld>
             <a:endParaRPr lang="en-US"/>
           </a:p>
@@ -13455,7 +13456,7 @@
           <a:p>
             <a:fld id="{72345051-2045-45DA-935E-2E3CA1A69ADC}" type="datetimeFigureOut">
               <a:rPr lang="en-US" smtClean="0"/>
-              <a:t>12/9/2023</a:t>
+              <a:t>12/10/2023</a:t>
             </a:fld>
             <a:endParaRPr lang="en-US"/>
           </a:p>
@@ -13810,7 +13811,7 @@
             <a:round/>
             <a:extLst>
               <a:ext uri="{C807C97D-BFC1-408E-A445-0C87EB9F89A2}">
-                <ask:lineSketchStyleProps xmlns:ask="http://schemas.microsoft.com/office/drawing/2018/sketchyshapes" sd="1219033472">
+                <ask:lineSketchStyleProps xmlns:ask="http://schemas.microsoft.com/office/drawing/2018/sketchyshapes" xmlns="" sd="1219033472">
                   <a:prstGeom prst="rect">
                     <a:avLst/>
                   </a:prstGeom>
@@ -14083,7 +14084,7 @@
           <a:p>
             <a:fld id="{72345051-2045-45DA-935E-2E3CA1A69ADC}" type="datetimeFigureOut">
               <a:rPr lang="en-US" smtClean="0"/>
-              <a:t>12/9/2023</a:t>
+              <a:t>12/10/2023</a:t>
             </a:fld>
             <a:endParaRPr lang="en-US"/>
           </a:p>
@@ -14438,7 +14439,7 @@
             <a:round/>
             <a:extLst>
               <a:ext uri="{C807C97D-BFC1-408E-A445-0C87EB9F89A2}">
-                <ask:lineSketchStyleProps xmlns:ask="http://schemas.microsoft.com/office/drawing/2018/sketchyshapes" sd="1219033472">
+                <ask:lineSketchStyleProps xmlns:ask="http://schemas.microsoft.com/office/drawing/2018/sketchyshapes" xmlns="" sd="1219033472">
                   <a:prstGeom prst="rect">
                     <a:avLst/>
                   </a:prstGeom>
@@ -14656,7 +14657,7 @@
           <a:p>
             <a:fld id="{72345051-2045-45DA-935E-2E3CA1A69ADC}" type="datetimeFigureOut">
               <a:rPr lang="en-US" smtClean="0"/>
-              <a:t>12/9/2023</a:t>
+              <a:t>12/10/2023</a:t>
             </a:fld>
             <a:endParaRPr lang="en-US" dirty="0"/>
           </a:p>
@@ -15515,7 +15516,7 @@
             <a:round/>
             <a:extLst>
               <a:ext uri="{C807C97D-BFC1-408E-A445-0C87EB9F89A2}">
-                <ask:lineSketchStyleProps xmlns:ask="http://schemas.microsoft.com/office/drawing/2018/sketchyshapes" sd="1219033472">
+                <ask:lineSketchStyleProps xmlns:ask="http://schemas.microsoft.com/office/drawing/2018/sketchyshapes" xmlns="" sd="1219033472">
                   <a:prstGeom prst="rect">
                     <a:avLst/>
                   </a:prstGeom>
@@ -16050,7 +16051,7 @@
             <a:round/>
             <a:extLst>
               <a:ext uri="{C807C97D-BFC1-408E-A445-0C87EB9F89A2}">
-                <ask:lineSketchStyleProps xmlns:ask="http://schemas.microsoft.com/office/drawing/2018/sketchyshapes" sd="1219033472">
+                <ask:lineSketchStyleProps xmlns:ask="http://schemas.microsoft.com/office/drawing/2018/sketchyshapes" xmlns="" sd="1219033472">
                   <a:prstGeom prst="roundRect">
                     <a:avLst/>
                   </a:prstGeom>
@@ -16836,7 +16837,7 @@
             <a:round/>
             <a:extLst>
               <a:ext uri="{C807C97D-BFC1-408E-A445-0C87EB9F89A2}">
-                <ask:lineSketchStyleProps xmlns:ask="http://schemas.microsoft.com/office/drawing/2018/sketchyshapes" sd="1219033472">
+                <ask:lineSketchStyleProps xmlns:ask="http://schemas.microsoft.com/office/drawing/2018/sketchyshapes" xmlns="" sd="1219033472">
                   <a:prstGeom prst="rect">
                     <a:avLst/>
                   </a:prstGeom>
@@ -17642,7 +17643,7 @@
             <a:round/>
             <a:extLst>
               <a:ext uri="{C807C97D-BFC1-408E-A445-0C87EB9F89A2}">
-                <ask:lineSketchStyleProps xmlns:ask="http://schemas.microsoft.com/office/drawing/2018/sketchyshapes" sd="1219033472">
+                <ask:lineSketchStyleProps xmlns:ask="http://schemas.microsoft.com/office/drawing/2018/sketchyshapes" xmlns="" sd="1219033472">
                   <a:prstGeom prst="rect">
                     <a:avLst/>
                   </a:prstGeom>
@@ -19215,7 +19216,7 @@
             <a:round/>
             <a:extLst>
               <a:ext uri="{C807C97D-BFC1-408E-A445-0C87EB9F89A2}">
-                <ask:lineSketchStyleProps xmlns:ask="http://schemas.microsoft.com/office/drawing/2018/sketchyshapes" sd="1219033472">
+                <ask:lineSketchStyleProps xmlns:ask="http://schemas.microsoft.com/office/drawing/2018/sketchyshapes" xmlns="" sd="1219033472">
                   <a:prstGeom prst="rect">
                     <a:avLst/>
                   </a:prstGeom>
@@ -20381,7 +20382,7 @@
             <a:round/>
             <a:extLst>
               <a:ext uri="{C807C97D-BFC1-408E-A445-0C87EB9F89A2}">
-                <ask:lineSketchStyleProps xmlns:ask="http://schemas.microsoft.com/office/drawing/2018/sketchyshapes" sd="1219033472">
+                <ask:lineSketchStyleProps xmlns:ask="http://schemas.microsoft.com/office/drawing/2018/sketchyshapes" xmlns="" sd="1219033472">
                   <a:prstGeom prst="rect">
                     <a:avLst/>
                   </a:prstGeom>
@@ -20507,7 +20508,7 @@
           <a:p>
             <a:r>
               <a:rPr lang="en-US" dirty="0"/>
-              <a:t>Break down structure</a:t>
+              <a:t>Work Breakdown structure</a:t>
             </a:r>
           </a:p>
         </p:txBody>
@@ -20596,250 +20597,697 @@
           <a:lstStyle/>
           <a:p>
             <a:r>
-              <a:rPr lang="en-US">
+              <a:rPr lang="en-US" dirty="0">
                 <a:latin typeface="The Serif Hand Black"/>
                 <a:cs typeface="Arial"/>
               </a:rPr>
               <a:t>Times and Costs</a:t>
             </a:r>
-            <a:endParaRPr lang="en-US"/>
+            <a:endParaRPr lang="en-US" dirty="0"/>
           </a:p>
         </p:txBody>
       </p:sp>
-      <p:sp>
-        <p:nvSpPr>
-          <p:cNvPr id="3" name="Content Placeholder 2">
+      <p:graphicFrame>
+        <p:nvGraphicFramePr>
+          <p:cNvPr id="7" name="Content Placeholder 6">
             <a:extLst>
               <a:ext uri="{FF2B5EF4-FFF2-40B4-BE49-F238E27FC236}">
-                <a16:creationId xmlns:a16="http://schemas.microsoft.com/office/drawing/2014/main" id="{33C659C4-B10D-ED8B-BAEA-5E0ECAAD39B4}"/>
+                <a16:creationId xmlns:a16="http://schemas.microsoft.com/office/drawing/2014/main" id="{8B4A8B3E-A35E-37CC-BB37-7B5EA0CC70EE}"/>
               </a:ext>
             </a:extLst>
           </p:cNvPr>
-          <p:cNvSpPr>
-            <a:spLocks noGrp="1"/>
-          </p:cNvSpPr>
+          <p:cNvGraphicFramePr>
+            <a:graphicFrameLocks noGrp="1"/>
+          </p:cNvGraphicFramePr>
           <p:nvPr>
             <p:ph idx="1"/>
+            <p:extLst>
+              <p:ext uri="{D42A27DB-BD31-4B8C-83A1-F6EECF244321}">
+                <p14:modId xmlns:p14="http://schemas.microsoft.com/office/powerpoint/2010/main" val="3260379395"/>
+              </p:ext>
+            </p:extLst>
           </p:nvPr>
-        </p:nvSpPr>
-        <p:spPr>
-          <a:xfrm>
-            <a:off x="838200" y="1929384"/>
-            <a:ext cx="4881418" cy="4251960"/>
-          </a:xfrm>
-        </p:spPr>
-        <p:txBody>
-          <a:bodyPr vert="horz" lIns="91440" tIns="45720" rIns="91440" bIns="45720" rtlCol="0" anchor="t">
-            <a:normAutofit/>
-          </a:bodyPr>
-          <a:lstStyle/>
-          <a:p>
-            <a:r>
-              <a:rPr lang="en-US" dirty="0"/>
-              <a:t>Time</a:t>
-            </a:r>
-          </a:p>
-        </p:txBody>
-      </p:sp>
-      <p:sp>
-        <p:nvSpPr>
-          <p:cNvPr id="5" name="Content Placeholder 2">
+        </p:nvGraphicFramePr>
+        <p:xfrm>
+          <a:off x="838200" y="1928813"/>
+          <a:ext cx="10515600" cy="3950809"/>
+        </p:xfrm>
+        <a:graphic>
+          <a:graphicData uri="http://schemas.openxmlformats.org/drawingml/2006/table">
+            <a:tbl>
+              <a:tblPr firstRow="1" bandRow="1">
+                <a:tableStyleId>{5C22544A-7EE6-4342-B048-85BDC9FD1C3A}</a:tableStyleId>
+              </a:tblPr>
+              <a:tblGrid>
+                <a:gridCol w="1752600">
+                  <a:extLst>
+                    <a:ext uri="{9D8B030D-6E8A-4147-A177-3AD203B41FA5}">
+                      <a16:colId xmlns:a16="http://schemas.microsoft.com/office/drawing/2014/main" val="193534476"/>
+                    </a:ext>
+                  </a:extLst>
+                </a:gridCol>
+                <a:gridCol w="1752600">
+                  <a:extLst>
+                    <a:ext uri="{9D8B030D-6E8A-4147-A177-3AD203B41FA5}">
+                      <a16:colId xmlns:a16="http://schemas.microsoft.com/office/drawing/2014/main" val="4115540397"/>
+                    </a:ext>
+                  </a:extLst>
+                </a:gridCol>
+                <a:gridCol w="1752600">
+                  <a:extLst>
+                    <a:ext uri="{9D8B030D-6E8A-4147-A177-3AD203B41FA5}">
+                      <a16:colId xmlns:a16="http://schemas.microsoft.com/office/drawing/2014/main" val="1903438067"/>
+                    </a:ext>
+                  </a:extLst>
+                </a:gridCol>
+                <a:gridCol w="1752600">
+                  <a:extLst>
+                    <a:ext uri="{9D8B030D-6E8A-4147-A177-3AD203B41FA5}">
+                      <a16:colId xmlns:a16="http://schemas.microsoft.com/office/drawing/2014/main" val="24354478"/>
+                    </a:ext>
+                  </a:extLst>
+                </a:gridCol>
+                <a:gridCol w="1752600">
+                  <a:extLst>
+                    <a:ext uri="{9D8B030D-6E8A-4147-A177-3AD203B41FA5}">
+                      <a16:colId xmlns:a16="http://schemas.microsoft.com/office/drawing/2014/main" val="744231663"/>
+                    </a:ext>
+                  </a:extLst>
+                </a:gridCol>
+                <a:gridCol w="1752600">
+                  <a:extLst>
+                    <a:ext uri="{9D8B030D-6E8A-4147-A177-3AD203B41FA5}">
+                      <a16:colId xmlns:a16="http://schemas.microsoft.com/office/drawing/2014/main" val="1765813906"/>
+                    </a:ext>
+                  </a:extLst>
+                </a:gridCol>
+              </a:tblGrid>
+              <a:tr h="941913">
+                <a:tc>
+                  <a:txBody>
+                    <a:bodyPr/>
+                    <a:lstStyle/>
+                    <a:p>
+                      <a:endParaRPr lang="en-US" b="1" dirty="0"/>
+                    </a:p>
+                  </a:txBody>
+                  <a:tcPr/>
+                </a:tc>
+                <a:tc>
+                  <a:txBody>
+                    <a:bodyPr/>
+                    <a:lstStyle/>
+                    <a:p>
+                      <a:r>
+                        <a:rPr lang="en-US" sz="2400" b="1" dirty="0"/>
+                        <a:t>Equipment p</a:t>
+                      </a:r>
+                      <a:r>
+                        <a:rPr lang="en-US" sz="2400" b="1" i="1" u="none" strike="noStrike" noProof="0" dirty="0">
+                          <a:latin typeface="The Hand Bold"/>
+                        </a:rPr>
+                        <a:t>rocurement</a:t>
+                      </a:r>
+                      <a:endParaRPr lang="en-US" sz="2400" b="1" dirty="0"/>
+                    </a:p>
+                  </a:txBody>
+                  <a:tcPr/>
+                </a:tc>
+                <a:tc>
+                  <a:txBody>
+                    <a:bodyPr/>
+                    <a:lstStyle/>
+                    <a:p>
+                      <a:pPr lvl="0">
+                        <a:buNone/>
+                      </a:pPr>
+                      <a:r>
+                        <a:rPr lang="en-US" sz="2400" b="1" i="0" u="none" strike="noStrike" noProof="0" dirty="0">
+                          <a:latin typeface="The Hand Bold"/>
+                        </a:rPr>
+                        <a:t>Java Code Development</a:t>
+                      </a:r>
+                      <a:endParaRPr lang="en-US" sz="2400" b="1" dirty="0"/>
+                    </a:p>
+                  </a:txBody>
+                  <a:tcPr/>
+                </a:tc>
+                <a:tc>
+                  <a:txBody>
+                    <a:bodyPr/>
+                    <a:lstStyle/>
+                    <a:p>
+                      <a:pPr lvl="0">
+                        <a:buNone/>
+                      </a:pPr>
+                      <a:r>
+                        <a:rPr lang="en-US" sz="2400" b="1" i="0" u="none" strike="noStrike" noProof="0" dirty="0">
+                          <a:latin typeface="The Hand Bold"/>
+                        </a:rPr>
+                        <a:t>Data Collection Strategy</a:t>
+                      </a:r>
+                      <a:endParaRPr lang="en-US" sz="2400" b="1" dirty="0"/>
+                    </a:p>
+                  </a:txBody>
+                  <a:tcPr/>
+                </a:tc>
+                <a:tc>
+                  <a:txBody>
+                    <a:bodyPr/>
+                    <a:lstStyle/>
+                    <a:p>
+                      <a:pPr lvl="0" algn="l">
+                        <a:lnSpc>
+                          <a:spcPct val="100000"/>
+                        </a:lnSpc>
+                        <a:spcBef>
+                          <a:spcPts val="0"/>
+                        </a:spcBef>
+                        <a:spcAft>
+                          <a:spcPts val="0"/>
+                        </a:spcAft>
+                        <a:buNone/>
+                      </a:pPr>
+                      <a:r>
+                        <a:rPr lang="en-US" sz="2400" b="1" i="0" u="none" strike="noStrike" noProof="0" dirty="0">
+                          <a:latin typeface="The Hand Bold"/>
+                        </a:rPr>
+                        <a:t>Hardware and software </a:t>
+                      </a:r>
+                      <a:r>
+                        <a:rPr lang="en-US" sz="2400" b="1" i="0" u="none" strike="noStrike" noProof="0" dirty="0">
+                          <a:solidFill>
+                            <a:srgbClr val="FFFFFF"/>
+                          </a:solidFill>
+                        </a:rPr>
+                        <a:t>Integration</a:t>
+                      </a:r>
+                      <a:endParaRPr lang="en-US" dirty="0"/>
+                    </a:p>
+                  </a:txBody>
+                  <a:tcPr/>
+                </a:tc>
+                <a:tc>
+                  <a:txBody>
+                    <a:bodyPr/>
+                    <a:lstStyle/>
+                    <a:p>
+                      <a:pPr lvl="0">
+                        <a:buNone/>
+                      </a:pPr>
+                      <a:r>
+                        <a:rPr lang="en-US" sz="2400" b="1" i="0" u="none" strike="noStrike" noProof="0" dirty="0">
+                          <a:latin typeface="The Hand Bold"/>
+                        </a:rPr>
+                        <a:t>Prototype Development</a:t>
+                      </a:r>
+                      <a:endParaRPr lang="en-US" sz="2400" b="1" dirty="0"/>
+                    </a:p>
+                  </a:txBody>
+                  <a:tcPr/>
+                </a:tc>
+                <a:extLst>
+                  <a:ext uri="{0D108BD9-81ED-4DB2-BD59-A6C34878D82A}">
+                    <a16:rowId xmlns:a16="http://schemas.microsoft.com/office/drawing/2014/main" val="1413608252"/>
+                  </a:ext>
+                </a:extLst>
+              </a:tr>
+              <a:tr h="1504448">
+                <a:tc>
+                  <a:txBody>
+                    <a:bodyPr/>
+                    <a:lstStyle/>
+                    <a:p>
+                      <a:r>
+                        <a:rPr lang="en-US" sz="3000" b="1" dirty="0"/>
+                        <a:t>Time</a:t>
+                      </a:r>
+                    </a:p>
+                  </a:txBody>
+                  <a:tcPr/>
+                </a:tc>
+                <a:tc>
+                  <a:txBody>
+                    <a:bodyPr/>
+                    <a:lstStyle/>
+                    <a:p>
+                      <a:r>
+                        <a:rPr lang="en-US" b="1" dirty="0">
+                          <a:solidFill>
+                            <a:schemeClr val="tx2"/>
+                          </a:solidFill>
+                        </a:rPr>
+                        <a:t>1 week:</a:t>
+                      </a:r>
+                    </a:p>
+                    <a:p>
+                      <a:pPr lvl="0">
+                        <a:buNone/>
+                      </a:pPr>
+                      <a:r>
+                        <a:rPr lang="en-US" b="1" dirty="0">
+                          <a:solidFill>
+                            <a:schemeClr val="tx2"/>
+                          </a:solidFill>
+                        </a:rPr>
+                        <a:t>3 days to find suppliers</a:t>
+                      </a:r>
+                    </a:p>
+                    <a:p>
+                      <a:pPr lvl="0">
+                        <a:buNone/>
+                      </a:pPr>
+                      <a:r>
+                        <a:rPr lang="en-US" b="1" dirty="0">
+                          <a:solidFill>
+                            <a:schemeClr val="tx2"/>
+                          </a:solidFill>
+                        </a:rPr>
+                        <a:t>4 days to purchase equipment</a:t>
+                      </a:r>
+                    </a:p>
+                  </a:txBody>
+                  <a:tcPr/>
+                </a:tc>
+                <a:tc>
+                  <a:txBody>
+                    <a:bodyPr/>
+                    <a:lstStyle/>
+                    <a:p>
+                      <a:r>
+                        <a:rPr lang="en-US" sz="1800" b="1" dirty="0"/>
+                        <a:t>1 week:</a:t>
+                      </a:r>
+                    </a:p>
+                    <a:p>
+                      <a:pPr lvl="0">
+                        <a:buNone/>
+                      </a:pPr>
+                      <a:r>
+                        <a:rPr lang="en-US" sz="1800" b="1" dirty="0"/>
+                        <a:t>5 days to develop  structure</a:t>
+                      </a:r>
+                    </a:p>
+                    <a:p>
+                      <a:pPr lvl="0">
+                        <a:buNone/>
+                      </a:pPr>
+                      <a:r>
+                        <a:rPr lang="en-US" sz="1800" b="1" dirty="0"/>
+                        <a:t>2 days to test code</a:t>
+                      </a:r>
+                    </a:p>
+                  </a:txBody>
+                  <a:tcPr/>
+                </a:tc>
+                <a:tc>
+                  <a:txBody>
+                    <a:bodyPr/>
+                    <a:lstStyle/>
+                    <a:p>
+                      <a:r>
+                        <a:rPr lang="en-US" b="1" dirty="0"/>
+                        <a:t>6 weeks</a:t>
+                      </a:r>
+                    </a:p>
+                    <a:p>
+                      <a:pPr lvl="0">
+                        <a:buNone/>
+                      </a:pPr>
+                      <a:r>
+                        <a:rPr lang="en-US" b="1" dirty="0"/>
+                        <a:t>Initial data collection will be</a:t>
+                      </a:r>
+                    </a:p>
+                    <a:p>
+                      <a:pPr lvl="0">
+                        <a:buNone/>
+                      </a:pPr>
+                      <a:r>
+                        <a:rPr lang="en-US" b="1" dirty="0"/>
+                        <a:t>Distributed among workers</a:t>
+                      </a:r>
+                    </a:p>
+                    <a:p>
+                      <a:pPr lvl="0">
+                        <a:buNone/>
+                      </a:pPr>
+                      <a:r>
+                        <a:rPr lang="en-US" b="1" dirty="0"/>
+                        <a:t>3 weeks to data collection</a:t>
+                      </a:r>
+                    </a:p>
+                    <a:p>
+                      <a:pPr lvl="0">
+                        <a:buNone/>
+                      </a:pPr>
+                      <a:r>
+                        <a:rPr lang="en-US" b="1" dirty="0"/>
+                        <a:t>3 weeks to define method</a:t>
+                      </a:r>
+                    </a:p>
+                  </a:txBody>
+                  <a:tcPr/>
+                </a:tc>
+                <a:tc>
+                  <a:txBody>
+                    <a:bodyPr/>
+                    <a:lstStyle/>
+                    <a:p>
+                      <a:r>
+                        <a:rPr lang="en-US" b="1" dirty="0"/>
+                        <a:t>4weeks</a:t>
+                      </a:r>
+                      <a:endParaRPr lang="en-US" dirty="0"/>
+                    </a:p>
+                    <a:p>
+                      <a:pPr lvl="0">
+                        <a:buNone/>
+                      </a:pPr>
+                      <a:r>
+                        <a:rPr lang="en-US" b="1" dirty="0"/>
+                        <a:t>1 week GPS  integration</a:t>
+                      </a:r>
+                    </a:p>
+                    <a:p>
+                      <a:pPr lvl="0">
+                        <a:buNone/>
+                      </a:pPr>
+                      <a:r>
+                        <a:rPr lang="en-US" b="1" dirty="0"/>
+                        <a:t>1 week SIM integration</a:t>
+                      </a:r>
+                    </a:p>
+                    <a:p>
+                      <a:pPr lvl="0">
+                        <a:buNone/>
+                      </a:pPr>
+                      <a:r>
+                        <a:rPr lang="en-US" b="1" dirty="0"/>
+                        <a:t>1 week display integration</a:t>
+                      </a:r>
+                    </a:p>
+                    <a:p>
+                      <a:pPr lvl="0">
+                        <a:buNone/>
+                      </a:pPr>
+                      <a:r>
+                        <a:rPr lang="en-US" b="1" dirty="0"/>
+                        <a:t>1week code installation</a:t>
+                      </a:r>
+                    </a:p>
+                  </a:txBody>
+                  <a:tcPr/>
+                </a:tc>
+                <a:tc>
+                  <a:txBody>
+                    <a:bodyPr/>
+                    <a:lstStyle/>
+                    <a:p>
+                      <a:r>
+                        <a:rPr lang="en-US" b="1" dirty="0"/>
+                        <a:t>4 weeks to test the device </a:t>
+                      </a:r>
+                    </a:p>
+                  </a:txBody>
+                  <a:tcPr/>
+                </a:tc>
+                <a:extLst>
+                  <a:ext uri="{0D108BD9-81ED-4DB2-BD59-A6C34878D82A}">
+                    <a16:rowId xmlns:a16="http://schemas.microsoft.com/office/drawing/2014/main" val="1003181493"/>
+                  </a:ext>
+                </a:extLst>
+              </a:tr>
+              <a:tr h="1504448">
+                <a:tc>
+                  <a:txBody>
+                    <a:bodyPr/>
+                    <a:lstStyle/>
+                    <a:p>
+                      <a:r>
+                        <a:rPr lang="en-US" sz="3000" b="1" dirty="0"/>
+                        <a:t>Cost</a:t>
+                      </a:r>
+                    </a:p>
+                  </a:txBody>
+                  <a:tcPr/>
+                </a:tc>
+                <a:tc>
+                  <a:txBody>
+                    <a:bodyPr/>
+                    <a:lstStyle/>
+                    <a:p>
+                      <a:pPr lvl="0">
+                        <a:buNone/>
+                      </a:pPr>
+                      <a:r>
+                        <a:rPr lang="en-US" sz="1800" b="1" i="0" u="none" strike="noStrike" noProof="0" dirty="0">
+                          <a:latin typeface="The Hand Bold"/>
+                        </a:rPr>
+                        <a:t>Raspberry Pi 4 kit: $160 </a:t>
+                      </a:r>
+                      <a:endParaRPr lang="en-US" b="1" dirty="0"/>
+                    </a:p>
+                    <a:p>
+                      <a:pPr lvl="0">
+                        <a:buNone/>
+                      </a:pPr>
+                      <a:r>
+                        <a:rPr lang="en-US" b="1" dirty="0"/>
+                        <a:t>GPS module: $12</a:t>
+                      </a:r>
+                    </a:p>
+                    <a:p>
+                      <a:pPr lvl="0">
+                        <a:buNone/>
+                      </a:pPr>
+                      <a:r>
+                        <a:rPr lang="en-US" sz="1800" b="1" i="0" u="none" strike="noStrike" noProof="0" dirty="0">
+                          <a:latin typeface="The Hand Bold"/>
+                        </a:rPr>
+                        <a:t>Hologram IoT SIM: $55</a:t>
+                      </a:r>
+                    </a:p>
+                    <a:p>
+                      <a:pPr lvl="0">
+                        <a:buNone/>
+                      </a:pPr>
+                      <a:r>
+                        <a:rPr lang="en-US" sz="1800" b="1" i="0" u="none" strike="noStrike" noProof="0" dirty="0"/>
+                        <a:t>LCD Display:$10</a:t>
+                      </a:r>
+                      <a:endParaRPr lang="en-US" b="1" dirty="0"/>
+                    </a:p>
+                  </a:txBody>
+                  <a:tcPr/>
+                </a:tc>
+                <a:tc>
+                  <a:txBody>
+                    <a:bodyPr/>
+                    <a:lstStyle/>
+                    <a:p>
+                      <a:r>
+                        <a:rPr lang="en-US" b="1" dirty="0"/>
+                        <a:t>Programmer to write the structure: $300</a:t>
+                      </a:r>
+                    </a:p>
+                    <a:p>
+                      <a:pPr lvl="0">
+                        <a:buNone/>
+                      </a:pPr>
+                      <a:r>
+                        <a:rPr lang="en-US" b="1" dirty="0"/>
+                        <a:t>Code tester to test the algorithm: $100</a:t>
+                      </a:r>
+                    </a:p>
+                  </a:txBody>
+                  <a:tcPr/>
+                </a:tc>
+                <a:tc>
+                  <a:txBody>
+                    <a:bodyPr/>
+                    <a:lstStyle/>
+                    <a:p>
+                      <a:r>
+                        <a:rPr lang="en-US" b="1" dirty="0"/>
+                        <a:t>$1 per 1 location</a:t>
+                      </a:r>
+                    </a:p>
+                    <a:p>
+                      <a:pPr lvl="0">
+                        <a:buNone/>
+                      </a:pPr>
+                      <a:r>
+                        <a:rPr lang="en-US" b="1" dirty="0"/>
+                        <a:t>Initial required locations: 1000 location</a:t>
+                      </a:r>
+                    </a:p>
+                    <a:p>
+                      <a:pPr lvl="0">
+                        <a:buNone/>
+                      </a:pPr>
+                      <a:r>
+                        <a:rPr lang="en-US" b="1" dirty="0"/>
+                        <a:t>$1000</a:t>
+                      </a:r>
+                    </a:p>
+                  </a:txBody>
+                  <a:tcPr/>
+                </a:tc>
+                <a:tc>
+                  <a:txBody>
+                    <a:bodyPr/>
+                    <a:lstStyle/>
+                    <a:p>
+                      <a:r>
+                        <a:rPr lang="en-US" b="1" dirty="0"/>
+                        <a:t>Computer Engineer will be working on this </a:t>
+                      </a:r>
+                    </a:p>
+                    <a:p>
+                      <a:pPr lvl="0">
+                        <a:buNone/>
+                      </a:pPr>
+                      <a:r>
+                        <a:rPr lang="en-US" b="1" dirty="0"/>
+                        <a:t>$300 per successful integration</a:t>
+                      </a:r>
+                    </a:p>
+                    <a:p>
+                      <a:pPr lvl="0">
+                        <a:buNone/>
+                      </a:pPr>
+                      <a:endParaRPr lang="en-US" b="1" dirty="0"/>
+                    </a:p>
+                  </a:txBody>
+                  <a:tcPr/>
+                </a:tc>
+                <a:tc>
+                  <a:txBody>
+                    <a:bodyPr/>
+                    <a:lstStyle/>
+                    <a:p>
+                      <a:r>
+                        <a:rPr lang="en-US" b="1" dirty="0"/>
+                        <a:t>Testing will be held by a specialized tester who will get $400 and have to handle a report.</a:t>
+                      </a:r>
+                    </a:p>
+                  </a:txBody>
+                  <a:tcPr/>
+                </a:tc>
+                <a:extLst>
+                  <a:ext uri="{0D108BD9-81ED-4DB2-BD59-A6C34878D82A}">
+                    <a16:rowId xmlns:a16="http://schemas.microsoft.com/office/drawing/2014/main" val="3731955561"/>
+                  </a:ext>
+                </a:extLst>
+              </a:tr>
+            </a:tbl>
+          </a:graphicData>
+        </a:graphic>
+      </p:graphicFrame>
+      <p:graphicFrame>
+        <p:nvGraphicFramePr>
+          <p:cNvPr id="9" name="Table 8">
             <a:extLst>
               <a:ext uri="{FF2B5EF4-FFF2-40B4-BE49-F238E27FC236}">
-                <a16:creationId xmlns:a16="http://schemas.microsoft.com/office/drawing/2014/main" id="{516548D8-BB94-1AE3-57EE-AEC3C0B2CA48}"/>
+                <a16:creationId xmlns:a16="http://schemas.microsoft.com/office/drawing/2014/main" id="{9C65AAB5-FC81-D182-BEFF-084D6626563B}"/>
               </a:ext>
             </a:extLst>
           </p:cNvPr>
-          <p:cNvSpPr txBox="1">
-            <a:spLocks/>
-          </p:cNvSpPr>
-          <p:nvPr/>
-        </p:nvSpPr>
-        <p:spPr>
-          <a:xfrm>
-            <a:off x="6368474" y="1929384"/>
-            <a:ext cx="4916054" cy="4251960"/>
-          </a:xfrm>
-          <a:prstGeom prst="rect">
-            <a:avLst/>
-          </a:prstGeom>
-        </p:spPr>
-        <p:txBody>
-          <a:bodyPr vert="horz" lIns="91440" tIns="45720" rIns="91440" bIns="45720" rtlCol="0" anchor="t">
-            <a:normAutofit/>
-          </a:bodyPr>
-          <a:lstStyle>
-            <a:lvl1pPr marL="228600" indent="-228600" algn="l" defTabSz="914400" rtl="0" eaLnBrk="1" latinLnBrk="0" hangingPunct="1">
-              <a:lnSpc>
-                <a:spcPct val="110000"/>
-              </a:lnSpc>
-              <a:spcBef>
-                <a:spcPts val="1000"/>
-              </a:spcBef>
-              <a:buFont typeface="Arial" panose="020B0604020202020204" pitchFamily="34" charset="0"/>
-              <a:buChar char="•"/>
-              <a:defRPr sz="2800" kern="1200">
-                <a:solidFill>
-                  <a:schemeClr val="tx1"/>
-                </a:solidFill>
-                <a:latin typeface="+mn-lt"/>
-                <a:ea typeface="+mn-ea"/>
-                <a:cs typeface="+mn-cs"/>
-              </a:defRPr>
-            </a:lvl1pPr>
-            <a:lvl2pPr marL="685800" indent="-228600" algn="l" defTabSz="914400" rtl="0" eaLnBrk="1" latinLnBrk="0" hangingPunct="1">
-              <a:lnSpc>
-                <a:spcPct val="110000"/>
-              </a:lnSpc>
-              <a:spcBef>
-                <a:spcPts val="500"/>
-              </a:spcBef>
-              <a:buFont typeface="Arial" panose="020B0604020202020204" pitchFamily="34" charset="0"/>
-              <a:buChar char="•"/>
-              <a:defRPr sz="2400" kern="1200">
-                <a:solidFill>
-                  <a:schemeClr val="tx1"/>
-                </a:solidFill>
-                <a:latin typeface="+mn-lt"/>
-                <a:ea typeface="+mn-ea"/>
-                <a:cs typeface="+mn-cs"/>
-              </a:defRPr>
-            </a:lvl2pPr>
-            <a:lvl3pPr marL="1143000" indent="-228600" algn="l" defTabSz="914400" rtl="0" eaLnBrk="1" latinLnBrk="0" hangingPunct="1">
-              <a:lnSpc>
-                <a:spcPct val="110000"/>
-              </a:lnSpc>
-              <a:spcBef>
-                <a:spcPts val="500"/>
-              </a:spcBef>
-              <a:buFont typeface="Arial" panose="020B0604020202020204" pitchFamily="34" charset="0"/>
-              <a:buChar char="•"/>
-              <a:defRPr sz="2000" kern="1200">
-                <a:solidFill>
-                  <a:schemeClr val="tx1"/>
-                </a:solidFill>
-                <a:latin typeface="+mn-lt"/>
-                <a:ea typeface="+mn-ea"/>
-                <a:cs typeface="+mn-cs"/>
-              </a:defRPr>
-            </a:lvl3pPr>
-            <a:lvl4pPr marL="1600200" indent="-228600" algn="l" defTabSz="914400" rtl="0" eaLnBrk="1" latinLnBrk="0" hangingPunct="1">
-              <a:lnSpc>
-                <a:spcPct val="110000"/>
-              </a:lnSpc>
-              <a:spcBef>
-                <a:spcPts val="500"/>
-              </a:spcBef>
-              <a:buFont typeface="Arial" panose="020B0604020202020204" pitchFamily="34" charset="0"/>
-              <a:buChar char="•"/>
-              <a:defRPr sz="1800" kern="1200">
-                <a:solidFill>
-                  <a:schemeClr val="tx1"/>
-                </a:solidFill>
-                <a:latin typeface="+mn-lt"/>
-                <a:ea typeface="+mn-ea"/>
-                <a:cs typeface="+mn-cs"/>
-              </a:defRPr>
-            </a:lvl4pPr>
-            <a:lvl5pPr marL="2057400" indent="-228600" algn="l" defTabSz="914400" rtl="0" eaLnBrk="1" latinLnBrk="0" hangingPunct="1">
-              <a:lnSpc>
-                <a:spcPct val="110000"/>
-              </a:lnSpc>
-              <a:spcBef>
-                <a:spcPts val="500"/>
-              </a:spcBef>
-              <a:buFont typeface="Arial" panose="020B0604020202020204" pitchFamily="34" charset="0"/>
-              <a:buChar char="•"/>
-              <a:defRPr sz="1800" kern="1200">
-                <a:solidFill>
-                  <a:schemeClr val="tx1"/>
-                </a:solidFill>
-                <a:latin typeface="+mn-lt"/>
-                <a:ea typeface="+mn-ea"/>
-                <a:cs typeface="+mn-cs"/>
-              </a:defRPr>
-            </a:lvl5pPr>
-            <a:lvl6pPr marL="2514600" indent="-228600" algn="l" defTabSz="914400" rtl="0" eaLnBrk="1" latinLnBrk="0" hangingPunct="1">
-              <a:lnSpc>
-                <a:spcPct val="90000"/>
-              </a:lnSpc>
-              <a:spcBef>
-                <a:spcPts val="500"/>
-              </a:spcBef>
-              <a:buFont typeface="Arial" panose="020B0604020202020204" pitchFamily="34" charset="0"/>
-              <a:buChar char="•"/>
-              <a:defRPr sz="1800" kern="1200">
-                <a:solidFill>
-                  <a:schemeClr val="tx1"/>
-                </a:solidFill>
-                <a:latin typeface="+mn-lt"/>
-                <a:ea typeface="+mn-ea"/>
-                <a:cs typeface="+mn-cs"/>
-              </a:defRPr>
-            </a:lvl6pPr>
-            <a:lvl7pPr marL="2971800" indent="-228600" algn="l" defTabSz="914400" rtl="0" eaLnBrk="1" latinLnBrk="0" hangingPunct="1">
-              <a:lnSpc>
-                <a:spcPct val="90000"/>
-              </a:lnSpc>
-              <a:spcBef>
-                <a:spcPts val="500"/>
-              </a:spcBef>
-              <a:buFont typeface="Arial" panose="020B0604020202020204" pitchFamily="34" charset="0"/>
-              <a:buChar char="•"/>
-              <a:defRPr sz="1800" kern="1200">
-                <a:solidFill>
-                  <a:schemeClr val="tx1"/>
-                </a:solidFill>
-                <a:latin typeface="+mn-lt"/>
-                <a:ea typeface="+mn-ea"/>
-                <a:cs typeface="+mn-cs"/>
-              </a:defRPr>
-            </a:lvl7pPr>
-            <a:lvl8pPr marL="3429000" indent="-228600" algn="l" defTabSz="914400" rtl="0" eaLnBrk="1" latinLnBrk="0" hangingPunct="1">
-              <a:lnSpc>
-                <a:spcPct val="90000"/>
-              </a:lnSpc>
-              <a:spcBef>
-                <a:spcPts val="500"/>
-              </a:spcBef>
-              <a:buFont typeface="Arial" panose="020B0604020202020204" pitchFamily="34" charset="0"/>
-              <a:buChar char="•"/>
-              <a:defRPr sz="1800" kern="1200">
-                <a:solidFill>
-                  <a:schemeClr val="tx1"/>
-                </a:solidFill>
-                <a:latin typeface="+mn-lt"/>
-                <a:ea typeface="+mn-ea"/>
-                <a:cs typeface="+mn-cs"/>
-              </a:defRPr>
-            </a:lvl8pPr>
-            <a:lvl9pPr marL="3886200" indent="-228600" algn="l" defTabSz="914400" rtl="0" eaLnBrk="1" latinLnBrk="0" hangingPunct="1">
-              <a:lnSpc>
-                <a:spcPct val="90000"/>
-              </a:lnSpc>
-              <a:spcBef>
-                <a:spcPts val="500"/>
-              </a:spcBef>
-              <a:buFont typeface="Arial" panose="020B0604020202020204" pitchFamily="34" charset="0"/>
-              <a:buChar char="•"/>
-              <a:defRPr sz="1800" kern="1200">
-                <a:solidFill>
-                  <a:schemeClr val="tx1"/>
-                </a:solidFill>
-                <a:latin typeface="+mn-lt"/>
-                <a:ea typeface="+mn-ea"/>
-                <a:cs typeface="+mn-cs"/>
-              </a:defRPr>
-            </a:lvl9pPr>
-          </a:lstStyle>
-          <a:p>
-            <a:r>
-              <a:rPr lang="en-US" dirty="0"/>
-              <a:t>cost</a:t>
-            </a:r>
-          </a:p>
-        </p:txBody>
-      </p:sp>
+          <p:cNvGraphicFramePr>
+            <a:graphicFrameLocks noGrp="1"/>
+          </p:cNvGraphicFramePr>
+          <p:nvPr>
+            <p:extLst>
+              <p:ext uri="{D42A27DB-BD31-4B8C-83A1-F6EECF244321}">
+                <p14:modId xmlns:p14="http://schemas.microsoft.com/office/powerpoint/2010/main" val="2198251247"/>
+              </p:ext>
+            </p:extLst>
+          </p:nvPr>
+        </p:nvGraphicFramePr>
+        <p:xfrm>
+          <a:off x="841071" y="5879680"/>
+          <a:ext cx="5199292" cy="741680"/>
+        </p:xfrm>
+        <a:graphic>
+          <a:graphicData uri="http://schemas.openxmlformats.org/drawingml/2006/table">
+            <a:tbl>
+              <a:tblPr firstRow="1" bandRow="1">
+                <a:tableStyleId>{5C22544A-7EE6-4342-B048-85BDC9FD1C3A}</a:tableStyleId>
+              </a:tblPr>
+              <a:tblGrid>
+                <a:gridCol w="5199292">
+                  <a:extLst>
+                    <a:ext uri="{9D8B030D-6E8A-4147-A177-3AD203B41FA5}">
+                      <a16:colId xmlns:a16="http://schemas.microsoft.com/office/drawing/2014/main" val="4228884049"/>
+                    </a:ext>
+                  </a:extLst>
+                </a:gridCol>
+              </a:tblGrid>
+              <a:tr h="370840">
+                <a:tc>
+                  <a:txBody>
+                    <a:bodyPr/>
+                    <a:lstStyle/>
+                    <a:p>
+                      <a:r>
+                        <a:rPr lang="en-US" dirty="0"/>
+                        <a:t>Total time : 16 week + 4 weeks (</a:t>
+                      </a:r>
+                      <a:r>
+                        <a:rPr lang="en-US" err="1"/>
+                        <a:t>feed back</a:t>
+                      </a:r>
+                      <a:r>
+                        <a:rPr lang="en-US" dirty="0"/>
+                        <a:t> updates ) = 20 </a:t>
+                      </a:r>
+                      <a:r>
+                        <a:rPr lang="en-US"/>
+                        <a:t>weeks </a:t>
+                      </a:r>
+                      <a:endParaRPr lang="en-US" dirty="0"/>
+                    </a:p>
+                  </a:txBody>
+                  <a:tcPr/>
+                </a:tc>
+                <a:extLst>
+                  <a:ext uri="{0D108BD9-81ED-4DB2-BD59-A6C34878D82A}">
+                    <a16:rowId xmlns:a16="http://schemas.microsoft.com/office/drawing/2014/main" val="446967908"/>
+                  </a:ext>
+                </a:extLst>
+              </a:tr>
+              <a:tr h="370840">
+                <a:tc>
+                  <a:txBody>
+                    <a:bodyPr/>
+                    <a:lstStyle/>
+                    <a:p>
+                      <a:pPr lvl="0">
+                        <a:buNone/>
+                      </a:pPr>
+                      <a:r>
+                        <a:rPr lang="en-US" b="1" dirty="0">
+                          <a:solidFill>
+                            <a:schemeClr val="tx1"/>
+                          </a:solidFill>
+                        </a:rPr>
+                        <a:t>Total cost : $3237 + $400 as spare if any component lost = $3637</a:t>
+                      </a:r>
+                    </a:p>
+                  </a:txBody>
+                  <a:tcPr/>
+                </a:tc>
+                <a:extLst>
+                  <a:ext uri="{0D108BD9-81ED-4DB2-BD59-A6C34878D82A}">
+                    <a16:rowId xmlns:a16="http://schemas.microsoft.com/office/drawing/2014/main" val="2769652851"/>
+                  </a:ext>
+                </a:extLst>
+              </a:tr>
+            </a:tbl>
+          </a:graphicData>
+        </a:graphic>
+      </p:graphicFrame>
     </p:spTree>
     <p:extLst>
       <p:ext uri="{BB962C8B-B14F-4D97-AF65-F5344CB8AC3E}">

--- a/project_management/projectManegment.pptx
+++ b/project_management/projectManegment.pptx
@@ -1685,7 +1685,7 @@
         <a:p>
           <a:r>
             <a:rPr lang="en-US" dirty="0"/>
-            <a:t>Equipment Procurement Complete (Week 1):</a:t>
+            <a:t>Equipment Procurement Complete (7/1/2024):</a:t>
           </a:r>
         </a:p>
       </dgm:t>
@@ -1757,7 +1757,13 @@
         <a:p>
           <a:r>
             <a:rPr lang="en-US" dirty="0"/>
-            <a:t>Java Code Development Completed (Week 2):</a:t>
+            <a:t>Java Code Development Completed </a:t>
+          </a:r>
+        </a:p>
+        <a:p>
+          <a:r>
+            <a:rPr lang="en-US" dirty="0"/>
+            <a:t>(14/1/2024)</a:t>
           </a:r>
         </a:p>
       </dgm:t>
@@ -1829,7 +1835,7 @@
         <a:p>
           <a:r>
             <a:rPr lang="en-US" dirty="0"/>
-            <a:t>Data Collection Strategy Defined (Week 3):</a:t>
+            <a:t>Data Collection Strategy Defined (21/1/2023):</a:t>
           </a:r>
         </a:p>
       </dgm:t>
@@ -1901,7 +1907,13 @@
         <a:p>
           <a:r>
             <a:rPr lang="en-US" dirty="0"/>
-            <a:t>Digital Elements Integrated (Week 6):</a:t>
+            <a:t>Digital Elements Integrated </a:t>
+          </a:r>
+        </a:p>
+        <a:p>
+          <a:r>
+            <a:rPr lang="en-US" dirty="0"/>
+            <a:t>(11/2/2024):</a:t>
           </a:r>
         </a:p>
       </dgm:t>
@@ -1973,7 +1985,7 @@
         <a:p>
           <a:r>
             <a:rPr lang="en-US" dirty="0"/>
-            <a:t>Java Code Installed on Device (Week 7):</a:t>
+            <a:t>Java Code Installed on Device (Week 18/2/2024):</a:t>
           </a:r>
         </a:p>
       </dgm:t>
@@ -2045,7 +2057,13 @@
         <a:p>
           <a:r>
             <a:rPr lang="en-US" dirty="0"/>
-            <a:t>First Prototype Assembled and Tested (Week 11):</a:t>
+            <a:t>First Prototype Assembled and Tested </a:t>
+          </a:r>
+        </a:p>
+        <a:p>
+          <a:r>
+            <a:rPr lang="en-US" dirty="0"/>
+            <a:t>(18/3/2024):</a:t>
           </a:r>
         </a:p>
       </dgm:t>
@@ -2117,7 +2135,7 @@
         <a:p>
           <a:r>
             <a:rPr lang="en-US" dirty="0"/>
-            <a:t>Iterative Refinement Completed (Week 15):</a:t>
+            <a:t>Iterative Refinement Completed (17/4/2024):</a:t>
           </a:r>
         </a:p>
       </dgm:t>
@@ -2189,7 +2207,7 @@
         <a:p>
           <a:r>
             <a:rPr lang="en-US" dirty="0"/>
-            <a:t>Data Collection Implemented (Week 17):</a:t>
+            <a:t>Data Collection Implemented (31/4/2024):</a:t>
           </a:r>
         </a:p>
       </dgm:t>
@@ -2261,7 +2279,7 @@
         <a:p>
           <a:r>
             <a:rPr lang="en-US" dirty="0"/>
-            <a:t>Finalized Device Ready for Production (Week 20):</a:t>
+            <a:t>Finalized Device Ready for Production (21/5/2024):</a:t>
           </a:r>
         </a:p>
       </dgm:t>
@@ -2642,7 +2660,7 @@
 <dgm:dataModel xmlns:dgm="http://schemas.openxmlformats.org/drawingml/2006/diagram" xmlns:a="http://schemas.openxmlformats.org/drawingml/2006/main">
   <dgm:ptLst>
     <dgm:pt modelId="{EAAFF32D-05C5-4EF9-90E9-9ED6CFFD25C8}" type="doc">
-      <dgm:prSet loTypeId="urn:microsoft.com/office/officeart/2005/8/layout/hList1" loCatId="list" qsTypeId="urn:microsoft.com/office/officeart/2005/8/quickstyle/simple1" qsCatId="simple" csTypeId="urn:microsoft.com/office/officeart/2005/8/colors/colorful2" csCatId="colorful"/>
+      <dgm:prSet loTypeId="urn:microsoft.com/office/officeart/2005/8/layout/hList1" loCatId="list" qsTypeId="urn:microsoft.com/office/officeart/2005/8/quickstyle/simple1" qsCatId="simple" csTypeId="urn:microsoft.com/office/officeart/2005/8/colors/colorful2" csCatId="colorful" phldr="1"/>
       <dgm:spPr/>
       <dgm:t>
         <a:bodyPr/>
@@ -2859,8 +2877,13 @@
           </a:r>
           <a:r>
             <a:rPr lang="en-US" dirty="0"/>
-            <a:t> Ensuring the display's visibility in bright sunlight is crucial for effective communication with the driver.</a:t>
+            <a:t> Ensuring the display's visibility in bright sunlight is crucial for effective communication with the </a:t>
           </a:r>
+          <a:r>
+            <a:rPr lang="en-US"/>
+            <a:t>driver..</a:t>
+          </a:r>
+          <a:endParaRPr lang="en-US" dirty="0"/>
         </a:p>
       </dgm:t>
     </dgm:pt>
@@ -2876,123 +2899,6 @@
       </dgm:t>
     </dgm:pt>
     <dgm:pt modelId="{B196195D-1DFA-46FC-97D3-B9FC0EA0954D}" type="sibTrans" cxnId="{83BEF859-37B2-4DAC-940D-EA703096AD6B}">
-      <dgm:prSet/>
-      <dgm:spPr/>
-      <dgm:t>
-        <a:bodyPr/>
-        <a:lstStyle/>
-        <a:p>
-          <a:endParaRPr lang="en-US"/>
-        </a:p>
-      </dgm:t>
-    </dgm:pt>
-    <dgm:pt modelId="{EFB50949-0EC0-4EE1-A785-35737C0C315F}">
-      <dgm:prSet/>
-      <dgm:spPr/>
-      <dgm:t>
-        <a:bodyPr/>
-        <a:lstStyle/>
-        <a:p>
-          <a:r>
-            <a:rPr lang="en-US" b="1" dirty="0"/>
-            <a:t>Real-Time Data:</a:t>
-          </a:r>
-          <a:endParaRPr lang="en-US" dirty="0"/>
-        </a:p>
-      </dgm:t>
-    </dgm:pt>
-    <dgm:pt modelId="{DDD07513-FA2D-460B-BC98-19263130D483}" type="parTrans" cxnId="{051F67C1-CF44-4F0A-BEB5-D70AB37A27D9}">
-      <dgm:prSet/>
-      <dgm:spPr/>
-      <dgm:t>
-        <a:bodyPr/>
-        <a:lstStyle/>
-        <a:p>
-          <a:endParaRPr lang="en-US"/>
-        </a:p>
-      </dgm:t>
-    </dgm:pt>
-    <dgm:pt modelId="{D0EAADBA-1C73-49D1-9297-DF3875697693}" type="sibTrans" cxnId="{051F67C1-CF44-4F0A-BEB5-D70AB37A27D9}">
-      <dgm:prSet/>
-      <dgm:spPr/>
-      <dgm:t>
-        <a:bodyPr/>
-        <a:lstStyle/>
-        <a:p>
-          <a:endParaRPr lang="en-US"/>
-        </a:p>
-      </dgm:t>
-    </dgm:pt>
-    <dgm:pt modelId="{CE4A9008-61DA-48A7-AF46-632E1127B78D}">
-      <dgm:prSet/>
-      <dgm:spPr/>
-      <dgm:t>
-        <a:bodyPr/>
-        <a:lstStyle/>
-        <a:p>
-          <a:r>
-            <a:rPr lang="en-US" b="1" dirty="0"/>
-            <a:t>Priority:</a:t>
-          </a:r>
-          <a:r>
-            <a:rPr lang="en-US" dirty="0"/>
-            <a:t> High</a:t>
-          </a:r>
-        </a:p>
-      </dgm:t>
-    </dgm:pt>
-    <dgm:pt modelId="{D7EEC283-469A-4747-9A93-6A8E0C4F06B1}" type="parTrans" cxnId="{2D8898CB-D6B9-4819-9F50-F35FC4CF1348}">
-      <dgm:prSet/>
-      <dgm:spPr/>
-      <dgm:t>
-        <a:bodyPr/>
-        <a:lstStyle/>
-        <a:p>
-          <a:endParaRPr lang="en-US"/>
-        </a:p>
-      </dgm:t>
-    </dgm:pt>
-    <dgm:pt modelId="{FF0FAD43-C6BB-4628-925F-2E9F567AA757}" type="sibTrans" cxnId="{2D8898CB-D6B9-4819-9F50-F35FC4CF1348}">
-      <dgm:prSet/>
-      <dgm:spPr/>
-      <dgm:t>
-        <a:bodyPr/>
-        <a:lstStyle/>
-        <a:p>
-          <a:endParaRPr lang="en-US"/>
-        </a:p>
-      </dgm:t>
-    </dgm:pt>
-    <dgm:pt modelId="{8F6D5F90-33A4-4F29-85E4-C07420526414}">
-      <dgm:prSet/>
-      <dgm:spPr/>
-      <dgm:t>
-        <a:bodyPr/>
-        <a:lstStyle/>
-        <a:p>
-          <a:r>
-            <a:rPr lang="en-US" b="1" dirty="0"/>
-            <a:t>Explanation:</a:t>
-          </a:r>
-          <a:r>
-            <a:rPr lang="en-US" dirty="0"/>
-            <a:t> The capability to collect and respond to real-time data is a key priority for the system's accuracy and relevance.</a:t>
-          </a:r>
-        </a:p>
-      </dgm:t>
-    </dgm:pt>
-    <dgm:pt modelId="{A81C06A3-C8BB-4B7C-841B-028791910440}" type="parTrans" cxnId="{CF4AA8E7-BA09-4F4D-9E82-4351F3D8E186}">
-      <dgm:prSet/>
-      <dgm:spPr/>
-      <dgm:t>
-        <a:bodyPr/>
-        <a:lstStyle/>
-        <a:p>
-          <a:endParaRPr lang="en-US"/>
-        </a:p>
-      </dgm:t>
-    </dgm:pt>
-    <dgm:pt modelId="{C387B516-5674-47ED-87D4-DE025EF062ED}" type="sibTrans" cxnId="{CF4AA8E7-BA09-4F4D-9E82-4351F3D8E186}">
       <dgm:prSet/>
       <dgm:spPr/>
       <dgm:t>
@@ -3252,7 +3158,7 @@
       <dgm:spPr/>
     </dgm:pt>
     <dgm:pt modelId="{EC86B825-05DA-45D1-B437-A574A10B1C01}" type="pres">
-      <dgm:prSet presAssocID="{044479DB-4B7C-47EE-8EE5-F9F54A1C5869}" presName="parTx" presStyleLbl="alignNode1" presStyleIdx="0" presStyleCnt="5">
+      <dgm:prSet presAssocID="{044479DB-4B7C-47EE-8EE5-F9F54A1C5869}" presName="parTx" presStyleLbl="alignNode1" presStyleIdx="0" presStyleCnt="4">
         <dgm:presLayoutVars>
           <dgm:chMax val="0"/>
           <dgm:chPref val="0"/>
@@ -3262,7 +3168,7 @@
       <dgm:spPr/>
     </dgm:pt>
     <dgm:pt modelId="{81C54D3A-94B4-4371-B78C-CD736A9CF4E5}" type="pres">
-      <dgm:prSet presAssocID="{044479DB-4B7C-47EE-8EE5-F9F54A1C5869}" presName="desTx" presStyleLbl="alignAccFollowNode1" presStyleIdx="0" presStyleCnt="5">
+      <dgm:prSet presAssocID="{044479DB-4B7C-47EE-8EE5-F9F54A1C5869}" presName="desTx" presStyleLbl="alignAccFollowNode1" presStyleIdx="0" presStyleCnt="4">
         <dgm:presLayoutVars>
           <dgm:bulletEnabled val="1"/>
         </dgm:presLayoutVars>
@@ -3278,7 +3184,7 @@
       <dgm:spPr/>
     </dgm:pt>
     <dgm:pt modelId="{B6B05C4F-8875-4F4F-BEC3-CBCCE4C6FFC2}" type="pres">
-      <dgm:prSet presAssocID="{30077B2E-DBC3-41C7-A324-C91CB84B82FB}" presName="parTx" presStyleLbl="alignNode1" presStyleIdx="1" presStyleCnt="5">
+      <dgm:prSet presAssocID="{30077B2E-DBC3-41C7-A324-C91CB84B82FB}" presName="parTx" presStyleLbl="alignNode1" presStyleIdx="1" presStyleCnt="4">
         <dgm:presLayoutVars>
           <dgm:chMax val="0"/>
           <dgm:chPref val="0"/>
@@ -3288,7 +3194,7 @@
       <dgm:spPr/>
     </dgm:pt>
     <dgm:pt modelId="{33F9E207-4BD1-4347-8BBA-497955C61A52}" type="pres">
-      <dgm:prSet presAssocID="{30077B2E-DBC3-41C7-A324-C91CB84B82FB}" presName="desTx" presStyleLbl="alignAccFollowNode1" presStyleIdx="1" presStyleCnt="5">
+      <dgm:prSet presAssocID="{30077B2E-DBC3-41C7-A324-C91CB84B82FB}" presName="desTx" presStyleLbl="alignAccFollowNode1" presStyleIdx="1" presStyleCnt="4">
         <dgm:presLayoutVars>
           <dgm:bulletEnabled val="1"/>
         </dgm:presLayoutVars>
@@ -3299,38 +3205,12 @@
       <dgm:prSet presAssocID="{A101AC6F-9488-4FB1-931B-1CAB3CCD82AB}" presName="space" presStyleCnt="0"/>
       <dgm:spPr/>
     </dgm:pt>
-    <dgm:pt modelId="{1F68CA56-A6B1-4CF4-BFCD-9D29068B9304}" type="pres">
-      <dgm:prSet presAssocID="{EFB50949-0EC0-4EE1-A785-35737C0C315F}" presName="composite" presStyleCnt="0"/>
-      <dgm:spPr/>
-    </dgm:pt>
-    <dgm:pt modelId="{6E5BA073-AA4B-43A6-A315-96327D481D22}" type="pres">
-      <dgm:prSet presAssocID="{EFB50949-0EC0-4EE1-A785-35737C0C315F}" presName="parTx" presStyleLbl="alignNode1" presStyleIdx="2" presStyleCnt="5">
-        <dgm:presLayoutVars>
-          <dgm:chMax val="0"/>
-          <dgm:chPref val="0"/>
-          <dgm:bulletEnabled val="1"/>
-        </dgm:presLayoutVars>
-      </dgm:prSet>
-      <dgm:spPr/>
-    </dgm:pt>
-    <dgm:pt modelId="{92716C4F-391A-401E-858B-2AD518874890}" type="pres">
-      <dgm:prSet presAssocID="{EFB50949-0EC0-4EE1-A785-35737C0C315F}" presName="desTx" presStyleLbl="alignAccFollowNode1" presStyleIdx="2" presStyleCnt="5">
-        <dgm:presLayoutVars>
-          <dgm:bulletEnabled val="1"/>
-        </dgm:presLayoutVars>
-      </dgm:prSet>
-      <dgm:spPr/>
-    </dgm:pt>
-    <dgm:pt modelId="{287AA194-9265-40F0-A269-B4027F52C63C}" type="pres">
-      <dgm:prSet presAssocID="{D0EAADBA-1C73-49D1-9297-DF3875697693}" presName="space" presStyleCnt="0"/>
-      <dgm:spPr/>
-    </dgm:pt>
     <dgm:pt modelId="{E82BA8C1-910C-4E46-8133-8C12FBAB8388}" type="pres">
       <dgm:prSet presAssocID="{1FA68BA4-2643-47B4-A3A7-22349DC3291F}" presName="composite" presStyleCnt="0"/>
       <dgm:spPr/>
     </dgm:pt>
     <dgm:pt modelId="{9A0DF58F-0111-439C-B68D-9C1BD017566E}" type="pres">
-      <dgm:prSet presAssocID="{1FA68BA4-2643-47B4-A3A7-22349DC3291F}" presName="parTx" presStyleLbl="alignNode1" presStyleIdx="3" presStyleCnt="5">
+      <dgm:prSet presAssocID="{1FA68BA4-2643-47B4-A3A7-22349DC3291F}" presName="parTx" presStyleLbl="alignNode1" presStyleIdx="2" presStyleCnt="4">
         <dgm:presLayoutVars>
           <dgm:chMax val="0"/>
           <dgm:chPref val="0"/>
@@ -3340,7 +3220,7 @@
       <dgm:spPr/>
     </dgm:pt>
     <dgm:pt modelId="{5749E2F5-D4D1-46CD-824A-0ECE96813D16}" type="pres">
-      <dgm:prSet presAssocID="{1FA68BA4-2643-47B4-A3A7-22349DC3291F}" presName="desTx" presStyleLbl="alignAccFollowNode1" presStyleIdx="3" presStyleCnt="5">
+      <dgm:prSet presAssocID="{1FA68BA4-2643-47B4-A3A7-22349DC3291F}" presName="desTx" presStyleLbl="alignAccFollowNode1" presStyleIdx="2" presStyleCnt="4">
         <dgm:presLayoutVars>
           <dgm:bulletEnabled val="1"/>
         </dgm:presLayoutVars>
@@ -3356,7 +3236,7 @@
       <dgm:spPr/>
     </dgm:pt>
     <dgm:pt modelId="{27039E24-EA28-486B-BC4F-F23D19F433ED}" type="pres">
-      <dgm:prSet presAssocID="{B1C4E4D1-110D-45A3-854C-0D6128424287}" presName="parTx" presStyleLbl="alignNode1" presStyleIdx="4" presStyleCnt="5">
+      <dgm:prSet presAssocID="{B1C4E4D1-110D-45A3-854C-0D6128424287}" presName="parTx" presStyleLbl="alignNode1" presStyleIdx="3" presStyleCnt="4">
         <dgm:presLayoutVars>
           <dgm:chMax val="0"/>
           <dgm:chPref val="0"/>
@@ -3366,7 +3246,7 @@
       <dgm:spPr/>
     </dgm:pt>
     <dgm:pt modelId="{5ADB7A84-A506-45E0-8211-0E29D661FA54}" type="pres">
-      <dgm:prSet presAssocID="{B1C4E4D1-110D-45A3-854C-0D6128424287}" presName="desTx" presStyleLbl="alignAccFollowNode1" presStyleIdx="4" presStyleCnt="5">
+      <dgm:prSet presAssocID="{B1C4E4D1-110D-45A3-854C-0D6128424287}" presName="desTx" presStyleLbl="alignAccFollowNode1" presStyleIdx="3" presStyleCnt="4">
         <dgm:presLayoutVars>
           <dgm:bulletEnabled val="1"/>
         </dgm:presLayoutVars>
@@ -3382,29 +3262,23 @@
     <dgm:cxn modelId="{F6EB5C20-0D3D-4605-AB53-6F2966D78849}" srcId="{EAAFF32D-05C5-4EF9-90E9-9ED6CFFD25C8}" destId="{30077B2E-DBC3-41C7-A324-C91CB84B82FB}" srcOrd="1" destOrd="0" parTransId="{8104A041-52D9-4E80-91D3-AAC32C011B7C}" sibTransId="{A101AC6F-9488-4FB1-931B-1CAB3CCD82AB}"/>
     <dgm:cxn modelId="{5EB4BD22-AFF0-481C-A21C-2B3A24BA191D}" srcId="{30077B2E-DBC3-41C7-A324-C91CB84B82FB}" destId="{7C23DC39-5E63-4E03-AC38-386FFB551F6D}" srcOrd="0" destOrd="0" parTransId="{F2648E09-AB8A-4092-B79C-EC154AAD38A1}" sibTransId="{FD550315-215C-46AE-8A09-37749B844EFF}"/>
     <dgm:cxn modelId="{A4F55C27-75A8-40B2-BFCF-97BDC24B3FDF}" srcId="{044479DB-4B7C-47EE-8EE5-F9F54A1C5869}" destId="{59C35FD2-152A-47B9-B4F7-D4C734776EE9}" srcOrd="0" destOrd="0" parTransId="{B1888A5C-BD1F-48E9-814A-100267A88D42}" sibTransId="{AEE730C5-C991-4543-9ED5-6D0E1052F407}"/>
-    <dgm:cxn modelId="{85DBF02F-571C-40DA-97E4-A214E6555C90}" srcId="{EAAFF32D-05C5-4EF9-90E9-9ED6CFFD25C8}" destId="{B1C4E4D1-110D-45A3-854C-0D6128424287}" srcOrd="4" destOrd="0" parTransId="{0B9F9263-DEC8-4ADF-8723-D570341290F9}" sibTransId="{2B0F1844-11DE-43DB-B8E6-43F655C13B3B}"/>
+    <dgm:cxn modelId="{85DBF02F-571C-40DA-97E4-A214E6555C90}" srcId="{EAAFF32D-05C5-4EF9-90E9-9ED6CFFD25C8}" destId="{B1C4E4D1-110D-45A3-854C-0D6128424287}" srcOrd="3" destOrd="0" parTransId="{0B9F9263-DEC8-4ADF-8723-D570341290F9}" sibTransId="{2B0F1844-11DE-43DB-B8E6-43F655C13B3B}"/>
     <dgm:cxn modelId="{06471A40-563E-410F-A889-0D354463C4B4}" type="presOf" srcId="{30077B2E-DBC3-41C7-A324-C91CB84B82FB}" destId="{B6B05C4F-8875-4F4F-BEC3-CBCCE4C6FFC2}" srcOrd="0" destOrd="0" presId="urn:microsoft.com/office/officeart/2005/8/layout/hList1"/>
     <dgm:cxn modelId="{A0DE0F5F-4E15-4371-A041-DB96CC904F5A}" srcId="{B1C4E4D1-110D-45A3-854C-0D6128424287}" destId="{60600326-48A2-4454-9DEB-190C2681089D}" srcOrd="0" destOrd="0" parTransId="{DA9FE74B-1EDB-44E6-BCC4-7193447678A5}" sibTransId="{345AAF40-32BD-4635-AF81-7255EE1B238E}"/>
     <dgm:cxn modelId="{88799661-B722-4199-8A57-30A8DC478712}" srcId="{1FA68BA4-2643-47B4-A3A7-22349DC3291F}" destId="{3C3BF057-7B0F-4836-9F2F-18F074A41DF0}" srcOrd="0" destOrd="0" parTransId="{E2A76B2F-5FD6-4C88-B570-DBC11C7F83D9}" sibTransId="{C8FBFF73-C1D6-42AB-99D7-E54A7D83ABD5}"/>
-    <dgm:cxn modelId="{4A24DD46-B9FB-4EF7-9EF1-9CC8234E9599}" srcId="{EAAFF32D-05C5-4EF9-90E9-9ED6CFFD25C8}" destId="{1FA68BA4-2643-47B4-A3A7-22349DC3291F}" srcOrd="3" destOrd="0" parTransId="{E4420ACF-C778-4D66-B67A-A6E01355B3B4}" sibTransId="{2178A86E-510D-4AD6-A133-9E99C3EAD63D}"/>
+    <dgm:cxn modelId="{4A24DD46-B9FB-4EF7-9EF1-9CC8234E9599}" srcId="{EAAFF32D-05C5-4EF9-90E9-9ED6CFFD25C8}" destId="{1FA68BA4-2643-47B4-A3A7-22349DC3291F}" srcOrd="2" destOrd="0" parTransId="{E4420ACF-C778-4D66-B67A-A6E01355B3B4}" sibTransId="{2178A86E-510D-4AD6-A133-9E99C3EAD63D}"/>
     <dgm:cxn modelId="{60E73F4B-0FA8-4FBB-9B32-4C80C181E5D5}" srcId="{044479DB-4B7C-47EE-8EE5-F9F54A1C5869}" destId="{28C389B8-EA58-4135-8733-9D1AD5F99982}" srcOrd="1" destOrd="0" parTransId="{FEED6781-9291-458E-9D58-0231AD9996A3}" sibTransId="{B9362AAD-4931-42BD-AA9E-F20AE695C6B0}"/>
-    <dgm:cxn modelId="{29F9AF6D-88F5-4D37-86F0-DEB950D30397}" type="presOf" srcId="{CE4A9008-61DA-48A7-AF46-632E1127B78D}" destId="{92716C4F-391A-401E-858B-2AD518874890}" srcOrd="0" destOrd="0" presId="urn:microsoft.com/office/officeart/2005/8/layout/hList1"/>
     <dgm:cxn modelId="{E669864F-F0DA-4379-AE21-F0338693B76B}" type="presOf" srcId="{7C23DC39-5E63-4E03-AC38-386FFB551F6D}" destId="{33F9E207-4BD1-4347-8BBA-497955C61A52}" srcOrd="0" destOrd="0" presId="urn:microsoft.com/office/officeart/2005/8/layout/hList1"/>
     <dgm:cxn modelId="{7FC8A771-437D-4CDA-B64D-D01BD83A2006}" srcId="{EAAFF32D-05C5-4EF9-90E9-9ED6CFFD25C8}" destId="{044479DB-4B7C-47EE-8EE5-F9F54A1C5869}" srcOrd="0" destOrd="0" parTransId="{61115476-3F31-409C-97BC-C6903AE94DE0}" sibTransId="{C812CDC0-112D-4875-A724-04C570ADDF01}"/>
     <dgm:cxn modelId="{F36CE452-D6BD-491E-96CC-111A6D985C68}" srcId="{1FA68BA4-2643-47B4-A3A7-22349DC3291F}" destId="{0049CA91-7360-43DC-913D-16503B6F9910}" srcOrd="1" destOrd="0" parTransId="{C7D84369-4018-4956-BBE7-051005309333}" sibTransId="{A9029310-90F4-424E-BF9F-77E93953F6D8}"/>
     <dgm:cxn modelId="{EC76B379-96ED-419D-9A9E-6D292701CE9B}" type="presOf" srcId="{0049CA91-7360-43DC-913D-16503B6F9910}" destId="{5749E2F5-D4D1-46CD-824A-0ECE96813D16}" srcOrd="0" destOrd="1" presId="urn:microsoft.com/office/officeart/2005/8/layout/hList1"/>
     <dgm:cxn modelId="{83BEF859-37B2-4DAC-940D-EA703096AD6B}" srcId="{30077B2E-DBC3-41C7-A324-C91CB84B82FB}" destId="{D08074E0-FAFF-4C38-9FFB-5BD0AC763FE8}" srcOrd="1" destOrd="0" parTransId="{761708CB-32EA-493A-A942-D80942F48B3E}" sibTransId="{B196195D-1DFA-46FC-97D3-B9FC0EA0954D}"/>
-    <dgm:cxn modelId="{B227F395-58CE-4D3C-B249-2AE29F1A0E7E}" type="presOf" srcId="{EFB50949-0EC0-4EE1-A785-35737C0C315F}" destId="{6E5BA073-AA4B-43A6-A315-96327D481D22}" srcOrd="0" destOrd="0" presId="urn:microsoft.com/office/officeart/2005/8/layout/hList1"/>
     <dgm:cxn modelId="{97A612A1-3758-46F7-9758-1495F18A4191}" type="presOf" srcId="{1FA68BA4-2643-47B4-A3A7-22349DC3291F}" destId="{9A0DF58F-0111-439C-B68D-9C1BD017566E}" srcOrd="0" destOrd="0" presId="urn:microsoft.com/office/officeart/2005/8/layout/hList1"/>
     <dgm:cxn modelId="{6AAA01B8-8B26-45A9-AC78-3D2A95DCC237}" type="presOf" srcId="{60600326-48A2-4454-9DEB-190C2681089D}" destId="{5ADB7A84-A506-45E0-8211-0E29D661FA54}" srcOrd="0" destOrd="0" presId="urn:microsoft.com/office/officeart/2005/8/layout/hList1"/>
     <dgm:cxn modelId="{206E03B8-842B-4AE3-90DC-240207CFED94}" type="presOf" srcId="{B1C4E4D1-110D-45A3-854C-0D6128424287}" destId="{27039E24-EA28-486B-BC4F-F23D19F433ED}" srcOrd="0" destOrd="0" presId="urn:microsoft.com/office/officeart/2005/8/layout/hList1"/>
-    <dgm:cxn modelId="{051F67C1-CF44-4F0A-BEB5-D70AB37A27D9}" srcId="{EAAFF32D-05C5-4EF9-90E9-9ED6CFFD25C8}" destId="{EFB50949-0EC0-4EE1-A785-35737C0C315F}" srcOrd="2" destOrd="0" parTransId="{DDD07513-FA2D-460B-BC98-19263130D483}" sibTransId="{D0EAADBA-1C73-49D1-9297-DF3875697693}"/>
-    <dgm:cxn modelId="{2D8898CB-D6B9-4819-9F50-F35FC4CF1348}" srcId="{EFB50949-0EC0-4EE1-A785-35737C0C315F}" destId="{CE4A9008-61DA-48A7-AF46-632E1127B78D}" srcOrd="0" destOrd="0" parTransId="{D7EEC283-469A-4747-9A93-6A8E0C4F06B1}" sibTransId="{FF0FAD43-C6BB-4628-925F-2E9F567AA757}"/>
     <dgm:cxn modelId="{48CA68CC-36DB-4470-B06D-1661BD800E77}" type="presOf" srcId="{044479DB-4B7C-47EE-8EE5-F9F54A1C5869}" destId="{EC86B825-05DA-45D1-B437-A574A10B1C01}" srcOrd="0" destOrd="0" presId="urn:microsoft.com/office/officeart/2005/8/layout/hList1"/>
     <dgm:cxn modelId="{A0BDD5D3-A335-4242-B8AE-07A1F48F96BF}" srcId="{B1C4E4D1-110D-45A3-854C-0D6128424287}" destId="{48B63B82-5C93-46A5-9D7E-EF541F498A4B}" srcOrd="1" destOrd="0" parTransId="{37CC6A90-E62C-4DC4-BBC5-11962A93AE76}" sibTransId="{DE3FC766-42E7-4EC3-8541-F68F9BDCE932}"/>
     <dgm:cxn modelId="{3860A5D8-53C8-4E3C-A93C-FE382F4561E5}" type="presOf" srcId="{59C35FD2-152A-47B9-B4F7-D4C734776EE9}" destId="{81C54D3A-94B4-4371-B78C-CD736A9CF4E5}" srcOrd="0" destOrd="0" presId="urn:microsoft.com/office/officeart/2005/8/layout/hList1"/>
-    <dgm:cxn modelId="{CF4AA8E7-BA09-4F4D-9E82-4351F3D8E186}" srcId="{EFB50949-0EC0-4EE1-A785-35737C0C315F}" destId="{8F6D5F90-33A4-4F29-85E4-C07420526414}" srcOrd="1" destOrd="0" parTransId="{A81C06A3-C8BB-4B7C-841B-028791910440}" sibTransId="{C387B516-5674-47ED-87D4-DE025EF062ED}"/>
-    <dgm:cxn modelId="{CE4C02E9-898C-4F53-B778-6CD872F69453}" type="presOf" srcId="{8F6D5F90-33A4-4F29-85E4-C07420526414}" destId="{92716C4F-391A-401E-858B-2AD518874890}" srcOrd="0" destOrd="1" presId="urn:microsoft.com/office/officeart/2005/8/layout/hList1"/>
     <dgm:cxn modelId="{A7EE0FFC-BA1F-4E84-9F2F-1FE558247168}" type="presOf" srcId="{3C3BF057-7B0F-4836-9F2F-18F074A41DF0}" destId="{5749E2F5-D4D1-46CD-824A-0ECE96813D16}" srcOrd="0" destOrd="0" presId="urn:microsoft.com/office/officeart/2005/8/layout/hList1"/>
     <dgm:cxn modelId="{9F069690-D935-411C-B0D0-C17ED11AF6B1}" type="presParOf" srcId="{FF87CDB2-7C8E-4B7B-9D6A-19618AEE2DFF}" destId="{2427B485-09FB-457E-8291-DAA738F31077}" srcOrd="0" destOrd="0" presId="urn:microsoft.com/office/officeart/2005/8/layout/hList1"/>
     <dgm:cxn modelId="{D13FAC9A-7546-402A-9687-070B261F76B8}" type="presParOf" srcId="{2427B485-09FB-457E-8291-DAA738F31077}" destId="{EC86B825-05DA-45D1-B437-A574A10B1C01}" srcOrd="0" destOrd="0" presId="urn:microsoft.com/office/officeart/2005/8/layout/hList1"/>
@@ -3414,15 +3288,11 @@
     <dgm:cxn modelId="{FD18FD21-A3CE-4BAE-A366-CCECF424FE4F}" type="presParOf" srcId="{F91102E6-F497-45AB-AB57-542B24604029}" destId="{B6B05C4F-8875-4F4F-BEC3-CBCCE4C6FFC2}" srcOrd="0" destOrd="0" presId="urn:microsoft.com/office/officeart/2005/8/layout/hList1"/>
     <dgm:cxn modelId="{90FE3781-1B14-4446-BCCF-6BE7D2883A7D}" type="presParOf" srcId="{F91102E6-F497-45AB-AB57-542B24604029}" destId="{33F9E207-4BD1-4347-8BBA-497955C61A52}" srcOrd="1" destOrd="0" presId="urn:microsoft.com/office/officeart/2005/8/layout/hList1"/>
     <dgm:cxn modelId="{245AE634-A5B5-495E-9438-F01D5D45491A}" type="presParOf" srcId="{FF87CDB2-7C8E-4B7B-9D6A-19618AEE2DFF}" destId="{A775EE6A-EFF4-48B1-92F1-6081D9578386}" srcOrd="3" destOrd="0" presId="urn:microsoft.com/office/officeart/2005/8/layout/hList1"/>
-    <dgm:cxn modelId="{9B01CB64-1700-4E5F-98B3-21363669CF3E}" type="presParOf" srcId="{FF87CDB2-7C8E-4B7B-9D6A-19618AEE2DFF}" destId="{1F68CA56-A6B1-4CF4-BFCD-9D29068B9304}" srcOrd="4" destOrd="0" presId="urn:microsoft.com/office/officeart/2005/8/layout/hList1"/>
-    <dgm:cxn modelId="{95694A8E-2E8E-4880-AE3D-45D01CF1C80F}" type="presParOf" srcId="{1F68CA56-A6B1-4CF4-BFCD-9D29068B9304}" destId="{6E5BA073-AA4B-43A6-A315-96327D481D22}" srcOrd="0" destOrd="0" presId="urn:microsoft.com/office/officeart/2005/8/layout/hList1"/>
-    <dgm:cxn modelId="{175C81C0-5A0A-4BB5-8F99-432E814C5FCC}" type="presParOf" srcId="{1F68CA56-A6B1-4CF4-BFCD-9D29068B9304}" destId="{92716C4F-391A-401E-858B-2AD518874890}" srcOrd="1" destOrd="0" presId="urn:microsoft.com/office/officeart/2005/8/layout/hList1"/>
-    <dgm:cxn modelId="{81CA367D-C966-4490-BFF9-400E14BF62D9}" type="presParOf" srcId="{FF87CDB2-7C8E-4B7B-9D6A-19618AEE2DFF}" destId="{287AA194-9265-40F0-A269-B4027F52C63C}" srcOrd="5" destOrd="0" presId="urn:microsoft.com/office/officeart/2005/8/layout/hList1"/>
-    <dgm:cxn modelId="{626BC024-EE1C-41EB-A8BE-4481102AE052}" type="presParOf" srcId="{FF87CDB2-7C8E-4B7B-9D6A-19618AEE2DFF}" destId="{E82BA8C1-910C-4E46-8133-8C12FBAB8388}" srcOrd="6" destOrd="0" presId="urn:microsoft.com/office/officeart/2005/8/layout/hList1"/>
+    <dgm:cxn modelId="{626BC024-EE1C-41EB-A8BE-4481102AE052}" type="presParOf" srcId="{FF87CDB2-7C8E-4B7B-9D6A-19618AEE2DFF}" destId="{E82BA8C1-910C-4E46-8133-8C12FBAB8388}" srcOrd="4" destOrd="0" presId="urn:microsoft.com/office/officeart/2005/8/layout/hList1"/>
     <dgm:cxn modelId="{2E260F4B-07A8-4AF6-8537-FC9BA56709BC}" type="presParOf" srcId="{E82BA8C1-910C-4E46-8133-8C12FBAB8388}" destId="{9A0DF58F-0111-439C-B68D-9C1BD017566E}" srcOrd="0" destOrd="0" presId="urn:microsoft.com/office/officeart/2005/8/layout/hList1"/>
     <dgm:cxn modelId="{2874C6F6-6C13-4CC4-B1EC-18AD185A38C6}" type="presParOf" srcId="{E82BA8C1-910C-4E46-8133-8C12FBAB8388}" destId="{5749E2F5-D4D1-46CD-824A-0ECE96813D16}" srcOrd="1" destOrd="0" presId="urn:microsoft.com/office/officeart/2005/8/layout/hList1"/>
-    <dgm:cxn modelId="{5F3387F1-5DE9-4E3E-90DE-0DBE99A7D0A2}" type="presParOf" srcId="{FF87CDB2-7C8E-4B7B-9D6A-19618AEE2DFF}" destId="{C70AACA6-8215-435F-85BC-94A63C4BBEE2}" srcOrd="7" destOrd="0" presId="urn:microsoft.com/office/officeart/2005/8/layout/hList1"/>
-    <dgm:cxn modelId="{E6805772-D834-4AEF-8AA2-4B40DF8D4DE0}" type="presParOf" srcId="{FF87CDB2-7C8E-4B7B-9D6A-19618AEE2DFF}" destId="{B42AE208-23AA-49F7-87EE-538F72BEBE4E}" srcOrd="8" destOrd="0" presId="urn:microsoft.com/office/officeart/2005/8/layout/hList1"/>
+    <dgm:cxn modelId="{5F3387F1-5DE9-4E3E-90DE-0DBE99A7D0A2}" type="presParOf" srcId="{FF87CDB2-7C8E-4B7B-9D6A-19618AEE2DFF}" destId="{C70AACA6-8215-435F-85BC-94A63C4BBEE2}" srcOrd="5" destOrd="0" presId="urn:microsoft.com/office/officeart/2005/8/layout/hList1"/>
+    <dgm:cxn modelId="{E6805772-D834-4AEF-8AA2-4B40DF8D4DE0}" type="presParOf" srcId="{FF87CDB2-7C8E-4B7B-9D6A-19618AEE2DFF}" destId="{B42AE208-23AA-49F7-87EE-538F72BEBE4E}" srcOrd="6" destOrd="0" presId="urn:microsoft.com/office/officeart/2005/8/layout/hList1"/>
     <dgm:cxn modelId="{E547CDDF-7DEC-4D72-A020-8B9B000FA985}" type="presParOf" srcId="{B42AE208-23AA-49F7-87EE-538F72BEBE4E}" destId="{27039E24-EA28-486B-BC4F-F23D19F433ED}" srcOrd="0" destOrd="0" presId="urn:microsoft.com/office/officeart/2005/8/layout/hList1"/>
     <dgm:cxn modelId="{354E94F1-9C60-4663-8A25-5E6987843CB8}" type="presParOf" srcId="{B42AE208-23AA-49F7-87EE-538F72BEBE4E}" destId="{5ADB7A84-A506-45E0-8211-0E29D661FA54}" srcOrd="1" destOrd="0" presId="urn:microsoft.com/office/officeart/2005/8/layout/hList1"/>
   </dgm:cxnLst>
@@ -3513,7 +3383,7 @@
           </a:pPr>
           <a:r>
             <a:rPr lang="en-US" sz="1500" kern="1200" dirty="0"/>
-            <a:t>Equipment Procurement Complete (Week 1):</a:t>
+            <a:t>Equipment Procurement Complete (7/1/2024):</a:t>
           </a:r>
         </a:p>
       </dsp:txBody>
@@ -3669,7 +3539,25 @@
           </a:pPr>
           <a:r>
             <a:rPr lang="en-US" sz="1500" kern="1200" dirty="0"/>
-            <a:t>Java Code Development Completed (Week 2):</a:t>
+            <a:t>Java Code Development Completed </a:t>
+          </a:r>
+        </a:p>
+        <a:p>
+          <a:pPr marL="0" lvl="0" indent="0" algn="ctr" defTabSz="666750">
+            <a:lnSpc>
+              <a:spcPct val="90000"/>
+            </a:lnSpc>
+            <a:spcBef>
+              <a:spcPct val="0"/>
+            </a:spcBef>
+            <a:spcAft>
+              <a:spcPct val="35000"/>
+            </a:spcAft>
+            <a:buNone/>
+          </a:pPr>
+          <a:r>
+            <a:rPr lang="en-US" sz="1500" kern="1200" dirty="0"/>
+            <a:t>(14/1/2024)</a:t>
           </a:r>
         </a:p>
       </dsp:txBody>
@@ -3825,7 +3713,7 @@
           </a:pPr>
           <a:r>
             <a:rPr lang="en-US" sz="1500" kern="1200" dirty="0"/>
-            <a:t>Data Collection Strategy Defined (Week 3):</a:t>
+            <a:t>Data Collection Strategy Defined (21/1/2023):</a:t>
           </a:r>
         </a:p>
       </dsp:txBody>
@@ -3981,7 +3869,25 @@
           </a:pPr>
           <a:r>
             <a:rPr lang="en-US" sz="1500" kern="1200" dirty="0"/>
-            <a:t>Digital Elements Integrated (Week 6):</a:t>
+            <a:t>Digital Elements Integrated </a:t>
+          </a:r>
+        </a:p>
+        <a:p>
+          <a:pPr marL="0" lvl="0" indent="0" algn="ctr" defTabSz="666750">
+            <a:lnSpc>
+              <a:spcPct val="90000"/>
+            </a:lnSpc>
+            <a:spcBef>
+              <a:spcPct val="0"/>
+            </a:spcBef>
+            <a:spcAft>
+              <a:spcPct val="35000"/>
+            </a:spcAft>
+            <a:buNone/>
+          </a:pPr>
+          <a:r>
+            <a:rPr lang="en-US" sz="1500" kern="1200" dirty="0"/>
+            <a:t>(11/2/2024):</a:t>
           </a:r>
         </a:p>
       </dsp:txBody>
@@ -4137,7 +4043,7 @@
           </a:pPr>
           <a:r>
             <a:rPr lang="en-US" sz="1500" kern="1200" dirty="0"/>
-            <a:t>Java Code Installed on Device (Week 7):</a:t>
+            <a:t>Java Code Installed on Device (Week 18/2/2024):</a:t>
           </a:r>
         </a:p>
       </dsp:txBody>
@@ -4293,7 +4199,25 @@
           </a:pPr>
           <a:r>
             <a:rPr lang="en-US" sz="1500" kern="1200" dirty="0"/>
-            <a:t>First Prototype Assembled and Tested (Week 11):</a:t>
+            <a:t>First Prototype Assembled and Tested </a:t>
+          </a:r>
+        </a:p>
+        <a:p>
+          <a:pPr marL="0" lvl="0" indent="0" algn="ctr" defTabSz="666750">
+            <a:lnSpc>
+              <a:spcPct val="90000"/>
+            </a:lnSpc>
+            <a:spcBef>
+              <a:spcPct val="0"/>
+            </a:spcBef>
+            <a:spcAft>
+              <a:spcPct val="35000"/>
+            </a:spcAft>
+            <a:buNone/>
+          </a:pPr>
+          <a:r>
+            <a:rPr lang="en-US" sz="1500" kern="1200" dirty="0"/>
+            <a:t>(18/3/2024):</a:t>
           </a:r>
         </a:p>
       </dsp:txBody>
@@ -4449,7 +4373,7 @@
           </a:pPr>
           <a:r>
             <a:rPr lang="en-US" sz="1500" kern="1200" dirty="0"/>
-            <a:t>Iterative Refinement Completed (Week 15):</a:t>
+            <a:t>Iterative Refinement Completed (17/4/2024):</a:t>
           </a:r>
         </a:p>
       </dsp:txBody>
@@ -4605,7 +4529,7 @@
           </a:pPr>
           <a:r>
             <a:rPr lang="en-US" sz="1500" kern="1200" dirty="0"/>
-            <a:t>Data Collection Implemented (Week 17):</a:t>
+            <a:t>Data Collection Implemented (31/4/2024):</a:t>
           </a:r>
         </a:p>
       </dsp:txBody>
@@ -4761,7 +4685,7 @@
           </a:pPr>
           <a:r>
             <a:rPr lang="en-US" sz="1500" kern="1200" dirty="0"/>
-            <a:t>Finalized Device Ready for Production (Week 20):</a:t>
+            <a:t>Finalized Device Ready for Production (21/5/2024):</a:t>
           </a:r>
         </a:p>
       </dsp:txBody>
@@ -4874,8 +4798,8 @@
       </dsp:nvSpPr>
       <dsp:spPr>
         <a:xfrm>
-          <a:off x="5116" y="107632"/>
-          <a:ext cx="1961445" cy="604800"/>
+          <a:off x="4104" y="171258"/>
+          <a:ext cx="2467796" cy="633600"/>
         </a:xfrm>
         <a:prstGeom prst="rect">
           <a:avLst/>
@@ -4917,12 +4841,12 @@
         </a:fontRef>
       </dsp:style>
       <dsp:txBody>
-        <a:bodyPr spcFirstLastPara="0" vert="horz" wrap="square" lIns="149352" tIns="85344" rIns="149352" bIns="85344" numCol="1" spcCol="1270" anchor="ctr" anchorCtr="0">
+        <a:bodyPr spcFirstLastPara="0" vert="horz" wrap="square" lIns="156464" tIns="89408" rIns="156464" bIns="89408" numCol="1" spcCol="1270" anchor="ctr" anchorCtr="0">
           <a:noAutofit/>
         </a:bodyPr>
         <a:lstStyle/>
         <a:p>
-          <a:pPr marL="0" lvl="0" indent="0" algn="ctr" defTabSz="933450">
+          <a:pPr marL="0" lvl="0" indent="0" algn="ctr" defTabSz="977900">
             <a:lnSpc>
               <a:spcPct val="90000"/>
             </a:lnSpc>
@@ -4935,15 +4859,15 @@
             <a:buNone/>
           </a:pPr>
           <a:r>
-            <a:rPr lang="en-US" sz="2100" b="1" kern="1200" dirty="0"/>
+            <a:rPr lang="en-US" sz="2200" b="1" kern="1200" dirty="0"/>
             <a:t>Driver Safety:</a:t>
           </a:r>
-          <a:endParaRPr lang="en-US" sz="2100" kern="1200" dirty="0"/>
+          <a:endParaRPr lang="en-US" sz="2200" kern="1200" dirty="0"/>
         </a:p>
       </dsp:txBody>
       <dsp:txXfrm>
-        <a:off x="5116" y="107632"/>
-        <a:ext cx="1961445" cy="604800"/>
+        <a:off x="4104" y="171258"/>
+        <a:ext cx="2467796" cy="633600"/>
       </dsp:txXfrm>
     </dsp:sp>
     <dsp:sp modelId="{81C54D3A-94B4-4371-B78C-CD736A9CF4E5}">
@@ -4953,8 +4877,8 @@
       </dsp:nvSpPr>
       <dsp:spPr>
         <a:xfrm>
-          <a:off x="5116" y="712432"/>
-          <a:ext cx="1961445" cy="2658875"/>
+          <a:off x="4104" y="804858"/>
+          <a:ext cx="2467796" cy="2502823"/>
         </a:xfrm>
         <a:prstGeom prst="rect">
           <a:avLst/>
@@ -4998,12 +4922,12 @@
         <a:fontRef idx="minor"/>
       </dsp:style>
       <dsp:txBody>
-        <a:bodyPr spcFirstLastPara="0" vert="horz" wrap="square" lIns="112014" tIns="112014" rIns="149352" bIns="168021" numCol="1" spcCol="1270" anchor="t" anchorCtr="0">
+        <a:bodyPr spcFirstLastPara="0" vert="horz" wrap="square" lIns="117348" tIns="117348" rIns="156464" bIns="176022" numCol="1" spcCol="1270" anchor="t" anchorCtr="0">
           <a:noAutofit/>
         </a:bodyPr>
         <a:lstStyle/>
         <a:p>
-          <a:pPr marL="228600" lvl="1" indent="-228600" algn="l" defTabSz="933450">
+          <a:pPr marL="228600" lvl="1" indent="-228600" algn="l" defTabSz="977900">
             <a:lnSpc>
               <a:spcPct val="90000"/>
             </a:lnSpc>
@@ -5016,16 +4940,16 @@
             <a:buChar char="•"/>
           </a:pPr>
           <a:r>
-            <a:rPr lang="en-US" sz="2100" b="1" kern="1200" dirty="0"/>
+            <a:rPr lang="en-US" sz="2200" b="1" kern="1200" dirty="0"/>
             <a:t>Priority:</a:t>
           </a:r>
           <a:r>
-            <a:rPr lang="en-US" sz="2100" kern="1200" dirty="0"/>
+            <a:rPr lang="en-US" sz="2200" kern="1200" dirty="0"/>
             <a:t> High</a:t>
           </a:r>
         </a:p>
         <a:p>
-          <a:pPr marL="228600" lvl="1" indent="-228600" algn="l" defTabSz="933450">
+          <a:pPr marL="228600" lvl="1" indent="-228600" algn="l" defTabSz="977900">
             <a:lnSpc>
               <a:spcPct val="90000"/>
             </a:lnSpc>
@@ -5038,18 +4962,18 @@
             <a:buChar char="•"/>
           </a:pPr>
           <a:r>
-            <a:rPr lang="en-US" sz="2100" b="1" kern="1200" dirty="0"/>
+            <a:rPr lang="en-US" sz="2200" b="1" kern="1200" dirty="0"/>
             <a:t>Explanation:</a:t>
           </a:r>
           <a:r>
-            <a:rPr lang="en-US" sz="2100" kern="1200" dirty="0"/>
+            <a:rPr lang="en-US" sz="2200" kern="1200" dirty="0"/>
             <a:t> The primary goal is to enhance driver safety by providing timely and accurate alerts for speed bumps.</a:t>
           </a:r>
         </a:p>
       </dsp:txBody>
       <dsp:txXfrm>
-        <a:off x="5116" y="712432"/>
-        <a:ext cx="1961445" cy="2658875"/>
+        <a:off x="4104" y="804858"/>
+        <a:ext cx="2467796" cy="2502823"/>
       </dsp:txXfrm>
     </dsp:sp>
     <dsp:sp modelId="{B6B05C4F-8875-4F4F-BEC3-CBCCE4C6FFC2}">
@@ -5059,26 +4983,26 @@
       </dsp:nvSpPr>
       <dsp:spPr>
         <a:xfrm>
-          <a:off x="2241164" y="107632"/>
-          <a:ext cx="1961445" cy="604800"/>
+          <a:off x="2817392" y="171258"/>
+          <a:ext cx="2467796" cy="633600"/>
         </a:xfrm>
         <a:prstGeom prst="rect">
           <a:avLst/>
         </a:prstGeom>
         <a:solidFill>
           <a:schemeClr val="accent2">
-            <a:hueOff val="-612388"/>
-            <a:satOff val="-2828"/>
-            <a:lumOff val="-589"/>
+            <a:hueOff val="-816517"/>
+            <a:satOff val="-3771"/>
+            <a:lumOff val="-785"/>
             <a:alphaOff val="0"/>
           </a:schemeClr>
         </a:solidFill>
         <a:ln w="12700" cap="flat" cmpd="sng" algn="ctr">
           <a:solidFill>
             <a:schemeClr val="accent2">
-              <a:hueOff val="-612388"/>
-              <a:satOff val="-2828"/>
-              <a:lumOff val="-589"/>
+              <a:hueOff val="-816517"/>
+              <a:satOff val="-3771"/>
+              <a:lumOff val="-785"/>
               <a:alphaOff val="0"/>
             </a:schemeClr>
           </a:solidFill>
@@ -5102,12 +5026,12 @@
         </a:fontRef>
       </dsp:style>
       <dsp:txBody>
-        <a:bodyPr spcFirstLastPara="0" vert="horz" wrap="square" lIns="149352" tIns="85344" rIns="149352" bIns="85344" numCol="1" spcCol="1270" anchor="ctr" anchorCtr="0">
+        <a:bodyPr spcFirstLastPara="0" vert="horz" wrap="square" lIns="156464" tIns="89408" rIns="156464" bIns="89408" numCol="1" spcCol="1270" anchor="ctr" anchorCtr="0">
           <a:noAutofit/>
         </a:bodyPr>
         <a:lstStyle/>
         <a:p>
-          <a:pPr marL="0" lvl="0" indent="0" algn="ctr" defTabSz="933450">
+          <a:pPr marL="0" lvl="0" indent="0" algn="ctr" defTabSz="977900">
             <a:lnSpc>
               <a:spcPct val="90000"/>
             </a:lnSpc>
@@ -5120,15 +5044,15 @@
             <a:buNone/>
           </a:pPr>
           <a:r>
-            <a:rPr lang="en-US" sz="2100" b="1" kern="1200" dirty="0"/>
+            <a:rPr lang="en-US" sz="2200" b="1" kern="1200" dirty="0"/>
             <a:t>Clear Display in Sunlight:</a:t>
           </a:r>
-          <a:endParaRPr lang="en-US" sz="2100" kern="1200" dirty="0"/>
+          <a:endParaRPr lang="en-US" sz="2200" kern="1200" dirty="0"/>
         </a:p>
       </dsp:txBody>
       <dsp:txXfrm>
-        <a:off x="2241164" y="107632"/>
-        <a:ext cx="1961445" cy="604800"/>
+        <a:off x="2817392" y="171258"/>
+        <a:ext cx="2467796" cy="633600"/>
       </dsp:txXfrm>
     </dsp:sp>
     <dsp:sp modelId="{33F9E207-4BD1-4347-8BBA-497955C61A52}">
@@ -5138,8 +5062,8 @@
       </dsp:nvSpPr>
       <dsp:spPr>
         <a:xfrm>
-          <a:off x="2241164" y="712432"/>
-          <a:ext cx="1961445" cy="2658875"/>
+          <a:off x="2817392" y="804858"/>
+          <a:ext cx="2467796" cy="2502823"/>
         </a:xfrm>
         <a:prstGeom prst="rect">
           <a:avLst/>
@@ -5148,9 +5072,9 @@
           <a:schemeClr val="accent2">
             <a:tint val="40000"/>
             <a:alpha val="90000"/>
-            <a:hueOff val="-836314"/>
-            <a:satOff val="-2083"/>
-            <a:lumOff val="-260"/>
+            <a:hueOff val="-1115085"/>
+            <a:satOff val="-2777"/>
+            <a:lumOff val="-346"/>
             <a:alphaOff val="0"/>
           </a:schemeClr>
         </a:solidFill>
@@ -5159,9 +5083,9 @@
             <a:schemeClr val="accent2">
               <a:tint val="40000"/>
               <a:alpha val="90000"/>
-              <a:hueOff val="-836314"/>
-              <a:satOff val="-2083"/>
-              <a:lumOff val="-260"/>
+              <a:hueOff val="-1115085"/>
+              <a:satOff val="-2777"/>
+              <a:lumOff val="-346"/>
               <a:alphaOff val="0"/>
             </a:schemeClr>
           </a:solidFill>
@@ -5183,12 +5107,12 @@
         <a:fontRef idx="minor"/>
       </dsp:style>
       <dsp:txBody>
-        <a:bodyPr spcFirstLastPara="0" vert="horz" wrap="square" lIns="112014" tIns="112014" rIns="149352" bIns="168021" numCol="1" spcCol="1270" anchor="t" anchorCtr="0">
+        <a:bodyPr spcFirstLastPara="0" vert="horz" wrap="square" lIns="117348" tIns="117348" rIns="156464" bIns="176022" numCol="1" spcCol="1270" anchor="t" anchorCtr="0">
           <a:noAutofit/>
         </a:bodyPr>
         <a:lstStyle/>
         <a:p>
-          <a:pPr marL="228600" lvl="1" indent="-228600" algn="l" defTabSz="933450">
+          <a:pPr marL="228600" lvl="1" indent="-228600" algn="l" defTabSz="977900">
             <a:lnSpc>
               <a:spcPct val="90000"/>
             </a:lnSpc>
@@ -5201,16 +5125,16 @@
             <a:buChar char="•"/>
           </a:pPr>
           <a:r>
-            <a:rPr lang="en-US" sz="2100" b="1" kern="1200" dirty="0"/>
+            <a:rPr lang="en-US" sz="2200" b="1" kern="1200" dirty="0"/>
             <a:t>Priority:</a:t>
           </a:r>
           <a:r>
-            <a:rPr lang="en-US" sz="2100" kern="1200" dirty="0"/>
+            <a:rPr lang="en-US" sz="2200" kern="1200" dirty="0"/>
             <a:t> High</a:t>
           </a:r>
         </a:p>
         <a:p>
-          <a:pPr marL="228600" lvl="1" indent="-228600" algn="l" defTabSz="933450">
+          <a:pPr marL="228600" lvl="1" indent="-228600" algn="l" defTabSz="977900">
             <a:lnSpc>
               <a:spcPct val="90000"/>
             </a:lnSpc>
@@ -5223,47 +5147,52 @@
             <a:buChar char="•"/>
           </a:pPr>
           <a:r>
-            <a:rPr lang="en-US" sz="2100" b="1" kern="1200" dirty="0"/>
+            <a:rPr lang="en-US" sz="2200" b="1" kern="1200" dirty="0"/>
             <a:t>Explanation:</a:t>
           </a:r>
           <a:r>
-            <a:rPr lang="en-US" sz="2100" kern="1200" dirty="0"/>
-            <a:t> Ensuring the display's visibility in bright sunlight is crucial for effective communication with the driver.</a:t>
+            <a:rPr lang="en-US" sz="2200" kern="1200" dirty="0"/>
+            <a:t> Ensuring the display's visibility in bright sunlight is crucial for effective communication with the </a:t>
           </a:r>
+          <a:r>
+            <a:rPr lang="en-US" sz="2200" kern="1200"/>
+            <a:t>driver..</a:t>
+          </a:r>
+          <a:endParaRPr lang="en-US" sz="2200" kern="1200" dirty="0"/>
         </a:p>
       </dsp:txBody>
       <dsp:txXfrm>
-        <a:off x="2241164" y="712432"/>
-        <a:ext cx="1961445" cy="2658875"/>
+        <a:off x="2817392" y="804858"/>
+        <a:ext cx="2467796" cy="2502823"/>
       </dsp:txXfrm>
     </dsp:sp>
-    <dsp:sp modelId="{6E5BA073-AA4B-43A6-A315-96327D481D22}">
+    <dsp:sp modelId="{9A0DF58F-0111-439C-B68D-9C1BD017566E}">
       <dsp:nvSpPr>
         <dsp:cNvPr id="0" name=""/>
         <dsp:cNvSpPr/>
       </dsp:nvSpPr>
       <dsp:spPr>
         <a:xfrm>
-          <a:off x="4477211" y="107632"/>
-          <a:ext cx="1961445" cy="604800"/>
+          <a:off x="5630680" y="171258"/>
+          <a:ext cx="2467796" cy="633600"/>
         </a:xfrm>
         <a:prstGeom prst="rect">
           <a:avLst/>
         </a:prstGeom>
         <a:solidFill>
           <a:schemeClr val="accent2">
-            <a:hueOff val="-1224775"/>
-            <a:satOff val="-5657"/>
-            <a:lumOff val="-1177"/>
+            <a:hueOff val="-1633033"/>
+            <a:satOff val="-7543"/>
+            <a:lumOff val="-1569"/>
             <a:alphaOff val="0"/>
           </a:schemeClr>
         </a:solidFill>
         <a:ln w="12700" cap="flat" cmpd="sng" algn="ctr">
           <a:solidFill>
             <a:schemeClr val="accent2">
-              <a:hueOff val="-1224775"/>
-              <a:satOff val="-5657"/>
-              <a:lumOff val="-1177"/>
+              <a:hueOff val="-1633033"/>
+              <a:satOff val="-7543"/>
+              <a:lumOff val="-1569"/>
               <a:alphaOff val="0"/>
             </a:schemeClr>
           </a:solidFill>
@@ -5287,12 +5216,12 @@
         </a:fontRef>
       </dsp:style>
       <dsp:txBody>
-        <a:bodyPr spcFirstLastPara="0" vert="horz" wrap="square" lIns="149352" tIns="85344" rIns="149352" bIns="85344" numCol="1" spcCol="1270" anchor="ctr" anchorCtr="0">
+        <a:bodyPr spcFirstLastPara="0" vert="horz" wrap="square" lIns="156464" tIns="89408" rIns="156464" bIns="89408" numCol="1" spcCol="1270" anchor="ctr" anchorCtr="0">
           <a:noAutofit/>
         </a:bodyPr>
         <a:lstStyle/>
         <a:p>
-          <a:pPr marL="0" lvl="0" indent="0" algn="ctr" defTabSz="933450">
+          <a:pPr marL="0" lvl="0" indent="0" algn="ctr" defTabSz="977900">
             <a:lnSpc>
               <a:spcPct val="90000"/>
             </a:lnSpc>
@@ -5305,26 +5234,26 @@
             <a:buNone/>
           </a:pPr>
           <a:r>
-            <a:rPr lang="en-US" sz="2100" b="1" kern="1200" dirty="0"/>
-            <a:t>Real-Time Data:</a:t>
+            <a:rPr lang="en-US" sz="2200" b="1" kern="1200" dirty="0"/>
+            <a:t>Real-Time Response:</a:t>
           </a:r>
-          <a:endParaRPr lang="en-US" sz="2100" kern="1200" dirty="0"/>
+          <a:endParaRPr lang="en-US" sz="2200" kern="1200" dirty="0"/>
         </a:p>
       </dsp:txBody>
       <dsp:txXfrm>
-        <a:off x="4477211" y="107632"/>
-        <a:ext cx="1961445" cy="604800"/>
+        <a:off x="5630680" y="171258"/>
+        <a:ext cx="2467796" cy="633600"/>
       </dsp:txXfrm>
     </dsp:sp>
-    <dsp:sp modelId="{92716C4F-391A-401E-858B-2AD518874890}">
+    <dsp:sp modelId="{5749E2F5-D4D1-46CD-824A-0ECE96813D16}">
       <dsp:nvSpPr>
         <dsp:cNvPr id="0" name=""/>
         <dsp:cNvSpPr/>
       </dsp:nvSpPr>
       <dsp:spPr>
         <a:xfrm>
-          <a:off x="4477211" y="712432"/>
-          <a:ext cx="1961445" cy="2658875"/>
+          <a:off x="5630680" y="804858"/>
+          <a:ext cx="2467796" cy="2502823"/>
         </a:xfrm>
         <a:prstGeom prst="rect">
           <a:avLst/>
@@ -5333,9 +5262,9 @@
           <a:schemeClr val="accent2">
             <a:tint val="40000"/>
             <a:alpha val="90000"/>
-            <a:hueOff val="-1672628"/>
-            <a:satOff val="-4166"/>
-            <a:lumOff val="-519"/>
+            <a:hueOff val="-2230170"/>
+            <a:satOff val="-5555"/>
+            <a:lumOff val="-692"/>
             <a:alphaOff val="0"/>
           </a:schemeClr>
         </a:solidFill>
@@ -5344,9 +5273,9 @@
             <a:schemeClr val="accent2">
               <a:tint val="40000"/>
               <a:alpha val="90000"/>
-              <a:hueOff val="-1672628"/>
-              <a:satOff val="-4166"/>
-              <a:lumOff val="-519"/>
+              <a:hueOff val="-2230170"/>
+              <a:satOff val="-5555"/>
+              <a:lumOff val="-692"/>
               <a:alphaOff val="0"/>
             </a:schemeClr>
           </a:solidFill>
@@ -5368,12 +5297,12 @@
         <a:fontRef idx="minor"/>
       </dsp:style>
       <dsp:txBody>
-        <a:bodyPr spcFirstLastPara="0" vert="horz" wrap="square" lIns="112014" tIns="112014" rIns="149352" bIns="168021" numCol="1" spcCol="1270" anchor="t" anchorCtr="0">
+        <a:bodyPr spcFirstLastPara="0" vert="horz" wrap="square" lIns="117348" tIns="117348" rIns="156464" bIns="176022" numCol="1" spcCol="1270" anchor="t" anchorCtr="0">
           <a:noAutofit/>
         </a:bodyPr>
         <a:lstStyle/>
         <a:p>
-          <a:pPr marL="228600" lvl="1" indent="-228600" algn="l" defTabSz="933450">
+          <a:pPr marL="228600" lvl="1" indent="-228600" algn="l" defTabSz="977900">
             <a:lnSpc>
               <a:spcPct val="90000"/>
             </a:lnSpc>
@@ -5386,16 +5315,16 @@
             <a:buChar char="•"/>
           </a:pPr>
           <a:r>
-            <a:rPr lang="en-US" sz="2100" b="1" kern="1200" dirty="0"/>
+            <a:rPr lang="en-US" sz="2200" b="1" kern="1200" dirty="0"/>
             <a:t>Priority:</a:t>
           </a:r>
           <a:r>
-            <a:rPr lang="en-US" sz="2100" kern="1200" dirty="0"/>
+            <a:rPr lang="en-US" sz="2200" kern="1200" dirty="0"/>
             <a:t> High</a:t>
           </a:r>
         </a:p>
         <a:p>
-          <a:pPr marL="228600" lvl="1" indent="-228600" algn="l" defTabSz="933450">
+          <a:pPr marL="228600" lvl="1" indent="-228600" algn="l" defTabSz="977900">
             <a:lnSpc>
               <a:spcPct val="90000"/>
             </a:lnSpc>
@@ -5408,203 +5337,18 @@
             <a:buChar char="•"/>
           </a:pPr>
           <a:r>
-            <a:rPr lang="en-US" sz="2100" b="1" kern="1200" dirty="0"/>
+            <a:rPr lang="en-US" sz="2200" b="1" kern="1200" dirty="0"/>
             <a:t>Explanation:</a:t>
           </a:r>
           <a:r>
-            <a:rPr lang="en-US" sz="2100" kern="1200" dirty="0"/>
-            <a:t> The capability to collect and respond to real-time data is a key priority for the system's accuracy and relevance.</a:t>
-          </a:r>
-        </a:p>
-      </dsp:txBody>
-      <dsp:txXfrm>
-        <a:off x="4477211" y="712432"/>
-        <a:ext cx="1961445" cy="2658875"/>
-      </dsp:txXfrm>
-    </dsp:sp>
-    <dsp:sp modelId="{9A0DF58F-0111-439C-B68D-9C1BD017566E}">
-      <dsp:nvSpPr>
-        <dsp:cNvPr id="0" name=""/>
-        <dsp:cNvSpPr/>
-      </dsp:nvSpPr>
-      <dsp:spPr>
-        <a:xfrm>
-          <a:off x="6713259" y="107632"/>
-          <a:ext cx="1961445" cy="604800"/>
-        </a:xfrm>
-        <a:prstGeom prst="rect">
-          <a:avLst/>
-        </a:prstGeom>
-        <a:solidFill>
-          <a:schemeClr val="accent2">
-            <a:hueOff val="-1837163"/>
-            <a:satOff val="-8485"/>
-            <a:lumOff val="-1766"/>
-            <a:alphaOff val="0"/>
-          </a:schemeClr>
-        </a:solidFill>
-        <a:ln w="12700" cap="flat" cmpd="sng" algn="ctr">
-          <a:solidFill>
-            <a:schemeClr val="accent2">
-              <a:hueOff val="-1837163"/>
-              <a:satOff val="-8485"/>
-              <a:lumOff val="-1766"/>
-              <a:alphaOff val="0"/>
-            </a:schemeClr>
-          </a:solidFill>
-          <a:prstDash val="solid"/>
-          <a:miter lim="800000"/>
-        </a:ln>
-        <a:effectLst/>
-      </dsp:spPr>
-      <dsp:style>
-        <a:lnRef idx="2">
-          <a:scrgbClr r="0" g="0" b="0"/>
-        </a:lnRef>
-        <a:fillRef idx="1">
-          <a:scrgbClr r="0" g="0" b="0"/>
-        </a:fillRef>
-        <a:effectRef idx="0">
-          <a:scrgbClr r="0" g="0" b="0"/>
-        </a:effectRef>
-        <a:fontRef idx="minor">
-          <a:schemeClr val="lt1"/>
-        </a:fontRef>
-      </dsp:style>
-      <dsp:txBody>
-        <a:bodyPr spcFirstLastPara="0" vert="horz" wrap="square" lIns="149352" tIns="85344" rIns="149352" bIns="85344" numCol="1" spcCol="1270" anchor="ctr" anchorCtr="0">
-          <a:noAutofit/>
-        </a:bodyPr>
-        <a:lstStyle/>
-        <a:p>
-          <a:pPr marL="0" lvl="0" indent="0" algn="ctr" defTabSz="933450">
-            <a:lnSpc>
-              <a:spcPct val="90000"/>
-            </a:lnSpc>
-            <a:spcBef>
-              <a:spcPct val="0"/>
-            </a:spcBef>
-            <a:spcAft>
-              <a:spcPct val="35000"/>
-            </a:spcAft>
-            <a:buNone/>
-          </a:pPr>
-          <a:r>
-            <a:rPr lang="en-US" sz="2100" b="1" kern="1200" dirty="0"/>
-            <a:t>Real-Time Response:</a:t>
-          </a:r>
-          <a:endParaRPr lang="en-US" sz="2100" kern="1200" dirty="0"/>
-        </a:p>
-      </dsp:txBody>
-      <dsp:txXfrm>
-        <a:off x="6713259" y="107632"/>
-        <a:ext cx="1961445" cy="604800"/>
-      </dsp:txXfrm>
-    </dsp:sp>
-    <dsp:sp modelId="{5749E2F5-D4D1-46CD-824A-0ECE96813D16}">
-      <dsp:nvSpPr>
-        <dsp:cNvPr id="0" name=""/>
-        <dsp:cNvSpPr/>
-      </dsp:nvSpPr>
-      <dsp:spPr>
-        <a:xfrm>
-          <a:off x="6713259" y="712432"/>
-          <a:ext cx="1961445" cy="2658875"/>
-        </a:xfrm>
-        <a:prstGeom prst="rect">
-          <a:avLst/>
-        </a:prstGeom>
-        <a:solidFill>
-          <a:schemeClr val="accent2">
-            <a:tint val="40000"/>
-            <a:alpha val="90000"/>
-            <a:hueOff val="-2508942"/>
-            <a:satOff val="-6249"/>
-            <a:lumOff val="-779"/>
-            <a:alphaOff val="0"/>
-          </a:schemeClr>
-        </a:solidFill>
-        <a:ln w="12700" cap="flat" cmpd="sng" algn="ctr">
-          <a:solidFill>
-            <a:schemeClr val="accent2">
-              <a:tint val="40000"/>
-              <a:alpha val="90000"/>
-              <a:hueOff val="-2508942"/>
-              <a:satOff val="-6249"/>
-              <a:lumOff val="-779"/>
-              <a:alphaOff val="0"/>
-            </a:schemeClr>
-          </a:solidFill>
-          <a:prstDash val="solid"/>
-          <a:miter lim="800000"/>
-        </a:ln>
-        <a:effectLst/>
-      </dsp:spPr>
-      <dsp:style>
-        <a:lnRef idx="2">
-          <a:scrgbClr r="0" g="0" b="0"/>
-        </a:lnRef>
-        <a:fillRef idx="1">
-          <a:scrgbClr r="0" g="0" b="0"/>
-        </a:fillRef>
-        <a:effectRef idx="0">
-          <a:scrgbClr r="0" g="0" b="0"/>
-        </a:effectRef>
-        <a:fontRef idx="minor"/>
-      </dsp:style>
-      <dsp:txBody>
-        <a:bodyPr spcFirstLastPara="0" vert="horz" wrap="square" lIns="112014" tIns="112014" rIns="149352" bIns="168021" numCol="1" spcCol="1270" anchor="t" anchorCtr="0">
-          <a:noAutofit/>
-        </a:bodyPr>
-        <a:lstStyle/>
-        <a:p>
-          <a:pPr marL="228600" lvl="1" indent="-228600" algn="l" defTabSz="933450">
-            <a:lnSpc>
-              <a:spcPct val="90000"/>
-            </a:lnSpc>
-            <a:spcBef>
-              <a:spcPct val="0"/>
-            </a:spcBef>
-            <a:spcAft>
-              <a:spcPct val="15000"/>
-            </a:spcAft>
-            <a:buChar char="•"/>
-          </a:pPr>
-          <a:r>
-            <a:rPr lang="en-US" sz="2100" b="1" kern="1200" dirty="0"/>
-            <a:t>Priority:</a:t>
-          </a:r>
-          <a:r>
-            <a:rPr lang="en-US" sz="2100" kern="1200" dirty="0"/>
-            <a:t> High</a:t>
-          </a:r>
-        </a:p>
-        <a:p>
-          <a:pPr marL="228600" lvl="1" indent="-228600" algn="l" defTabSz="933450">
-            <a:lnSpc>
-              <a:spcPct val="90000"/>
-            </a:lnSpc>
-            <a:spcBef>
-              <a:spcPct val="0"/>
-            </a:spcBef>
-            <a:spcAft>
-              <a:spcPct val="15000"/>
-            </a:spcAft>
-            <a:buChar char="•"/>
-          </a:pPr>
-          <a:r>
-            <a:rPr lang="en-US" sz="2100" b="1" kern="1200" dirty="0"/>
-            <a:t>Explanation:</a:t>
-          </a:r>
-          <a:r>
-            <a:rPr lang="en-US" sz="2100" kern="1200" dirty="0"/>
+            <a:rPr lang="en-US" sz="2200" kern="1200" dirty="0"/>
             <a:t> Achieving a real-time response to speed bump detection is essential for immediate driver awareness and safety.</a:t>
           </a:r>
         </a:p>
       </dsp:txBody>
       <dsp:txXfrm>
-        <a:off x="6713259" y="712432"/>
-        <a:ext cx="1961445" cy="2658875"/>
+        <a:off x="5630680" y="804858"/>
+        <a:ext cx="2467796" cy="2502823"/>
       </dsp:txXfrm>
     </dsp:sp>
     <dsp:sp modelId="{27039E24-EA28-486B-BC4F-F23D19F433ED}">
@@ -5614,8 +5358,8 @@
       </dsp:nvSpPr>
       <dsp:spPr>
         <a:xfrm>
-          <a:off x="8949306" y="107632"/>
-          <a:ext cx="1961445" cy="604800"/>
+          <a:off x="8443968" y="171258"/>
+          <a:ext cx="2467796" cy="633600"/>
         </a:xfrm>
         <a:prstGeom prst="rect">
           <a:avLst/>
@@ -5657,12 +5401,12 @@
         </a:fontRef>
       </dsp:style>
       <dsp:txBody>
-        <a:bodyPr spcFirstLastPara="0" vert="horz" wrap="square" lIns="149352" tIns="85344" rIns="149352" bIns="85344" numCol="1" spcCol="1270" anchor="ctr" anchorCtr="0">
+        <a:bodyPr spcFirstLastPara="0" vert="horz" wrap="square" lIns="156464" tIns="89408" rIns="156464" bIns="89408" numCol="1" spcCol="1270" anchor="ctr" anchorCtr="0">
           <a:noAutofit/>
         </a:bodyPr>
         <a:lstStyle/>
         <a:p>
-          <a:pPr marL="0" lvl="0" indent="0" algn="ctr" defTabSz="933450">
+          <a:pPr marL="0" lvl="0" indent="0" algn="ctr" defTabSz="977900">
             <a:lnSpc>
               <a:spcPct val="90000"/>
             </a:lnSpc>
@@ -5675,15 +5419,15 @@
             <a:buNone/>
           </a:pPr>
           <a:r>
-            <a:rPr lang="en-US" sz="2100" b="1" kern="1200" dirty="0"/>
+            <a:rPr lang="en-US" sz="2200" b="1" kern="1200" dirty="0"/>
             <a:t>Adaptability:</a:t>
           </a:r>
-          <a:endParaRPr lang="en-US" sz="2100" kern="1200" dirty="0"/>
+          <a:endParaRPr lang="en-US" sz="2200" kern="1200" dirty="0"/>
         </a:p>
       </dsp:txBody>
       <dsp:txXfrm>
-        <a:off x="8949306" y="107632"/>
-        <a:ext cx="1961445" cy="604800"/>
+        <a:off x="8443968" y="171258"/>
+        <a:ext cx="2467796" cy="633600"/>
       </dsp:txXfrm>
     </dsp:sp>
     <dsp:sp modelId="{5ADB7A84-A506-45E0-8211-0E29D661FA54}">
@@ -5693,8 +5437,8 @@
       </dsp:nvSpPr>
       <dsp:spPr>
         <a:xfrm>
-          <a:off x="8949306" y="712432"/>
-          <a:ext cx="1961445" cy="2658875"/>
+          <a:off x="8443968" y="804858"/>
+          <a:ext cx="2467796" cy="2502823"/>
         </a:xfrm>
         <a:prstGeom prst="rect">
           <a:avLst/>
@@ -5738,12 +5482,12 @@
         <a:fontRef idx="minor"/>
       </dsp:style>
       <dsp:txBody>
-        <a:bodyPr spcFirstLastPara="0" vert="horz" wrap="square" lIns="112014" tIns="112014" rIns="149352" bIns="168021" numCol="1" spcCol="1270" anchor="t" anchorCtr="0">
+        <a:bodyPr spcFirstLastPara="0" vert="horz" wrap="square" lIns="117348" tIns="117348" rIns="156464" bIns="176022" numCol="1" spcCol="1270" anchor="t" anchorCtr="0">
           <a:noAutofit/>
         </a:bodyPr>
         <a:lstStyle/>
         <a:p>
-          <a:pPr marL="228600" lvl="1" indent="-228600" algn="l" defTabSz="933450">
+          <a:pPr marL="228600" lvl="1" indent="-228600" algn="l" defTabSz="977900">
             <a:lnSpc>
               <a:spcPct val="90000"/>
             </a:lnSpc>
@@ -5756,16 +5500,16 @@
             <a:buChar char="•"/>
           </a:pPr>
           <a:r>
-            <a:rPr lang="en-US" sz="2100" b="1" kern="1200" dirty="0"/>
+            <a:rPr lang="en-US" sz="2200" b="1" kern="1200" dirty="0"/>
             <a:t>Priority:</a:t>
           </a:r>
           <a:r>
-            <a:rPr lang="en-US" sz="2100" kern="1200" dirty="0"/>
+            <a:rPr lang="en-US" sz="2200" kern="1200" dirty="0"/>
             <a:t> Moderate</a:t>
           </a:r>
         </a:p>
         <a:p>
-          <a:pPr marL="228600" lvl="1" indent="-228600" algn="l" defTabSz="933450">
+          <a:pPr marL="228600" lvl="1" indent="-228600" algn="l" defTabSz="977900">
             <a:lnSpc>
               <a:spcPct val="90000"/>
             </a:lnSpc>
@@ -5778,18 +5522,18 @@
             <a:buChar char="•"/>
           </a:pPr>
           <a:r>
-            <a:rPr lang="en-US" sz="2100" b="1" kern="1200" dirty="0"/>
+            <a:rPr lang="en-US" sz="2200" b="1" kern="1200" dirty="0"/>
             <a:t>Explanation:</a:t>
           </a:r>
           <a:r>
-            <a:rPr lang="en-US" sz="2100" kern="1200" dirty="0"/>
+            <a:rPr lang="en-US" sz="2200" kern="1200" dirty="0"/>
             <a:t> While important, adaptability to various car models is a secondary priority compared to the core objectives of safety and real-time functionality.</a:t>
           </a:r>
         </a:p>
       </dsp:txBody>
       <dsp:txXfrm>
-        <a:off x="8949306" y="712432"/>
-        <a:ext cx="1961445" cy="2658875"/>
+        <a:off x="8443968" y="804858"/>
+        <a:ext cx="2467796" cy="2502823"/>
       </dsp:txXfrm>
     </dsp:sp>
   </dsp:spTree>
@@ -8716,7 +8460,7 @@
           <a:p>
             <a:fld id="{72345051-2045-45DA-935E-2E3CA1A69ADC}" type="datetimeFigureOut">
               <a:rPr lang="en-US" smtClean="0"/>
-              <a:t>12/10/2023</a:t>
+              <a:t>12/12/2023</a:t>
             </a:fld>
             <a:endParaRPr lang="en-US" dirty="0"/>
           </a:p>
@@ -8914,7 +8658,7 @@
           <a:p>
             <a:fld id="{72345051-2045-45DA-935E-2E3CA1A69ADC}" type="datetimeFigureOut">
               <a:rPr lang="en-US" smtClean="0"/>
-              <a:t>12/10/2023</a:t>
+              <a:t>12/12/2023</a:t>
             </a:fld>
             <a:endParaRPr lang="en-US"/>
           </a:p>
@@ -9122,7 +8866,7 @@
           <a:p>
             <a:fld id="{72345051-2045-45DA-935E-2E3CA1A69ADC}" type="datetimeFigureOut">
               <a:rPr lang="en-US" smtClean="0"/>
-              <a:t>12/10/2023</a:t>
+              <a:t>12/12/2023</a:t>
             </a:fld>
             <a:endParaRPr lang="en-US"/>
           </a:p>
@@ -9344,7 +9088,7 @@
           <a:p>
             <a:fld id="{72345051-2045-45DA-935E-2E3CA1A69ADC}" type="datetimeFigureOut">
               <a:rPr lang="en-US" smtClean="0"/>
-              <a:t>12/10/2023</a:t>
+              <a:t>12/12/2023</a:t>
             </a:fld>
             <a:endParaRPr lang="en-US"/>
           </a:p>
@@ -10255,7 +9999,7 @@
           <a:p>
             <a:fld id="{72345051-2045-45DA-935E-2E3CA1A69ADC}" type="datetimeFigureOut">
               <a:rPr lang="en-US" smtClean="0"/>
-              <a:t>12/10/2023</a:t>
+              <a:t>12/12/2023</a:t>
             </a:fld>
             <a:endParaRPr lang="en-US"/>
           </a:p>
@@ -10858,7 +10602,7 @@
           <a:p>
             <a:fld id="{72345051-2045-45DA-935E-2E3CA1A69ADC}" type="datetimeFigureOut">
               <a:rPr lang="en-US" smtClean="0"/>
-              <a:t>12/10/2023</a:t>
+              <a:t>12/12/2023</a:t>
             </a:fld>
             <a:endParaRPr lang="en-US"/>
           </a:p>
@@ -11906,7 +11650,7 @@
           <a:p>
             <a:fld id="{72345051-2045-45DA-935E-2E3CA1A69ADC}" type="datetimeFigureOut">
               <a:rPr lang="en-US" smtClean="0"/>
-              <a:t>12/10/2023</a:t>
+              <a:t>12/12/2023</a:t>
             </a:fld>
             <a:endParaRPr lang="en-US"/>
           </a:p>
@@ -12690,7 +12434,7 @@
           <a:p>
             <a:fld id="{72345051-2045-45DA-935E-2E3CA1A69ADC}" type="datetimeFigureOut">
               <a:rPr lang="en-US" smtClean="0"/>
-              <a:t>12/10/2023</a:t>
+              <a:t>12/12/2023</a:t>
             </a:fld>
             <a:endParaRPr lang="en-US"/>
           </a:p>
@@ -13139,7 +12883,7 @@
           <a:p>
             <a:fld id="{72345051-2045-45DA-935E-2E3CA1A69ADC}" type="datetimeFigureOut">
               <a:rPr lang="en-US" smtClean="0"/>
-              <a:t>12/10/2023</a:t>
+              <a:t>12/12/2023</a:t>
             </a:fld>
             <a:endParaRPr lang="en-US"/>
           </a:p>
@@ -13456,7 +13200,7 @@
           <a:p>
             <a:fld id="{72345051-2045-45DA-935E-2E3CA1A69ADC}" type="datetimeFigureOut">
               <a:rPr lang="en-US" smtClean="0"/>
-              <a:t>12/10/2023</a:t>
+              <a:t>12/12/2023</a:t>
             </a:fld>
             <a:endParaRPr lang="en-US"/>
           </a:p>
@@ -14084,7 +13828,7 @@
           <a:p>
             <a:fld id="{72345051-2045-45DA-935E-2E3CA1A69ADC}" type="datetimeFigureOut">
               <a:rPr lang="en-US" smtClean="0"/>
-              <a:t>12/10/2023</a:t>
+              <a:t>12/12/2023</a:t>
             </a:fld>
             <a:endParaRPr lang="en-US"/>
           </a:p>
@@ -14657,7 +14401,7 @@
           <a:p>
             <a:fld id="{72345051-2045-45DA-935E-2E3CA1A69ADC}" type="datetimeFigureOut">
               <a:rPr lang="en-US" smtClean="0"/>
-              <a:t>12/10/2023</a:t>
+              <a:t>12/12/2023</a:t>
             </a:fld>
             <a:endParaRPr lang="en-US" dirty="0"/>
           </a:p>
@@ -16389,13 +16133,13 @@
               <a:buNone/>
             </a:pPr>
             <a:r>
-              <a:rPr lang="en-US" sz="2600">
+              <a:rPr lang="en-US" sz="2600" dirty="0">
                 <a:ea typeface="+mn-lt"/>
                 <a:cs typeface="+mn-lt"/>
               </a:rPr>
-              <a:t>The Smart Bump Alert System aims to enhance road safety through a compact device in cars. It includes a tiny computer, GPS, SIM card, and a user-friendly screen, alerting drivers about upcoming speed bumps. Our project focuses on careful research and harnessing public support for data collection. In the future, we envision collaborating with the government to enhance road safety using our collected data. Additionally, potential partnerships with map companies could involve sharing our data to improve their maps. Our ultimate objective is to contribute to safer roads for everyone.</a:t>
+              <a:t>The Smart Bump Alert System aims to enhance road safety through a compact device in cars. It includes a tiny computer, GPS, SIM card, and a user-friendly screen, alerting drivers about upcoming speed bumps. Our project focuses on careful research and harnessing public support for data collection. In the future, we envision collaborating with the government to enhance road safety using our collected data. Additionally, potential partnerships with map companies could involve sharing our data to improve their maps. Our ultimate objective is to contribute to safer roads for everyone. I will begin applying this project on the first of January on 2024.</a:t>
             </a:r>
-            <a:endParaRPr lang="en-US" sz="2600"/>
+            <a:endParaRPr lang="en-US" sz="2600" dirty="0"/>
           </a:p>
           <a:p>
             <a:pPr marL="0" indent="0">
@@ -16405,9 +16149,9 @@
               <a:buNone/>
             </a:pPr>
             <a:br>
-              <a:rPr lang="en-US" sz="2600"/>
+              <a:rPr lang="en-US" sz="2600" dirty="0"/>
             </a:br>
-            <a:endParaRPr lang="en-US" sz="2600"/>
+            <a:endParaRPr lang="en-US" sz="2600" dirty="0"/>
           </a:p>
           <a:p>
             <a:pPr>
@@ -16415,7 +16159,7 @@
                 <a:spcPct val="100000"/>
               </a:lnSpc>
             </a:pPr>
-            <a:endParaRPr lang="en-US" sz="2600"/>
+            <a:endParaRPr lang="en-US" sz="2600" dirty="0"/>
           </a:p>
         </p:txBody>
       </p:sp>
@@ -17752,7 +17496,7 @@
               </a:rPr>
               <a:t>Procure microcontroller, GPS module, SIM card, and necessary elements.</a:t>
             </a:r>
-            <a:endParaRPr lang="en-US" sz="1700"/>
+            <a:endParaRPr lang="en-US" sz="1700" dirty="0"/>
           </a:p>
           <a:p>
             <a:pPr>
@@ -17776,7 +17520,7 @@
               </a:rPr>
               <a:t>Write Java code for the Smart Bump Alert System.</a:t>
             </a:r>
-            <a:endParaRPr lang="en-US" sz="1700"/>
+            <a:endParaRPr lang="en-US" sz="1700" dirty="0"/>
           </a:p>
           <a:p>
             <a:pPr>
@@ -17800,7 +17544,7 @@
               </a:rPr>
               <a:t>Plan how to collect both initial and real-time data.</a:t>
             </a:r>
-            <a:endParaRPr lang="en-US" sz="1700"/>
+            <a:endParaRPr lang="en-US" sz="1700" dirty="0"/>
           </a:p>
           <a:p>
             <a:pPr>
@@ -17824,7 +17568,7 @@
               </a:rPr>
               <a:t>Connect and integrate digital components for seamless functionality.</a:t>
             </a:r>
-            <a:endParaRPr lang="en-US" sz="1700"/>
+            <a:endParaRPr lang="en-US" sz="1700" dirty="0"/>
           </a:p>
           <a:p>
             <a:pPr>
@@ -17848,7 +17592,7 @@
               </a:rPr>
               <a:t>Install Java code onto the Smart Bump Alert Device.</a:t>
             </a:r>
-            <a:endParaRPr lang="en-US" sz="1700"/>
+            <a:endParaRPr lang="en-US" sz="1700" dirty="0"/>
           </a:p>
           <a:p>
             <a:pPr>
@@ -17872,7 +17616,7 @@
               </a:rPr>
               <a:t>Assemble hardware components for the initial prototype.</a:t>
             </a:r>
-            <a:endParaRPr lang="en-US" sz="1700"/>
+            <a:endParaRPr lang="en-US" sz="1700" dirty="0"/>
           </a:p>
           <a:p>
             <a:pPr>
@@ -17896,7 +17640,7 @@
               </a:rPr>
               <a:t>Test the prototype thoroughly for effective operation.</a:t>
             </a:r>
-            <a:endParaRPr lang="en-US" sz="1700"/>
+            <a:endParaRPr lang="en-US" sz="1700" dirty="0"/>
           </a:p>
           <a:p>
             <a:pPr>
@@ -17911,7 +17655,7 @@
                 <a:ea typeface="+mn-lt"/>
                 <a:cs typeface="+mn-lt"/>
               </a:rPr>
-              <a:t>Iterative Refinement:  </a:t>
+              <a:t>Feedback application:  </a:t>
             </a:r>
             <a:r>
               <a:rPr lang="en-US" sz="1700" dirty="0">
@@ -17941,9 +17685,9 @@
                 <a:ea typeface="+mn-lt"/>
                 <a:cs typeface="+mn-lt"/>
               </a:rPr>
-              <a:t>Implement the real-time data collection strategy.</a:t>
+              <a:t>Implement the data collection strategy.</a:t>
             </a:r>
-            <a:endParaRPr lang="en-US" sz="1700"/>
+            <a:endParaRPr lang="en-US" sz="1700" dirty="0"/>
           </a:p>
           <a:p>
             <a:pPr>
@@ -18230,7 +17974,7 @@
               </a:rPr>
               <a:t>Deliverables: </a:t>
             </a:r>
-            <a:endParaRPr lang="en-US"/>
+            <a:endParaRPr lang="en-US" dirty="0"/>
           </a:p>
           <a:p>
             <a:pPr marL="0" indent="0">
@@ -18471,7 +18215,7 @@
             <p:ph idx="1"/>
             <p:extLst>
               <p:ext uri="{D42A27DB-BD31-4B8C-83A1-F6EECF244321}">
-                <p14:modId xmlns:p14="http://schemas.microsoft.com/office/powerpoint/2010/main" val="795350885"/>
+                <p14:modId xmlns:p14="http://schemas.microsoft.com/office/powerpoint/2010/main" val="3957386378"/>
               </p:ext>
             </p:extLst>
           </p:nvPr>
@@ -20435,7 +20179,7 @@
             <p:ph idx="1"/>
             <p:extLst>
               <p:ext uri="{D42A27DB-BD31-4B8C-83A1-F6EECF244321}">
-                <p14:modId xmlns:p14="http://schemas.microsoft.com/office/powerpoint/2010/main" val="297550152"/>
+                <p14:modId xmlns:p14="http://schemas.microsoft.com/office/powerpoint/2010/main" val="914214339"/>
               </p:ext>
             </p:extLst>
           </p:nvPr>

--- a/project_management/projectManegment.pptx
+++ b/project_management/projectManegment.pptx
@@ -122,11 +122,11 @@
 <file path=ppt/revisionInfo.xml><?xml version="1.0" encoding="utf-8"?>
 <p1510:revInfo xmlns:a="http://schemas.openxmlformats.org/drawingml/2006/main" xmlns:r="http://schemas.openxmlformats.org/officeDocument/2006/relationships" xmlns:p1510="http://schemas.microsoft.com/office/powerpoint/2015/10/main">
   <p1510:revLst>
+    <p1510:client id="{202571C5-7BCA-492B-87C8-0917E2063791}" v="78" dt="2023-12-05T08:42:12.621"/>
+    <p1510:client id="{69E17A46-D3FF-4FAC-A2A8-20C44E449428}" v="2096" dt="2023-12-10T02:31:36.316"/>
     <p1510:client id="{90268728-4785-46B9-96D6-7173A1BBBB18}" v="872" dt="2023-12-09T23:21:23.570"/>
-    <p1510:client id="{69E17A46-D3FF-4FAC-A2A8-20C44E449428}" v="2096" dt="2023-12-10T02:31:36.316"/>
-    <p1510:client id="{202571C5-7BCA-492B-87C8-0917E2063791}" v="78" dt="2023-12-05T08:42:12.621"/>
+    <p1510:client id="{6360B937-1E6C-498F-81CC-C454BA63D340}" v="14" dt="2023-12-04T02:20:12.381"/>
     <p1510:client id="{C46261EC-028D-4E63-8FE6-BBBEFD114F06}" v="114" dt="2023-12-04T04:22:52.470"/>
-    <p1510:client id="{6360B937-1E6C-498F-81CC-C454BA63D340}" v="14" dt="2023-12-04T02:20:12.381"/>
     <p1510:client id="{7940B8EE-897D-4D42-90F1-942214FD02EA}" v="34" dt="2023-12-09T05:06:33.426"/>
     <p1510:client id="{BDC59550-286D-4109-AE85-108A942A3B99}" v="7" dt="2023-12-04T01:53:33.310"/>
   </p1510:revLst>
@@ -8284,7 +8284,7 @@
             <a:round/>
             <a:extLst>
               <a:ext uri="{C807C97D-BFC1-408E-A445-0C87EB9F89A2}">
-                <ask:lineSketchStyleProps xmlns:ask="http://schemas.microsoft.com/office/drawing/2018/sketchyshapes" xmlns="" sd="1219033472">
+                <ask:lineSketchStyleProps xmlns="" xmlns:ask="http://schemas.microsoft.com/office/drawing/2018/sketchyshapes" sd="1219033472">
                   <a:prstGeom prst="rect">
                     <a:avLst/>
                   </a:prstGeom>
@@ -8460,7 +8460,7 @@
           <a:p>
             <a:fld id="{72345051-2045-45DA-935E-2E3CA1A69ADC}" type="datetimeFigureOut">
               <a:rPr lang="en-US" smtClean="0"/>
-              <a:t>12/12/2023</a:t>
+              <a:t>12/19/2023</a:t>
             </a:fld>
             <a:endParaRPr lang="en-US" dirty="0"/>
           </a:p>
@@ -8658,7 +8658,7 @@
           <a:p>
             <a:fld id="{72345051-2045-45DA-935E-2E3CA1A69ADC}" type="datetimeFigureOut">
               <a:rPr lang="en-US" smtClean="0"/>
-              <a:t>12/12/2023</a:t>
+              <a:t>12/19/2023</a:t>
             </a:fld>
             <a:endParaRPr lang="en-US"/>
           </a:p>
@@ -8866,7 +8866,7 @@
           <a:p>
             <a:fld id="{72345051-2045-45DA-935E-2E3CA1A69ADC}" type="datetimeFigureOut">
               <a:rPr lang="en-US" smtClean="0"/>
-              <a:t>12/12/2023</a:t>
+              <a:t>12/19/2023</a:t>
             </a:fld>
             <a:endParaRPr lang="en-US"/>
           </a:p>
@@ -9088,7 +9088,7 @@
           <a:p>
             <a:fld id="{72345051-2045-45DA-935E-2E3CA1A69ADC}" type="datetimeFigureOut">
               <a:rPr lang="en-US" smtClean="0"/>
-              <a:t>12/12/2023</a:t>
+              <a:t>12/19/2023</a:t>
             </a:fld>
             <a:endParaRPr lang="en-US"/>
           </a:p>
@@ -9738,7 +9738,7 @@
             <a:round/>
             <a:extLst>
               <a:ext uri="{C807C97D-BFC1-408E-A445-0C87EB9F89A2}">
-                <ask:lineSketchStyleProps xmlns:ask="http://schemas.microsoft.com/office/drawing/2018/sketchyshapes" xmlns="" sd="1219033472">
+                <ask:lineSketchStyleProps xmlns="" xmlns:ask="http://schemas.microsoft.com/office/drawing/2018/sketchyshapes" sd="1219033472">
                   <a:prstGeom prst="rect">
                     <a:avLst/>
                   </a:prstGeom>
@@ -9999,7 +9999,7 @@
           <a:p>
             <a:fld id="{72345051-2045-45DA-935E-2E3CA1A69ADC}" type="datetimeFigureOut">
               <a:rPr lang="en-US" smtClean="0"/>
-              <a:t>12/12/2023</a:t>
+              <a:t>12/19/2023</a:t>
             </a:fld>
             <a:endParaRPr lang="en-US"/>
           </a:p>
@@ -10354,7 +10354,7 @@
             <a:round/>
             <a:extLst>
               <a:ext uri="{C807C97D-BFC1-408E-A445-0C87EB9F89A2}">
-                <ask:lineSketchStyleProps xmlns:ask="http://schemas.microsoft.com/office/drawing/2018/sketchyshapes" xmlns="" sd="1219033472">
+                <ask:lineSketchStyleProps xmlns="" xmlns:ask="http://schemas.microsoft.com/office/drawing/2018/sketchyshapes" sd="1219033472">
                   <a:prstGeom prst="rect">
                     <a:avLst/>
                   </a:prstGeom>
@@ -10602,7 +10602,7 @@
           <a:p>
             <a:fld id="{72345051-2045-45DA-935E-2E3CA1A69ADC}" type="datetimeFigureOut">
               <a:rPr lang="en-US" smtClean="0"/>
-              <a:t>12/12/2023</a:t>
+              <a:t>12/19/2023</a:t>
             </a:fld>
             <a:endParaRPr lang="en-US"/>
           </a:p>
@@ -11252,7 +11252,7 @@
             <a:round/>
             <a:extLst>
               <a:ext uri="{C807C97D-BFC1-408E-A445-0C87EB9F89A2}">
-                <ask:lineSketchStyleProps xmlns:ask="http://schemas.microsoft.com/office/drawing/2018/sketchyshapes" xmlns="" sd="1219033472">
+                <ask:lineSketchStyleProps xmlns="" xmlns:ask="http://schemas.microsoft.com/office/drawing/2018/sketchyshapes" sd="1219033472">
                   <a:prstGeom prst="rect">
                     <a:avLst/>
                   </a:prstGeom>
@@ -11650,7 +11650,7 @@
           <a:p>
             <a:fld id="{72345051-2045-45DA-935E-2E3CA1A69ADC}" type="datetimeFigureOut">
               <a:rPr lang="en-US" smtClean="0"/>
-              <a:t>12/12/2023</a:t>
+              <a:t>12/19/2023</a:t>
             </a:fld>
             <a:endParaRPr lang="en-US"/>
           </a:p>
@@ -12300,7 +12300,7 @@
             <a:round/>
             <a:extLst>
               <a:ext uri="{C807C97D-BFC1-408E-A445-0C87EB9F89A2}">
-                <ask:lineSketchStyleProps xmlns:ask="http://schemas.microsoft.com/office/drawing/2018/sketchyshapes" xmlns="" sd="1219033472">
+                <ask:lineSketchStyleProps xmlns="" xmlns:ask="http://schemas.microsoft.com/office/drawing/2018/sketchyshapes" sd="1219033472">
                   <a:prstGeom prst="rect">
                     <a:avLst/>
                   </a:prstGeom>
@@ -12434,7 +12434,7 @@
           <a:p>
             <a:fld id="{72345051-2045-45DA-935E-2E3CA1A69ADC}" type="datetimeFigureOut">
               <a:rPr lang="en-US" smtClean="0"/>
-              <a:t>12/12/2023</a:t>
+              <a:t>12/19/2023</a:t>
             </a:fld>
             <a:endParaRPr lang="en-US"/>
           </a:p>
@@ -12789,7 +12789,7 @@
             <a:round/>
             <a:extLst>
               <a:ext uri="{C807C97D-BFC1-408E-A445-0C87EB9F89A2}">
-                <ask:lineSketchStyleProps xmlns:ask="http://schemas.microsoft.com/office/drawing/2018/sketchyshapes" xmlns="" sd="1219033472">
+                <ask:lineSketchStyleProps xmlns="" xmlns:ask="http://schemas.microsoft.com/office/drawing/2018/sketchyshapes" sd="1219033472">
                   <a:prstGeom prst="rect">
                     <a:avLst/>
                   </a:prstGeom>
@@ -12883,7 +12883,7 @@
           <a:p>
             <a:fld id="{72345051-2045-45DA-935E-2E3CA1A69ADC}" type="datetimeFigureOut">
               <a:rPr lang="en-US" smtClean="0"/>
-              <a:t>12/12/2023</a:t>
+              <a:t>12/19/2023</a:t>
             </a:fld>
             <a:endParaRPr lang="en-US"/>
           </a:p>
@@ -13200,7 +13200,7 @@
           <a:p>
             <a:fld id="{72345051-2045-45DA-935E-2E3CA1A69ADC}" type="datetimeFigureOut">
               <a:rPr lang="en-US" smtClean="0"/>
-              <a:t>12/12/2023</a:t>
+              <a:t>12/19/2023</a:t>
             </a:fld>
             <a:endParaRPr lang="en-US"/>
           </a:p>
@@ -13555,7 +13555,7 @@
             <a:round/>
             <a:extLst>
               <a:ext uri="{C807C97D-BFC1-408E-A445-0C87EB9F89A2}">
-                <ask:lineSketchStyleProps xmlns:ask="http://schemas.microsoft.com/office/drawing/2018/sketchyshapes" xmlns="" sd="1219033472">
+                <ask:lineSketchStyleProps xmlns="" xmlns:ask="http://schemas.microsoft.com/office/drawing/2018/sketchyshapes" sd="1219033472">
                   <a:prstGeom prst="rect">
                     <a:avLst/>
                   </a:prstGeom>
@@ -13828,7 +13828,7 @@
           <a:p>
             <a:fld id="{72345051-2045-45DA-935E-2E3CA1A69ADC}" type="datetimeFigureOut">
               <a:rPr lang="en-US" smtClean="0"/>
-              <a:t>12/12/2023</a:t>
+              <a:t>12/19/2023</a:t>
             </a:fld>
             <a:endParaRPr lang="en-US"/>
           </a:p>
@@ -14183,7 +14183,7 @@
             <a:round/>
             <a:extLst>
               <a:ext uri="{C807C97D-BFC1-408E-A445-0C87EB9F89A2}">
-                <ask:lineSketchStyleProps xmlns:ask="http://schemas.microsoft.com/office/drawing/2018/sketchyshapes" xmlns="" sd="1219033472">
+                <ask:lineSketchStyleProps xmlns="" xmlns:ask="http://schemas.microsoft.com/office/drawing/2018/sketchyshapes" sd="1219033472">
                   <a:prstGeom prst="rect">
                     <a:avLst/>
                   </a:prstGeom>
@@ -14401,7 +14401,7 @@
           <a:p>
             <a:fld id="{72345051-2045-45DA-935E-2E3CA1A69ADC}" type="datetimeFigureOut">
               <a:rPr lang="en-US" smtClean="0"/>
-              <a:t>12/12/2023</a:t>
+              <a:t>12/19/2023</a:t>
             </a:fld>
             <a:endParaRPr lang="en-US" dirty="0"/>
           </a:p>
@@ -15260,7 +15260,7 @@
             <a:round/>
             <a:extLst>
               <a:ext uri="{C807C97D-BFC1-408E-A445-0C87EB9F89A2}">
-                <ask:lineSketchStyleProps xmlns:ask="http://schemas.microsoft.com/office/drawing/2018/sketchyshapes" xmlns="" sd="1219033472">
+                <ask:lineSketchStyleProps xmlns="" xmlns:ask="http://schemas.microsoft.com/office/drawing/2018/sketchyshapes" sd="1219033472">
                   <a:prstGeom prst="rect">
                     <a:avLst/>
                   </a:prstGeom>
@@ -15795,7 +15795,7 @@
             <a:round/>
             <a:extLst>
               <a:ext uri="{C807C97D-BFC1-408E-A445-0C87EB9F89A2}">
-                <ask:lineSketchStyleProps xmlns:ask="http://schemas.microsoft.com/office/drawing/2018/sketchyshapes" xmlns="" sd="1219033472">
+                <ask:lineSketchStyleProps xmlns="" xmlns:ask="http://schemas.microsoft.com/office/drawing/2018/sketchyshapes" sd="1219033472">
                   <a:prstGeom prst="roundRect">
                     <a:avLst/>
                   </a:prstGeom>
@@ -16137,7 +16137,7 @@
                 <a:ea typeface="+mn-lt"/>
                 <a:cs typeface="+mn-lt"/>
               </a:rPr>
-              <a:t>The Smart Bump Alert System aims to enhance road safety through a compact device in cars. It includes a tiny computer, GPS, SIM card, and a user-friendly screen, alerting drivers about upcoming speed bumps. Our project focuses on careful research and harnessing public support for data collection. In the future, we envision collaborating with the government to enhance road safety using our collected data. Additionally, potential partnerships with map companies could involve sharing our data to improve their maps. Our ultimate objective is to contribute to safer roads for everyone. I will begin applying this project on the first of January on 2024.</a:t>
+              <a:t>The Smart Bump Alert System aims to enhance road safety through a compact device in cars. It includes a tiny computer, GPS, SIM card, and a user-friendly screen, alerting drivers about upcoming speed bumps. Our project focuses on careful research and harnessing public support for data collection. In the future, we envision collaborating with the government to enhance road safety using our collected data. Additionally, potential partnerships with map companies could involve sharing our data to improve their maps. Our ultimate objective is to contribute to safer roads for everyone. This project will begin its application on the first of January on 2024.</a:t>
             </a:r>
             <a:endParaRPr lang="en-US" sz="2600" dirty="0"/>
           </a:p>
@@ -16581,7 +16581,7 @@
             <a:round/>
             <a:extLst>
               <a:ext uri="{C807C97D-BFC1-408E-A445-0C87EB9F89A2}">
-                <ask:lineSketchStyleProps xmlns:ask="http://schemas.microsoft.com/office/drawing/2018/sketchyshapes" xmlns="" sd="1219033472">
+                <ask:lineSketchStyleProps xmlns="" xmlns:ask="http://schemas.microsoft.com/office/drawing/2018/sketchyshapes" sd="1219033472">
                   <a:prstGeom prst="rect">
                     <a:avLst/>
                   </a:prstGeom>
@@ -17387,7 +17387,7 @@
             <a:round/>
             <a:extLst>
               <a:ext uri="{C807C97D-BFC1-408E-A445-0C87EB9F89A2}">
-                <ask:lineSketchStyleProps xmlns:ask="http://schemas.microsoft.com/office/drawing/2018/sketchyshapes" xmlns="" sd="1219033472">
+                <ask:lineSketchStyleProps xmlns="" xmlns:ask="http://schemas.microsoft.com/office/drawing/2018/sketchyshapes" sd="1219033472">
                   <a:prstGeom prst="rect">
                     <a:avLst/>
                   </a:prstGeom>
@@ -17463,14 +17463,14 @@
                 <a:ea typeface="+mn-lt"/>
                 <a:cs typeface="+mn-lt"/>
               </a:rPr>
-              <a:t>Project Objectives</a:t>
+              <a:t>Project </a:t>
             </a:r>
             <a:r>
               <a:rPr lang="en-US" sz="1600" b="1" dirty="0">
                 <a:ea typeface="+mn-lt"/>
                 <a:cs typeface="+mn-lt"/>
               </a:rPr>
-              <a:t>: </a:t>
+              <a:t>Deliverables : </a:t>
             </a:r>
             <a:endParaRPr lang="en-US" sz="1600" b="1" dirty="0"/>
           </a:p>
@@ -17965,14 +17965,25 @@
             </a:pPr>
             <a:r>
               <a:rPr lang="en-US" sz="1800" b="1" dirty="0"/>
-              <a:t>Project </a:t>
+              <a:t>Project </a:t>
             </a:r>
             <a:r>
               <a:rPr lang="en-US" sz="1800" b="1" dirty="0">
                 <a:ea typeface="+mn-lt"/>
                 <a:cs typeface="+mn-lt"/>
               </a:rPr>
-              <a:t>Deliverables: </a:t>
+              <a:t>Objectives </a:t>
+            </a:r>
+            <a:r>
+              <a:rPr lang="en-US" sz="1800" b="1" dirty="0"/>
+              <a:t> </a:t>
+            </a:r>
+            <a:r>
+              <a:rPr lang="en-US" sz="1800" b="1" dirty="0">
+                <a:ea typeface="+mn-lt"/>
+                <a:cs typeface="+mn-lt"/>
+              </a:rPr>
+              <a:t>: </a:t>
             </a:r>
             <a:endParaRPr lang="en-US" dirty="0"/>
           </a:p>
@@ -18047,7 +18058,7 @@
                 <a:ea typeface="+mn-lt"/>
                 <a:cs typeface="+mn-lt"/>
               </a:rPr>
-              <a:t>Comprehensive dataset, including both initial and real-time data, gathered through the Smart Bump Alert System.</a:t>
+              <a:t>Collected initial dataset.</a:t>
             </a:r>
             <a:endParaRPr lang="en-US" dirty="0">
               <a:ea typeface="+mn-lt"/>
@@ -18960,7 +18971,7 @@
             <a:round/>
             <a:extLst>
               <a:ext uri="{C807C97D-BFC1-408E-A445-0C87EB9F89A2}">
-                <ask:lineSketchStyleProps xmlns:ask="http://schemas.microsoft.com/office/drawing/2018/sketchyshapes" xmlns="" sd="1219033472">
+                <ask:lineSketchStyleProps xmlns="" xmlns:ask="http://schemas.microsoft.com/office/drawing/2018/sketchyshapes" sd="1219033472">
                   <a:prstGeom prst="rect">
                     <a:avLst/>
                   </a:prstGeom>
@@ -19021,7 +19032,7 @@
         </p:spPr>
         <p:txBody>
           <a:bodyPr vert="horz" lIns="91440" tIns="45720" rIns="91440" bIns="45720" rtlCol="0" anchor="t">
-            <a:normAutofit fontScale="92500"/>
+            <a:normAutofit/>
           </a:bodyPr>
           <a:lstStyle/>
           <a:p>
@@ -19041,20 +19052,17 @@
             </a:r>
           </a:p>
           <a:p>
-            <a:pPr marL="342900" indent="-342900">
-              <a:lnSpc>
-                <a:spcPct val="100000"/>
-              </a:lnSpc>
-            </a:pPr>
             <a:r>
-              <a:rPr lang="en-US" sz="2000" b="1" dirty="0">
+              <a:rPr lang="en-US" sz="2400" dirty="0">
+                <a:solidFill>
+                  <a:srgbClr val="FFFFFF"/>
+                </a:solidFill>
                 <a:latin typeface="The Hand Bold"/>
+                <a:ea typeface="+mn-lt"/>
+                <a:cs typeface="+mn-lt"/>
               </a:rPr>
-              <a:t>Microcontroller:</a:t>
+              <a:t>Supplies:</a:t>
             </a:r>
-            <a:endParaRPr lang="en-US" sz="2000">
-              <a:latin typeface="The Hand Bold"/>
-            </a:endParaRPr>
           </a:p>
           <a:p>
             <a:pPr marL="0" indent="0">
@@ -19067,27 +19075,23 @@
               <a:rPr lang="en-US" sz="2000" b="1" dirty="0">
                 <a:latin typeface="The Hand Bold"/>
               </a:rPr>
-              <a:t>Select and integrate a reliable microcontroller for system control.</a:t>
+              <a:t>Microcontroller, GPS Module , SIM Card, User-Friendly Display ,</a:t>
             </a:r>
-            <a:endParaRPr lang="en-US" sz="2000">
-              <a:latin typeface="The Hand Bold"/>
-            </a:endParaRPr>
+            <a:r>
+              <a:rPr lang="en-US" sz="2000" b="1" dirty="0"/>
+              <a:t>Other components like wires ,etc.  </a:t>
+            </a:r>
           </a:p>
           <a:p>
-            <a:pPr marL="342900" indent="-342900">
+            <a:pPr>
               <a:lnSpc>
                 <a:spcPct val="100000"/>
               </a:lnSpc>
             </a:pPr>
             <a:r>
-              <a:rPr lang="en-US" sz="2000" b="1" dirty="0">
-                <a:latin typeface="The Hand Bold"/>
-              </a:rPr>
-              <a:t>GPS Module:</a:t>
+              <a:rPr lang="en-US" sz="2000" b="1" dirty="0"/>
+              <a:t>Human resources:</a:t>
             </a:r>
-            <a:endParaRPr lang="en-US" sz="2000">
-              <a:latin typeface="The Hand Bold"/>
-            </a:endParaRPr>
           </a:p>
           <a:p>
             <a:pPr marL="0" indent="0">
@@ -19097,30 +19101,9 @@
               <a:buNone/>
             </a:pPr>
             <a:r>
-              <a:rPr lang="en-US" sz="2000" b="1" dirty="0">
-                <a:latin typeface="The Hand Bold"/>
-              </a:rPr>
-              <a:t>Incorporate a GPS module for accurate location tracking.</a:t>
+              <a:rPr lang="en-US" sz="2000" b="1" dirty="0"/>
+              <a:t>Computer engineer , computer scientist , network specialist , drivers.</a:t>
             </a:r>
-            <a:endParaRPr lang="en-US" sz="2000">
-              <a:latin typeface="The Hand Bold"/>
-            </a:endParaRPr>
-          </a:p>
-          <a:p>
-            <a:pPr marL="342900" indent="-342900">
-              <a:lnSpc>
-                <a:spcPct val="100000"/>
-              </a:lnSpc>
-            </a:pPr>
-            <a:r>
-              <a:rPr lang="en-US" sz="2000" b="1" dirty="0">
-                <a:latin typeface="The Hand Bold"/>
-              </a:rPr>
-              <a:t>SIM Card:</a:t>
-            </a:r>
-            <a:endParaRPr lang="en-US" sz="2000">
-              <a:latin typeface="The Hand Bold"/>
-            </a:endParaRPr>
           </a:p>
           <a:p>
             <a:pPr marL="0" indent="0">
@@ -19129,31 +19112,7 @@
               </a:lnSpc>
               <a:buNone/>
             </a:pPr>
-            <a:r>
-              <a:rPr lang="en-US" sz="2000" b="1" dirty="0">
-                <a:latin typeface="The Hand Bold"/>
-              </a:rPr>
-              <a:t>Integrate a SIM card for network access and real-time data updates.</a:t>
-            </a:r>
-            <a:endParaRPr lang="en-US" sz="2000">
-              <a:latin typeface="The Hand Bold"/>
-            </a:endParaRPr>
-          </a:p>
-          <a:p>
-            <a:pPr marL="342900" indent="-342900">
-              <a:lnSpc>
-                <a:spcPct val="100000"/>
-              </a:lnSpc>
-            </a:pPr>
-            <a:r>
-              <a:rPr lang="en-US" sz="2000" b="1" dirty="0">
-                <a:latin typeface="The Hand Bold"/>
-              </a:rPr>
-              <a:t>User-Friendly Display:</a:t>
-            </a:r>
-            <a:endParaRPr lang="en-US" sz="2000">
-              <a:latin typeface="The Hand Bold"/>
-            </a:endParaRPr>
+            <a:endParaRPr lang="en-US" sz="2000" b="1" dirty="0"/>
           </a:p>
           <a:p>
             <a:pPr marL="0" indent="0">
@@ -19162,26 +19121,7 @@
               </a:lnSpc>
               <a:buNone/>
             </a:pPr>
-            <a:r>
-              <a:rPr lang="en-US" sz="2000" b="1" dirty="0">
-                <a:latin typeface="The Hand Bold"/>
-              </a:rPr>
-              <a:t>Include an intuitive display for driver alerts and interactions.</a:t>
-            </a:r>
-            <a:endParaRPr lang="en-US" sz="2000">
-              <a:latin typeface="The Hand Bold"/>
-            </a:endParaRPr>
-          </a:p>
-          <a:p>
-            <a:pPr marL="342900" indent="-342900">
-              <a:lnSpc>
-                <a:spcPct val="100000"/>
-              </a:lnSpc>
-            </a:pPr>
-            <a:r>
-              <a:rPr lang="en-US" sz="2000" b="1" dirty="0"/>
-              <a:t>Other components like wires ,etc. </a:t>
-            </a:r>
+            <a:endParaRPr lang="en-US" sz="2000" b="1" dirty="0"/>
           </a:p>
           <a:p>
             <a:pPr>
@@ -20126,7 +20066,7 @@
             <a:round/>
             <a:extLst>
               <a:ext uri="{C807C97D-BFC1-408E-A445-0C87EB9F89A2}">
-                <ask:lineSketchStyleProps xmlns:ask="http://schemas.microsoft.com/office/drawing/2018/sketchyshapes" xmlns="" sd="1219033472">
+                <ask:lineSketchStyleProps xmlns="" xmlns:ask="http://schemas.microsoft.com/office/drawing/2018/sketchyshapes" sd="1219033472">
                   <a:prstGeom prst="rect">
                     <a:avLst/>
                   </a:prstGeom>
@@ -20367,7 +20307,7 @@
             <p:ph idx="1"/>
             <p:extLst>
               <p:ext uri="{D42A27DB-BD31-4B8C-83A1-F6EECF244321}">
-                <p14:modId xmlns:p14="http://schemas.microsoft.com/office/powerpoint/2010/main" val="3260379395"/>
+                <p14:modId xmlns:p14="http://schemas.microsoft.com/office/powerpoint/2010/main" val="4072342009"/>
               </p:ext>
             </p:extLst>
           </p:nvPr>
@@ -20488,7 +20428,7 @@
                         <a:rPr lang="en-US" sz="2400" b="1" i="0" u="none" strike="noStrike" noProof="0" dirty="0">
                           <a:latin typeface="The Hand Bold"/>
                         </a:rPr>
-                        <a:t>Data Collection Strategy</a:t>
+                        <a:t>Initial Data Collection </a:t>
                       </a:r>
                       <a:endParaRPr lang="en-US" sz="2400" b="1" dirty="0"/>
                     </a:p>

--- a/project_management/projectManegment.pptx
+++ b/project_management/projectManegment.pptx
@@ -122,11 +122,11 @@
 <file path=ppt/revisionInfo.xml><?xml version="1.0" encoding="utf-8"?>
 <p1510:revInfo xmlns:a="http://schemas.openxmlformats.org/drawingml/2006/main" xmlns:r="http://schemas.openxmlformats.org/officeDocument/2006/relationships" xmlns:p1510="http://schemas.microsoft.com/office/powerpoint/2015/10/main">
   <p1510:revLst>
+    <p1510:client id="{90268728-4785-46B9-96D6-7173A1BBBB18}" v="872" dt="2023-12-09T23:21:23.570"/>
+    <p1510:client id="{69E17A46-D3FF-4FAC-A2A8-20C44E449428}" v="2096" dt="2023-12-10T02:31:36.316"/>
     <p1510:client id="{202571C5-7BCA-492B-87C8-0917E2063791}" v="78" dt="2023-12-05T08:42:12.621"/>
-    <p1510:client id="{69E17A46-D3FF-4FAC-A2A8-20C44E449428}" v="2096" dt="2023-12-10T02:31:36.316"/>
-    <p1510:client id="{90268728-4785-46B9-96D6-7173A1BBBB18}" v="872" dt="2023-12-09T23:21:23.570"/>
+    <p1510:client id="{C46261EC-028D-4E63-8FE6-BBBEFD114F06}" v="114" dt="2023-12-04T04:22:52.470"/>
     <p1510:client id="{6360B937-1E6C-498F-81CC-C454BA63D340}" v="14" dt="2023-12-04T02:20:12.381"/>
-    <p1510:client id="{C46261EC-028D-4E63-8FE6-BBBEFD114F06}" v="114" dt="2023-12-04T04:22:52.470"/>
     <p1510:client id="{7940B8EE-897D-4D42-90F1-942214FD02EA}" v="34" dt="2023-12-09T05:06:33.426"/>
     <p1510:client id="{BDC59550-286D-4109-AE85-108A942A3B99}" v="7" dt="2023-12-04T01:53:33.310"/>
   </p1510:revLst>
@@ -8284,7 +8284,7 @@
             <a:round/>
             <a:extLst>
               <a:ext uri="{C807C97D-BFC1-408E-A445-0C87EB9F89A2}">
-                <ask:lineSketchStyleProps xmlns="" xmlns:ask="http://schemas.microsoft.com/office/drawing/2018/sketchyshapes" sd="1219033472">
+                <ask:lineSketchStyleProps xmlns:ask="http://schemas.microsoft.com/office/drawing/2018/sketchyshapes" xmlns="" sd="1219033472">
                   <a:prstGeom prst="rect">
                     <a:avLst/>
                   </a:prstGeom>
@@ -8460,7 +8460,7 @@
           <a:p>
             <a:fld id="{72345051-2045-45DA-935E-2E3CA1A69ADC}" type="datetimeFigureOut">
               <a:rPr lang="en-US" smtClean="0"/>
-              <a:t>12/19/2023</a:t>
+              <a:t>12/21/2023</a:t>
             </a:fld>
             <a:endParaRPr lang="en-US" dirty="0"/>
           </a:p>
@@ -8658,7 +8658,7 @@
           <a:p>
             <a:fld id="{72345051-2045-45DA-935E-2E3CA1A69ADC}" type="datetimeFigureOut">
               <a:rPr lang="en-US" smtClean="0"/>
-              <a:t>12/19/2023</a:t>
+              <a:t>12/21/2023</a:t>
             </a:fld>
             <a:endParaRPr lang="en-US"/>
           </a:p>
@@ -8866,7 +8866,7 @@
           <a:p>
             <a:fld id="{72345051-2045-45DA-935E-2E3CA1A69ADC}" type="datetimeFigureOut">
               <a:rPr lang="en-US" smtClean="0"/>
-              <a:t>12/19/2023</a:t>
+              <a:t>12/21/2023</a:t>
             </a:fld>
             <a:endParaRPr lang="en-US"/>
           </a:p>
@@ -9088,7 +9088,7 @@
           <a:p>
             <a:fld id="{72345051-2045-45DA-935E-2E3CA1A69ADC}" type="datetimeFigureOut">
               <a:rPr lang="en-US" smtClean="0"/>
-              <a:t>12/19/2023</a:t>
+              <a:t>12/21/2023</a:t>
             </a:fld>
             <a:endParaRPr lang="en-US"/>
           </a:p>
@@ -9738,7 +9738,7 @@
             <a:round/>
             <a:extLst>
               <a:ext uri="{C807C97D-BFC1-408E-A445-0C87EB9F89A2}">
-                <ask:lineSketchStyleProps xmlns="" xmlns:ask="http://schemas.microsoft.com/office/drawing/2018/sketchyshapes" sd="1219033472">
+                <ask:lineSketchStyleProps xmlns:ask="http://schemas.microsoft.com/office/drawing/2018/sketchyshapes" xmlns="" sd="1219033472">
                   <a:prstGeom prst="rect">
                     <a:avLst/>
                   </a:prstGeom>
@@ -9999,7 +9999,7 @@
           <a:p>
             <a:fld id="{72345051-2045-45DA-935E-2E3CA1A69ADC}" type="datetimeFigureOut">
               <a:rPr lang="en-US" smtClean="0"/>
-              <a:t>12/19/2023</a:t>
+              <a:t>12/21/2023</a:t>
             </a:fld>
             <a:endParaRPr lang="en-US"/>
           </a:p>
@@ -10354,7 +10354,7 @@
             <a:round/>
             <a:extLst>
               <a:ext uri="{C807C97D-BFC1-408E-A445-0C87EB9F89A2}">
-                <ask:lineSketchStyleProps xmlns="" xmlns:ask="http://schemas.microsoft.com/office/drawing/2018/sketchyshapes" sd="1219033472">
+                <ask:lineSketchStyleProps xmlns:ask="http://schemas.microsoft.com/office/drawing/2018/sketchyshapes" xmlns="" sd="1219033472">
                   <a:prstGeom prst="rect">
                     <a:avLst/>
                   </a:prstGeom>
@@ -10602,7 +10602,7 @@
           <a:p>
             <a:fld id="{72345051-2045-45DA-935E-2E3CA1A69ADC}" type="datetimeFigureOut">
               <a:rPr lang="en-US" smtClean="0"/>
-              <a:t>12/19/2023</a:t>
+              <a:t>12/21/2023</a:t>
             </a:fld>
             <a:endParaRPr lang="en-US"/>
           </a:p>
@@ -11252,7 +11252,7 @@
             <a:round/>
             <a:extLst>
               <a:ext uri="{C807C97D-BFC1-408E-A445-0C87EB9F89A2}">
-                <ask:lineSketchStyleProps xmlns="" xmlns:ask="http://schemas.microsoft.com/office/drawing/2018/sketchyshapes" sd="1219033472">
+                <ask:lineSketchStyleProps xmlns:ask="http://schemas.microsoft.com/office/drawing/2018/sketchyshapes" xmlns="" sd="1219033472">
                   <a:prstGeom prst="rect">
                     <a:avLst/>
                   </a:prstGeom>
@@ -11650,7 +11650,7 @@
           <a:p>
             <a:fld id="{72345051-2045-45DA-935E-2E3CA1A69ADC}" type="datetimeFigureOut">
               <a:rPr lang="en-US" smtClean="0"/>
-              <a:t>12/19/2023</a:t>
+              <a:t>12/21/2023</a:t>
             </a:fld>
             <a:endParaRPr lang="en-US"/>
           </a:p>
@@ -12300,7 +12300,7 @@
             <a:round/>
             <a:extLst>
               <a:ext uri="{C807C97D-BFC1-408E-A445-0C87EB9F89A2}">
-                <ask:lineSketchStyleProps xmlns="" xmlns:ask="http://schemas.microsoft.com/office/drawing/2018/sketchyshapes" sd="1219033472">
+                <ask:lineSketchStyleProps xmlns:ask="http://schemas.microsoft.com/office/drawing/2018/sketchyshapes" xmlns="" sd="1219033472">
                   <a:prstGeom prst="rect">
                     <a:avLst/>
                   </a:prstGeom>
@@ -12434,7 +12434,7 @@
           <a:p>
             <a:fld id="{72345051-2045-45DA-935E-2E3CA1A69ADC}" type="datetimeFigureOut">
               <a:rPr lang="en-US" smtClean="0"/>
-              <a:t>12/19/2023</a:t>
+              <a:t>12/21/2023</a:t>
             </a:fld>
             <a:endParaRPr lang="en-US"/>
           </a:p>
@@ -12789,7 +12789,7 @@
             <a:round/>
             <a:extLst>
               <a:ext uri="{C807C97D-BFC1-408E-A445-0C87EB9F89A2}">
-                <ask:lineSketchStyleProps xmlns="" xmlns:ask="http://schemas.microsoft.com/office/drawing/2018/sketchyshapes" sd="1219033472">
+                <ask:lineSketchStyleProps xmlns:ask="http://schemas.microsoft.com/office/drawing/2018/sketchyshapes" xmlns="" sd="1219033472">
                   <a:prstGeom prst="rect">
                     <a:avLst/>
                   </a:prstGeom>
@@ -12883,7 +12883,7 @@
           <a:p>
             <a:fld id="{72345051-2045-45DA-935E-2E3CA1A69ADC}" type="datetimeFigureOut">
               <a:rPr lang="en-US" smtClean="0"/>
-              <a:t>12/19/2023</a:t>
+              <a:t>12/21/2023</a:t>
             </a:fld>
             <a:endParaRPr lang="en-US"/>
           </a:p>
@@ -13200,7 +13200,7 @@
           <a:p>
             <a:fld id="{72345051-2045-45DA-935E-2E3CA1A69ADC}" type="datetimeFigureOut">
               <a:rPr lang="en-US" smtClean="0"/>
-              <a:t>12/19/2023</a:t>
+              <a:t>12/21/2023</a:t>
             </a:fld>
             <a:endParaRPr lang="en-US"/>
           </a:p>
@@ -13555,7 +13555,7 @@
             <a:round/>
             <a:extLst>
               <a:ext uri="{C807C97D-BFC1-408E-A445-0C87EB9F89A2}">
-                <ask:lineSketchStyleProps xmlns="" xmlns:ask="http://schemas.microsoft.com/office/drawing/2018/sketchyshapes" sd="1219033472">
+                <ask:lineSketchStyleProps xmlns:ask="http://schemas.microsoft.com/office/drawing/2018/sketchyshapes" xmlns="" sd="1219033472">
                   <a:prstGeom prst="rect">
                     <a:avLst/>
                   </a:prstGeom>
@@ -13828,7 +13828,7 @@
           <a:p>
             <a:fld id="{72345051-2045-45DA-935E-2E3CA1A69ADC}" type="datetimeFigureOut">
               <a:rPr lang="en-US" smtClean="0"/>
-              <a:t>12/19/2023</a:t>
+              <a:t>12/21/2023</a:t>
             </a:fld>
             <a:endParaRPr lang="en-US"/>
           </a:p>
@@ -14183,7 +14183,7 @@
             <a:round/>
             <a:extLst>
               <a:ext uri="{C807C97D-BFC1-408E-A445-0C87EB9F89A2}">
-                <ask:lineSketchStyleProps xmlns="" xmlns:ask="http://schemas.microsoft.com/office/drawing/2018/sketchyshapes" sd="1219033472">
+                <ask:lineSketchStyleProps xmlns:ask="http://schemas.microsoft.com/office/drawing/2018/sketchyshapes" xmlns="" sd="1219033472">
                   <a:prstGeom prst="rect">
                     <a:avLst/>
                   </a:prstGeom>
@@ -14401,7 +14401,7 @@
           <a:p>
             <a:fld id="{72345051-2045-45DA-935E-2E3CA1A69ADC}" type="datetimeFigureOut">
               <a:rPr lang="en-US" smtClean="0"/>
-              <a:t>12/19/2023</a:t>
+              <a:t>12/21/2023</a:t>
             </a:fld>
             <a:endParaRPr lang="en-US" dirty="0"/>
           </a:p>
@@ -15260,7 +15260,7 @@
             <a:round/>
             <a:extLst>
               <a:ext uri="{C807C97D-BFC1-408E-A445-0C87EB9F89A2}">
-                <ask:lineSketchStyleProps xmlns="" xmlns:ask="http://schemas.microsoft.com/office/drawing/2018/sketchyshapes" sd="1219033472">
+                <ask:lineSketchStyleProps xmlns:ask="http://schemas.microsoft.com/office/drawing/2018/sketchyshapes" xmlns="" sd="1219033472">
                   <a:prstGeom prst="rect">
                     <a:avLst/>
                   </a:prstGeom>
@@ -15795,7 +15795,7 @@
             <a:round/>
             <a:extLst>
               <a:ext uri="{C807C97D-BFC1-408E-A445-0C87EB9F89A2}">
-                <ask:lineSketchStyleProps xmlns="" xmlns:ask="http://schemas.microsoft.com/office/drawing/2018/sketchyshapes" sd="1219033472">
+                <ask:lineSketchStyleProps xmlns:ask="http://schemas.microsoft.com/office/drawing/2018/sketchyshapes" xmlns="" sd="1219033472">
                   <a:prstGeom prst="roundRect">
                     <a:avLst/>
                   </a:prstGeom>
@@ -16137,7 +16137,21 @@
                 <a:ea typeface="+mn-lt"/>
                 <a:cs typeface="+mn-lt"/>
               </a:rPr>
-              <a:t>The Smart Bump Alert System aims to enhance road safety through a compact device in cars. It includes a tiny computer, GPS, SIM card, and a user-friendly screen, alerting drivers about upcoming speed bumps. Our project focuses on careful research and harnessing public support for data collection. In the future, we envision collaborating with the government to enhance road safety using our collected data. Additionally, potential partnerships with map companies could involve sharing our data to improve their maps. Our ultimate objective is to contribute to safer roads for everyone. This project will begin its application on the first of January on 2024.</a:t>
+              <a:t>The Smart Bump Alert System aims to enhance road safety through a compact device in cars. It includes a tiny computer, GPS, SIM card, and a user-friendly screen, alerting drivers about upcoming speed bumps. Our project focuses on careful research and harnessing public support for data collection. In the future, we envision collaborating with the government to enhance road safety using our collected data. Additionally, potential partnerships with map companies could involve sharing our data to improve their maps. Our ultimate objective is to contribute to safer roads for everyone. This project will begin its application on  1/1/2024 and will be ready on 21/5/2024</a:t>
+            </a:r>
+            <a:r>
+              <a:rPr lang="ar-JO" sz="2600" dirty="0">
+                <a:ea typeface="+mn-lt"/>
+                <a:cs typeface="+mn-lt"/>
+              </a:rPr>
+              <a:t> </a:t>
+            </a:r>
+            <a:r>
+              <a:rPr lang="en-US" sz="2600" dirty="0">
+                <a:ea typeface="+mn-lt"/>
+                <a:cs typeface="+mn-lt"/>
+              </a:rPr>
+              <a:t>.</a:t>
             </a:r>
             <a:endParaRPr lang="en-US" sz="2600" dirty="0"/>
           </a:p>
@@ -16581,7 +16595,7 @@
             <a:round/>
             <a:extLst>
               <a:ext uri="{C807C97D-BFC1-408E-A445-0C87EB9F89A2}">
-                <ask:lineSketchStyleProps xmlns="" xmlns:ask="http://schemas.microsoft.com/office/drawing/2018/sketchyshapes" sd="1219033472">
+                <ask:lineSketchStyleProps xmlns:ask="http://schemas.microsoft.com/office/drawing/2018/sketchyshapes" xmlns="" sd="1219033472">
                   <a:prstGeom prst="rect">
                     <a:avLst/>
                   </a:prstGeom>
@@ -16739,7 +16753,7 @@
         </p:blipFill>
         <p:spPr>
           <a:xfrm>
-            <a:off x="20" y="10"/>
+            <a:off x="-3027" y="10"/>
             <a:ext cx="12191979" cy="6857990"/>
           </a:xfrm>
           <a:prstGeom prst="rect">
@@ -16776,13 +16790,13 @@
           <a:lstStyle/>
           <a:p>
             <a:r>
-              <a:rPr lang="en-US" sz="7200" b="1">
-                <a:latin typeface="Arial"/>
-                <a:cs typeface="Arial"/>
+              <a:rPr lang="en-US" sz="7200" b="1" dirty="0">
+                <a:ea typeface="+mn-lt"/>
+                <a:cs typeface="+mn-lt"/>
               </a:rPr>
-              <a:t>Project Scope</a:t>
+              <a:t>Project Deliverables and Objective</a:t>
             </a:r>
-            <a:endParaRPr lang="en-US" sz="7200"/>
+            <a:endParaRPr lang="en-US" sz="7200" dirty="0"/>
           </a:p>
         </p:txBody>
       </p:sp>
@@ -17387,7 +17401,7 @@
             <a:round/>
             <a:extLst>
               <a:ext uri="{C807C97D-BFC1-408E-A445-0C87EB9F89A2}">
-                <ask:lineSketchStyleProps xmlns="" xmlns:ask="http://schemas.microsoft.com/office/drawing/2018/sketchyshapes" sd="1219033472">
+                <ask:lineSketchStyleProps xmlns:ask="http://schemas.microsoft.com/office/drawing/2018/sketchyshapes" xmlns="" sd="1219033472">
                   <a:prstGeom prst="rect">
                     <a:avLst/>
                   </a:prstGeom>
@@ -17487,7 +17501,21 @@
                 <a:ea typeface="+mn-lt"/>
                 <a:cs typeface="+mn-lt"/>
               </a:rPr>
-              <a:t>Acquire Equipment:  </a:t>
+              <a:t>Acquire Equipment </a:t>
+            </a:r>
+            <a:r>
+              <a:rPr lang="en-US" sz="1700" b="1">
+                <a:ea typeface="+mn-lt"/>
+                <a:cs typeface="+mn-lt"/>
+              </a:rPr>
+              <a:t>and hire staff:</a:t>
+            </a:r>
+            <a:r>
+              <a:rPr lang="en-US" sz="1700" b="1" dirty="0">
+                <a:ea typeface="+mn-lt"/>
+                <a:cs typeface="+mn-lt"/>
+              </a:rPr>
+              <a:t>  </a:t>
             </a:r>
             <a:r>
               <a:rPr lang="en-US" sz="1700" dirty="0">
@@ -17972,7 +18000,7 @@
                 <a:ea typeface="+mn-lt"/>
                 <a:cs typeface="+mn-lt"/>
               </a:rPr>
-              <a:t>Objectives </a:t>
+              <a:t>Objective </a:t>
             </a:r>
             <a:r>
               <a:rPr lang="en-US" sz="1800" b="1" dirty="0"/>
@@ -18009,7 +18037,7 @@
                 <a:ea typeface="+mn-lt"/>
                 <a:cs typeface="+mn-lt"/>
               </a:rPr>
-              <a:t>Smart Bump Alert Device:</a:t>
+              <a:t>Smart Bump Alert Device first prototype:</a:t>
             </a:r>
             <a:endParaRPr lang="en-US" dirty="0">
               <a:ea typeface="+mn-lt"/>
@@ -18971,7 +18999,7 @@
             <a:round/>
             <a:extLst>
               <a:ext uri="{C807C97D-BFC1-408E-A445-0C87EB9F89A2}">
-                <ask:lineSketchStyleProps xmlns="" xmlns:ask="http://schemas.microsoft.com/office/drawing/2018/sketchyshapes" sd="1219033472">
+                <ask:lineSketchStyleProps xmlns:ask="http://schemas.microsoft.com/office/drawing/2018/sketchyshapes" xmlns="" sd="1219033472">
                   <a:prstGeom prst="rect">
                     <a:avLst/>
                   </a:prstGeom>
@@ -20066,7 +20094,7 @@
             <a:round/>
             <a:extLst>
               <a:ext uri="{C807C97D-BFC1-408E-A445-0C87EB9F89A2}">
-                <ask:lineSketchStyleProps xmlns="" xmlns:ask="http://schemas.microsoft.com/office/drawing/2018/sketchyshapes" sd="1219033472">
+                <ask:lineSketchStyleProps xmlns:ask="http://schemas.microsoft.com/office/drawing/2018/sketchyshapes" xmlns="" sd="1219033472">
                   <a:prstGeom prst="rect">
                     <a:avLst/>
                   </a:prstGeom>
